--- a/Slides/03_OOP_TrainingPlan.pptx
+++ b/Slides/03_OOP_TrainingPlan.pptx
@@ -5,7 +5,7 @@
     <p:sldMasterId id="2147483672" r:id="rId1"/>
   </p:sldMasterIdLst>
   <p:notesMasterIdLst>
-    <p:notesMasterId r:id="rId38"/>
+    <p:notesMasterId r:id="rId41"/>
   </p:notesMasterIdLst>
   <p:sldIdLst>
     <p:sldId id="256" r:id="rId2"/>
@@ -26,24 +26,27 @@
     <p:sldId id="329" r:id="rId17"/>
     <p:sldId id="333" r:id="rId18"/>
     <p:sldId id="343" r:id="rId19"/>
-    <p:sldId id="323" r:id="rId20"/>
-    <p:sldId id="322" r:id="rId21"/>
-    <p:sldId id="300" r:id="rId22"/>
-    <p:sldId id="303" r:id="rId23"/>
-    <p:sldId id="295" r:id="rId24"/>
-    <p:sldId id="305" r:id="rId25"/>
-    <p:sldId id="293" r:id="rId26"/>
-    <p:sldId id="334" r:id="rId27"/>
-    <p:sldId id="341" r:id="rId28"/>
-    <p:sldId id="344" r:id="rId29"/>
-    <p:sldId id="306" r:id="rId30"/>
-    <p:sldId id="326" r:id="rId31"/>
-    <p:sldId id="298" r:id="rId32"/>
-    <p:sldId id="335" r:id="rId33"/>
-    <p:sldId id="340" r:id="rId34"/>
-    <p:sldId id="331" r:id="rId35"/>
-    <p:sldId id="337" r:id="rId36"/>
-    <p:sldId id="345" r:id="rId37"/>
+    <p:sldId id="346" r:id="rId20"/>
+    <p:sldId id="323" r:id="rId21"/>
+    <p:sldId id="322" r:id="rId22"/>
+    <p:sldId id="300" r:id="rId23"/>
+    <p:sldId id="303" r:id="rId24"/>
+    <p:sldId id="295" r:id="rId25"/>
+    <p:sldId id="305" r:id="rId26"/>
+    <p:sldId id="293" r:id="rId27"/>
+    <p:sldId id="334" r:id="rId28"/>
+    <p:sldId id="341" r:id="rId29"/>
+    <p:sldId id="344" r:id="rId30"/>
+    <p:sldId id="347" r:id="rId31"/>
+    <p:sldId id="306" r:id="rId32"/>
+    <p:sldId id="326" r:id="rId33"/>
+    <p:sldId id="298" r:id="rId34"/>
+    <p:sldId id="335" r:id="rId35"/>
+    <p:sldId id="340" r:id="rId36"/>
+    <p:sldId id="348" r:id="rId37"/>
+    <p:sldId id="331" r:id="rId38"/>
+    <p:sldId id="337" r:id="rId39"/>
+    <p:sldId id="345" r:id="rId40"/>
   </p:sldIdLst>
   <p:sldSz cx="12192000" cy="6858000"/>
   <p:notesSz cx="6858000" cy="9144000"/>
@@ -232,7 +235,7 @@
           <a:p>
             <a:fld id="{4634CC69-5985-4F2B-94BC-C394CAD8886F}" type="datetimeFigureOut">
               <a:rPr lang="en-US" smtClean="0"/>
-              <a:t>2/11/2018</a:t>
+              <a:t>5/25/2018</a:t>
             </a:fld>
             <a:endParaRPr lang="en-US"/>
           </a:p>
@@ -296,38 +299,37 @@
           <a:p>
             <a:pPr lvl="0"/>
             <a:r>
-              <a:rPr lang="en-US" smtClean="0"/>
+              <a:rPr lang="en-US"/>
               <a:t>Click to edit Master text styles</a:t>
             </a:r>
           </a:p>
           <a:p>
             <a:pPr lvl="1"/>
             <a:r>
-              <a:rPr lang="en-US" smtClean="0"/>
+              <a:rPr lang="en-US"/>
               <a:t>Second level</a:t>
             </a:r>
           </a:p>
           <a:p>
             <a:pPr lvl="2"/>
             <a:r>
-              <a:rPr lang="en-US" smtClean="0"/>
+              <a:rPr lang="en-US"/>
               <a:t>Third level</a:t>
             </a:r>
           </a:p>
           <a:p>
             <a:pPr lvl="3"/>
             <a:r>
-              <a:rPr lang="en-US" smtClean="0"/>
+              <a:rPr lang="en-US"/>
               <a:t>Fourth level</a:t>
             </a:r>
           </a:p>
           <a:p>
             <a:pPr lvl="4"/>
             <a:r>
-              <a:rPr lang="en-US" smtClean="0"/>
+              <a:rPr lang="en-US"/>
               <a:t>Fifth level</a:t>
             </a:r>
-            <a:endParaRPr lang="en-US"/>
           </a:p>
         </p:txBody>
       </p:sp>
@@ -549,7 +551,7 @@
               <a:buChar char="•"/>
             </a:pPr>
             <a:r>
-              <a:rPr lang="en-US" baseline="0" dirty="0" smtClean="0"/>
+              <a:rPr lang="en-US" baseline="0" dirty="0"/>
               <a:t>Object Oriented Programming is a way of programming in which code is separated into objects or classes.</a:t>
             </a:r>
           </a:p>
@@ -559,7 +561,7 @@
               <a:buChar char="•"/>
             </a:pPr>
             <a:r>
-              <a:rPr lang="en-US" baseline="0" dirty="0" smtClean="0"/>
+              <a:rPr lang="en-US" baseline="0" dirty="0"/>
               <a:t>In this way it gives the programmer a way to have code represent something and to have single responsibility.</a:t>
             </a:r>
           </a:p>
@@ -569,7 +571,7 @@
               <a:buChar char="•"/>
             </a:pPr>
             <a:r>
-              <a:rPr lang="en-US" baseline="0" dirty="0" smtClean="0"/>
+              <a:rPr lang="en-US" baseline="0" dirty="0"/>
               <a:t>Single responsibility means that the class is only responsible for one thing and that it is only being used for one use case (or group of people that would use it).</a:t>
             </a:r>
           </a:p>
@@ -579,7 +581,7 @@
               <a:buChar char="•"/>
             </a:pPr>
             <a:r>
-              <a:rPr lang="en-US" baseline="0" dirty="0" smtClean="0"/>
+              <a:rPr lang="en-US" baseline="0" dirty="0"/>
               <a:t>This usually makes for more code reuse instead of just writing code throughout the program when you need it.</a:t>
             </a:r>
           </a:p>
@@ -589,7 +591,7 @@
               <a:buChar char="•"/>
             </a:pPr>
             <a:r>
-              <a:rPr lang="en-US" baseline="0" dirty="0" smtClean="0"/>
+              <a:rPr lang="en-US" baseline="0" dirty="0"/>
               <a:t>There is also the ability to inherit properties and methods from a base class.</a:t>
             </a:r>
           </a:p>
@@ -599,7 +601,7 @@
               <a:buChar char="•"/>
             </a:pPr>
             <a:r>
-              <a:rPr lang="en-US" baseline="0" dirty="0" smtClean="0"/>
+              <a:rPr lang="en-US" baseline="0" dirty="0"/>
               <a:t>So, for example you could have a shape base class with a height property and width property.</a:t>
             </a:r>
           </a:p>
@@ -609,7 +611,7 @@
               <a:buChar char="•"/>
             </a:pPr>
             <a:r>
-              <a:rPr lang="en-US" baseline="0" dirty="0" smtClean="0"/>
+              <a:rPr lang="en-US" baseline="0" dirty="0"/>
               <a:t>A square which is a particular type of shape would need these same properties and so could inherit from the shape class to use these same properties.</a:t>
             </a:r>
           </a:p>
@@ -619,15 +621,15 @@
               <a:buChar char="•"/>
             </a:pPr>
             <a:r>
-              <a:rPr lang="en-US" baseline="0" dirty="0" smtClean="0"/>
+              <a:rPr lang="en-US" baseline="0" dirty="0"/>
               <a:t>In </a:t>
             </a:r>
             <a:r>
-              <a:rPr lang="en-US" baseline="0" dirty="0" err="1" smtClean="0"/>
+              <a:rPr lang="en-US" baseline="0" dirty="0" err="1"/>
               <a:t>.Net</a:t>
             </a:r>
             <a:r>
-              <a:rPr lang="en-US" baseline="0" dirty="0" smtClean="0"/>
+              <a:rPr lang="en-US" baseline="0" dirty="0"/>
               <a:t> there is a difference between a class and an object.</a:t>
             </a:r>
           </a:p>
@@ -637,7 +639,7 @@
               <a:buChar char="•"/>
             </a:pPr>
             <a:r>
-              <a:rPr lang="en-US" baseline="0" dirty="0" smtClean="0"/>
+              <a:rPr lang="en-US" baseline="0" dirty="0"/>
               <a:t>The class is the definition.</a:t>
             </a:r>
           </a:p>
@@ -647,7 +649,7 @@
               <a:buChar char="•"/>
             </a:pPr>
             <a:r>
-              <a:rPr lang="en-US" baseline="0" dirty="0" smtClean="0"/>
+              <a:rPr lang="en-US" baseline="0" dirty="0"/>
               <a:t>The object is what is created each time a class is instantiated.</a:t>
             </a:r>
           </a:p>
@@ -657,7 +659,7 @@
               <a:buChar char="•"/>
             </a:pPr>
             <a:r>
-              <a:rPr lang="en-US" baseline="0" dirty="0" smtClean="0"/>
+              <a:rPr lang="en-US" baseline="0" dirty="0"/>
               <a:t>There are alternatives to object oriented programming such as procedural and functional programming.</a:t>
             </a:r>
           </a:p>
@@ -667,7 +669,7 @@
               <a:buChar char="•"/>
             </a:pPr>
             <a:r>
-              <a:rPr lang="en-US" baseline="0" dirty="0" smtClean="0"/>
+              <a:rPr lang="en-US" baseline="0" dirty="0"/>
               <a:t>All of these paradigms are now used together.</a:t>
             </a:r>
           </a:p>
@@ -934,7 +936,7 @@
               <a:buChar char="•"/>
             </a:pPr>
             <a:r>
-              <a:rPr lang="en-US" baseline="0" dirty="0" smtClean="0"/>
+              <a:rPr lang="en-US" baseline="0" dirty="0"/>
               <a:t>Properties represent data associated with the class or object.</a:t>
             </a:r>
           </a:p>
@@ -944,7 +946,7 @@
               <a:buChar char="•"/>
             </a:pPr>
             <a:r>
-              <a:rPr lang="en-US" baseline="0" dirty="0" smtClean="0"/>
+              <a:rPr lang="en-US" baseline="0" dirty="0"/>
               <a:t>Properties are available outside of the class and are considered part of the interface of the class.</a:t>
             </a:r>
           </a:p>
@@ -954,7 +956,7 @@
               <a:buChar char="•"/>
             </a:pPr>
             <a:r>
-              <a:rPr lang="en-US" baseline="0" dirty="0" smtClean="0"/>
+              <a:rPr lang="en-US" baseline="0" dirty="0"/>
               <a:t>There is a get part of the property which allows retrieval of data.</a:t>
             </a:r>
           </a:p>
@@ -964,7 +966,7 @@
               <a:buChar char="•"/>
             </a:pPr>
             <a:r>
-              <a:rPr lang="en-US" baseline="0" dirty="0" smtClean="0"/>
+              <a:rPr lang="en-US" baseline="0" dirty="0"/>
               <a:t>Also, there is a set part of the property which allows assignment of data.</a:t>
             </a:r>
           </a:p>
@@ -974,7 +976,7 @@
               <a:buChar char="•"/>
             </a:pPr>
             <a:r>
-              <a:rPr lang="en-US" baseline="0" dirty="0" smtClean="0"/>
+              <a:rPr lang="en-US" baseline="0" dirty="0"/>
               <a:t>Only one part (the get or the set) is required to be implemented.</a:t>
             </a:r>
           </a:p>
@@ -984,7 +986,7 @@
               <a:buChar char="•"/>
             </a:pPr>
             <a:r>
-              <a:rPr lang="en-US" baseline="0" dirty="0" smtClean="0"/>
+              <a:rPr lang="en-US" baseline="0" dirty="0"/>
               <a:t>If get is not implemented, then the user of the class would not be able to retrieve data.</a:t>
             </a:r>
           </a:p>
@@ -994,7 +996,7 @@
               <a:buChar char="•"/>
             </a:pPr>
             <a:r>
-              <a:rPr lang="en-US" baseline="0" dirty="0" smtClean="0"/>
+              <a:rPr lang="en-US" baseline="0" dirty="0"/>
               <a:t>If set is not implemented, then the user of the class would not be able to assign data.</a:t>
             </a:r>
           </a:p>
@@ -1085,7 +1087,7 @@
               <a:buChar char="•"/>
             </a:pPr>
             <a:r>
-              <a:rPr lang="en-US" baseline="0" dirty="0" smtClean="0"/>
+              <a:rPr lang="en-US" baseline="0" dirty="0"/>
               <a:t>Properties have a shorthand syntax called auto implemented properties.</a:t>
             </a:r>
           </a:p>
@@ -1095,7 +1097,7 @@
               <a:buChar char="•"/>
             </a:pPr>
             <a:r>
-              <a:rPr lang="en-US" baseline="0" dirty="0" smtClean="0"/>
+              <a:rPr lang="en-US" baseline="0" dirty="0"/>
               <a:t>In these methods a variable is created that underlies the property.</a:t>
             </a:r>
           </a:p>
@@ -1105,7 +1107,7 @@
               <a:buChar char="•"/>
             </a:pPr>
             <a:r>
-              <a:rPr lang="en-US" baseline="0" dirty="0" smtClean="0"/>
+              <a:rPr lang="en-US" baseline="0" dirty="0"/>
               <a:t>This variable is assigned in the set and retrieved from the get.</a:t>
             </a:r>
           </a:p>
@@ -1196,7 +1198,7 @@
               <a:buChar char="•"/>
             </a:pPr>
             <a:r>
-              <a:rPr lang="en-US" baseline="0" dirty="0" smtClean="0"/>
+              <a:rPr lang="en-US" baseline="0" dirty="0"/>
               <a:t>A class needs to be instantiated to be used unless it is static.</a:t>
             </a:r>
           </a:p>
@@ -1206,7 +1208,7 @@
               <a:buChar char="•"/>
             </a:pPr>
             <a:r>
-              <a:rPr lang="en-US" baseline="0" dirty="0" smtClean="0"/>
+              <a:rPr lang="en-US" baseline="0" dirty="0"/>
               <a:t>A class can be instantiated as many times as needed.</a:t>
             </a:r>
           </a:p>
@@ -1216,7 +1218,7 @@
               <a:buChar char="•"/>
             </a:pPr>
             <a:r>
-              <a:rPr lang="en-US" baseline="0" dirty="0" smtClean="0"/>
+              <a:rPr lang="en-US" baseline="0" dirty="0"/>
               <a:t>Changing the data or calling a method in one instance of a class does not effect the data in another instance of the class.</a:t>
             </a:r>
           </a:p>
@@ -1226,7 +1228,7 @@
               <a:buChar char="•"/>
             </a:pPr>
             <a:r>
-              <a:rPr lang="en-US" baseline="0" dirty="0" smtClean="0"/>
+              <a:rPr lang="en-US" baseline="0" dirty="0"/>
               <a:t>Be careful though, if variables are pointing to the same instance of a class then changes will effect both variables.</a:t>
             </a:r>
           </a:p>
@@ -1313,10 +1315,9 @@
           <a:lstStyle/>
           <a:p>
             <a:r>
-              <a:rPr lang="en-US" dirty="0" smtClean="0"/>
+              <a:rPr lang="en-US" dirty="0"/>
               <a:t>Let’s go through some examples</a:t>
             </a:r>
-            <a:endParaRPr lang="en-US" dirty="0"/>
           </a:p>
         </p:txBody>
       </p:sp>
@@ -1405,7 +1406,7 @@
               <a:buChar char="•"/>
             </a:pPr>
             <a:r>
-              <a:rPr lang="en-US" sz="1200" kern="1200" dirty="0" smtClean="0">
+              <a:rPr lang="en-US" sz="1200" kern="1200" dirty="0">
                 <a:solidFill>
                   <a:schemeClr val="tx1"/>
                 </a:solidFill>
@@ -1423,7 +1424,7 @@
               <a:buChar char="•"/>
             </a:pPr>
             <a:r>
-              <a:rPr lang="en-US" sz="1200" kern="1200" dirty="0" smtClean="0">
+              <a:rPr lang="en-US" sz="1200" kern="1200" dirty="0">
                 <a:solidFill>
                   <a:schemeClr val="tx1"/>
                 </a:solidFill>
@@ -1616,48 +1617,7 @@
               <a:buFont typeface="Arial" panose="020B0604020202020204" pitchFamily="34" charset="0"/>
               <a:buChar char="•"/>
             </a:pPr>
-            <a:r>
-              <a:rPr lang="en-US" baseline="0" dirty="0" smtClean="0"/>
-              <a:t>Anonymous types allow for a type to be created dynamically.</a:t>
-            </a:r>
-          </a:p>
-          <a:p>
-            <a:pPr marL="171450" indent="-171450">
-              <a:buFont typeface="Arial" panose="020B0604020202020204" pitchFamily="34" charset="0"/>
-              <a:buChar char="•"/>
-            </a:pPr>
-            <a:r>
-              <a:rPr lang="en-US" baseline="0" dirty="0" smtClean="0"/>
-              <a:t>This would usually be for one time use, since you would want to define it as a class if you were going to be using it over and over again.</a:t>
-            </a:r>
-          </a:p>
-          <a:p>
-            <a:pPr marL="171450" indent="-171450">
-              <a:buFont typeface="Arial" panose="020B0604020202020204" pitchFamily="34" charset="0"/>
-              <a:buChar char="•"/>
-            </a:pPr>
-            <a:r>
-              <a:rPr lang="en-US" baseline="0" dirty="0" smtClean="0"/>
-              <a:t>The </a:t>
-            </a:r>
-            <a:r>
-              <a:rPr lang="en-US" baseline="0" dirty="0" err="1" smtClean="0"/>
-              <a:t>var</a:t>
-            </a:r>
-            <a:r>
-              <a:rPr lang="en-US" baseline="0" dirty="0" smtClean="0"/>
-              <a:t> keyword can be used to declare a variable and get it’s type based upon which instance of an object is assigned to it.</a:t>
-            </a:r>
-          </a:p>
-          <a:p>
-            <a:pPr marL="628650" lvl="1" indent="-171450">
-              <a:buFont typeface="Arial" panose="020B0604020202020204" pitchFamily="34" charset="0"/>
-              <a:buChar char="•"/>
-            </a:pPr>
-            <a:r>
-              <a:rPr lang="en-US" baseline="0" dirty="0" smtClean="0"/>
-              <a:t>This is ideal for anonymous types.</a:t>
-            </a:r>
+            <a:endParaRPr lang="en-US" dirty="0"/>
           </a:p>
         </p:txBody>
       </p:sp>
@@ -1676,7 +1636,7 @@
           <a:bodyPr/>
           <a:lstStyle/>
           <a:p>
-            <a:fld id="{90562276-63C7-43F9-8E9E-CFA137F6F839}" type="slidenum">
+            <a:fld id="{226FA58D-4B12-4E7B-A2FA-693CE3EACDFD}" type="slidenum">
               <a:rPr lang="en-US" smtClean="0"/>
               <a:t>19</a:t>
             </a:fld>
@@ -1687,7 +1647,7 @@
     </p:spTree>
     <p:extLst>
       <p:ext uri="{BB962C8B-B14F-4D97-AF65-F5344CB8AC3E}">
-        <p14:creationId xmlns:p14="http://schemas.microsoft.com/office/powerpoint/2010/main" val="2721498854"/>
+        <p14:creationId xmlns:p14="http://schemas.microsoft.com/office/powerpoint/2010/main" val="2646950596"/>
       </p:ext>
     </p:extLst>
   </p:cSld>
@@ -1746,8 +1706,8 @@
               <a:buChar char="•"/>
             </a:pPr>
             <a:r>
-              <a:rPr lang="en-US" baseline="0" dirty="0" smtClean="0"/>
-              <a:t>Encapsulation is the objective to only provide what is necessary to the user of a class.</a:t>
+              <a:rPr lang="en-US" baseline="0" dirty="0"/>
+              <a:t>Anonymous types allow for a type to be created dynamically.</a:t>
             </a:r>
           </a:p>
           <a:p>
@@ -1756,8 +1716,8 @@
               <a:buChar char="•"/>
             </a:pPr>
             <a:r>
-              <a:rPr lang="en-US" baseline="0" dirty="0" smtClean="0"/>
-              <a:t>Any other details of the class should be hidden to the user of a class.</a:t>
+              <a:rPr lang="en-US" baseline="0" dirty="0"/>
+              <a:t>This would usually be for one time use, since you would want to define it as a class if you were going to be using it over and over again.</a:t>
             </a:r>
           </a:p>
           <a:p>
@@ -1766,18 +1726,16 @@
               <a:buChar char="•"/>
             </a:pPr>
             <a:r>
-              <a:rPr lang="en-US" baseline="0" dirty="0" smtClean="0"/>
-              <a:t>This makes the class easier to use, because there is less information to take in.</a:t>
-            </a:r>
-          </a:p>
-          <a:p>
-            <a:pPr marL="171450" indent="-171450">
-              <a:buFont typeface="Arial" panose="020B0604020202020204" pitchFamily="34" charset="0"/>
-              <a:buChar char="•"/>
-            </a:pPr>
-            <a:r>
-              <a:rPr lang="en-US" baseline="0" dirty="0" smtClean="0"/>
-              <a:t>There is also less chance to use the class incorrectly.</a:t>
+              <a:rPr lang="en-US" baseline="0" dirty="0"/>
+              <a:t>The </a:t>
+            </a:r>
+            <a:r>
+              <a:rPr lang="en-US" baseline="0" dirty="0" err="1"/>
+              <a:t>var</a:t>
+            </a:r>
+            <a:r>
+              <a:rPr lang="en-US" baseline="0" dirty="0"/>
+              <a:t> keyword can be used to declare a variable and get it’s type based upon which instance of an object is assigned to it.</a:t>
             </a:r>
           </a:p>
           <a:p>
@@ -1786,8 +1744,8 @@
               <a:buChar char="•"/>
             </a:pPr>
             <a:r>
-              <a:rPr lang="en-US" baseline="0" dirty="0" smtClean="0"/>
-              <a:t>Meaning if there are dependencies on how methods should be called then the class itself can figure that out and not allow methods to be called by users of the class directly.</a:t>
+              <a:rPr lang="en-US" baseline="0" dirty="0"/>
+              <a:t>This is ideal for anonymous types.</a:t>
             </a:r>
           </a:p>
         </p:txBody>
@@ -1818,7 +1776,7 @@
     </p:spTree>
     <p:extLst>
       <p:ext uri="{BB962C8B-B14F-4D97-AF65-F5344CB8AC3E}">
-        <p14:creationId xmlns:p14="http://schemas.microsoft.com/office/powerpoint/2010/main" val="730152154"/>
+        <p14:creationId xmlns:p14="http://schemas.microsoft.com/office/powerpoint/2010/main" val="2721498854"/>
       </p:ext>
     </p:extLst>
   </p:cSld>
@@ -1877,7 +1835,7 @@
               <a:buChar char="•"/>
             </a:pPr>
             <a:r>
-              <a:rPr lang="en-US" baseline="0" dirty="0" smtClean="0"/>
+              <a:rPr lang="en-US" baseline="0" dirty="0"/>
               <a:t>Classes are statement blocks that contain methods and properties and fields.</a:t>
             </a:r>
           </a:p>
@@ -1887,7 +1845,7 @@
               <a:buChar char="•"/>
             </a:pPr>
             <a:r>
-              <a:rPr lang="en-US" baseline="0" dirty="0" smtClean="0"/>
+              <a:rPr lang="en-US" baseline="0" dirty="0"/>
               <a:t>The methods act as the actions or behaviors of the object.</a:t>
             </a:r>
           </a:p>
@@ -1897,7 +1855,7 @@
               <a:buChar char="•"/>
             </a:pPr>
             <a:r>
-              <a:rPr lang="en-US" baseline="0" dirty="0" smtClean="0"/>
+              <a:rPr lang="en-US" baseline="0" dirty="0"/>
               <a:t>The properties and fields are used to store data for the object.</a:t>
             </a:r>
           </a:p>
@@ -1907,7 +1865,7 @@
               <a:buChar char="•"/>
             </a:pPr>
             <a:r>
-              <a:rPr lang="en-US" baseline="0" dirty="0" smtClean="0"/>
+              <a:rPr lang="en-US" baseline="0" dirty="0"/>
               <a:t>Classes contain grouped together data and actions that mimic something similar to objects in the real world (tangible or intangible).</a:t>
             </a:r>
           </a:p>
@@ -1917,7 +1875,7 @@
               <a:buChar char="•"/>
             </a:pPr>
             <a:r>
-              <a:rPr lang="en-US" baseline="0" dirty="0" smtClean="0"/>
+              <a:rPr lang="en-US" baseline="0" dirty="0"/>
               <a:t>Classes should have a single responsibility, meaning they should not do too much and should represent one use case from one set of users.</a:t>
             </a:r>
           </a:p>
@@ -1927,7 +1885,7 @@
               <a:buChar char="•"/>
             </a:pPr>
             <a:r>
-              <a:rPr lang="en-US" baseline="0" dirty="0" smtClean="0"/>
+              <a:rPr lang="en-US" baseline="0" dirty="0"/>
               <a:t>The class is the definition, the object is the instance of that class.</a:t>
             </a:r>
           </a:p>
@@ -2018,8 +1976,8 @@
               <a:buChar char="•"/>
             </a:pPr>
             <a:r>
-              <a:rPr lang="en-US" baseline="0" dirty="0" smtClean="0"/>
-              <a:t>Scope access modifiers specify who can access what code where</a:t>
+              <a:rPr lang="en-US" baseline="0" dirty="0"/>
+              <a:t>Encapsulation is the objective to only provide what is necessary to the user of a class.</a:t>
             </a:r>
           </a:p>
           <a:p>
@@ -2028,8 +1986,8 @@
               <a:buChar char="•"/>
             </a:pPr>
             <a:r>
-              <a:rPr lang="en-US" baseline="0" dirty="0" smtClean="0"/>
-              <a:t>These can be used on classes, methods, properties, or fields.</a:t>
+              <a:rPr lang="en-US" baseline="0" dirty="0"/>
+              <a:t>Any other details of the class should be hidden to the user of a class.</a:t>
             </a:r>
           </a:p>
           <a:p>
@@ -2038,54 +1996,8 @@
               <a:buChar char="•"/>
             </a:pPr>
             <a:r>
-              <a:rPr lang="en-US" baseline="0" dirty="0" smtClean="0"/>
-              <a:t>If it is defined as public it means that code can be accessed by everyone from anywhere.</a:t>
-            </a:r>
-          </a:p>
-          <a:p>
-            <a:pPr marL="171450" marR="0" lvl="0" indent="-171450" algn="l" defTabSz="914400" rtl="0" eaLnBrk="1" fontAlgn="auto" latinLnBrk="0" hangingPunct="1">
-              <a:lnSpc>
-                <a:spcPct val="100000"/>
-              </a:lnSpc>
-              <a:spcBef>
-                <a:spcPts val="0"/>
-              </a:spcBef>
-              <a:spcAft>
-                <a:spcPts val="0"/>
-              </a:spcAft>
-              <a:buClrTx/>
-              <a:buSzTx/>
-              <a:buFont typeface="Arial" panose="020B0604020202020204" pitchFamily="34" charset="0"/>
-              <a:buChar char="•"/>
-              <a:tabLst/>
-              <a:defRPr/>
-            </a:pPr>
-            <a:r>
-              <a:rPr lang="en-US" baseline="0" dirty="0" smtClean="0"/>
-              <a:t>If it is defined as internal it means that code can be accessed by other classes within the same assembly (project).</a:t>
-            </a:r>
-          </a:p>
-          <a:p>
-            <a:pPr marL="171450" marR="0" lvl="0" indent="-171450" algn="l" defTabSz="914400" rtl="0" eaLnBrk="1" fontAlgn="auto" latinLnBrk="0" hangingPunct="1">
-              <a:lnSpc>
-                <a:spcPct val="100000"/>
-              </a:lnSpc>
-              <a:spcBef>
-                <a:spcPts val="0"/>
-              </a:spcBef>
-              <a:spcAft>
-                <a:spcPts val="0"/>
-              </a:spcAft>
-              <a:buClrTx/>
-              <a:buSzTx/>
-              <a:buFont typeface="Arial" panose="020B0604020202020204" pitchFamily="34" charset="0"/>
-              <a:buChar char="•"/>
-              <a:tabLst/>
-              <a:defRPr/>
-            </a:pPr>
-            <a:r>
-              <a:rPr lang="en-US" baseline="0" dirty="0" smtClean="0"/>
-              <a:t>If it is defined as private it means that code can be access only within that class.</a:t>
+              <a:rPr lang="en-US" baseline="0" dirty="0"/>
+              <a:t>This makes the class easier to use, because there is less information to take in.</a:t>
             </a:r>
           </a:p>
           <a:p>
@@ -2094,8 +2006,18 @@
               <a:buChar char="•"/>
             </a:pPr>
             <a:r>
-              <a:rPr lang="en-US" baseline="0" dirty="0" smtClean="0"/>
-              <a:t>If it is defined as protected it means that code can be accessed only by derived classes.</a:t>
+              <a:rPr lang="en-US" baseline="0" dirty="0"/>
+              <a:t>There is also less chance to use the class incorrectly.</a:t>
+            </a:r>
+          </a:p>
+          <a:p>
+            <a:pPr marL="628650" lvl="1" indent="-171450">
+              <a:buFont typeface="Arial" panose="020B0604020202020204" pitchFamily="34" charset="0"/>
+              <a:buChar char="•"/>
+            </a:pPr>
+            <a:r>
+              <a:rPr lang="en-US" baseline="0" dirty="0"/>
+              <a:t>Meaning if there are dependencies on how methods should be called then the class itself can figure that out and not allow methods to be called by users of the class directly.</a:t>
             </a:r>
           </a:p>
         </p:txBody>
@@ -2126,7 +2048,7 @@
     </p:spTree>
     <p:extLst>
       <p:ext uri="{BB962C8B-B14F-4D97-AF65-F5344CB8AC3E}">
-        <p14:creationId xmlns:p14="http://schemas.microsoft.com/office/powerpoint/2010/main" val="245405014"/>
+        <p14:creationId xmlns:p14="http://schemas.microsoft.com/office/powerpoint/2010/main" val="730152154"/>
       </p:ext>
     </p:extLst>
   </p:cSld>
@@ -2185,8 +2107,8 @@
               <a:buChar char="•"/>
             </a:pPr>
             <a:r>
-              <a:rPr lang="en-US" baseline="0" dirty="0" smtClean="0"/>
-              <a:t>Variables have scope depending upon where they are defined and the scope access attached to them.</a:t>
+              <a:rPr lang="en-US" baseline="0" dirty="0"/>
+              <a:t>Scope access modifiers specify who can access what code where</a:t>
             </a:r>
           </a:p>
           <a:p>
@@ -2195,8 +2117,8 @@
               <a:buChar char="•"/>
             </a:pPr>
             <a:r>
-              <a:rPr lang="en-US" baseline="0" dirty="0" smtClean="0"/>
-              <a:t>Those defined as public are available everywhere.</a:t>
+              <a:rPr lang="en-US" baseline="0" dirty="0"/>
+              <a:t>These can be used on classes, methods, properties, or fields.</a:t>
             </a:r>
           </a:p>
           <a:p>
@@ -2205,8 +2127,54 @@
               <a:buChar char="•"/>
             </a:pPr>
             <a:r>
-              <a:rPr lang="en-US" baseline="0" dirty="0" smtClean="0"/>
-              <a:t>Those defined as private within the class are available anywhere in the class.  Also known as modular variables.</a:t>
+              <a:rPr lang="en-US" baseline="0" dirty="0"/>
+              <a:t>If it is defined as public it means that code can be accessed by everyone from anywhere.</a:t>
+            </a:r>
+          </a:p>
+          <a:p>
+            <a:pPr marL="171450" marR="0" lvl="0" indent="-171450" algn="l" defTabSz="914400" rtl="0" eaLnBrk="1" fontAlgn="auto" latinLnBrk="0" hangingPunct="1">
+              <a:lnSpc>
+                <a:spcPct val="100000"/>
+              </a:lnSpc>
+              <a:spcBef>
+                <a:spcPts val="0"/>
+              </a:spcBef>
+              <a:spcAft>
+                <a:spcPts val="0"/>
+              </a:spcAft>
+              <a:buClrTx/>
+              <a:buSzTx/>
+              <a:buFont typeface="Arial" panose="020B0604020202020204" pitchFamily="34" charset="0"/>
+              <a:buChar char="•"/>
+              <a:tabLst/>
+              <a:defRPr/>
+            </a:pPr>
+            <a:r>
+              <a:rPr lang="en-US" baseline="0" dirty="0"/>
+              <a:t>If it is defined as internal it means that code can be accessed by other classes within the same assembly (project).</a:t>
+            </a:r>
+          </a:p>
+          <a:p>
+            <a:pPr marL="171450" marR="0" lvl="0" indent="-171450" algn="l" defTabSz="914400" rtl="0" eaLnBrk="1" fontAlgn="auto" latinLnBrk="0" hangingPunct="1">
+              <a:lnSpc>
+                <a:spcPct val="100000"/>
+              </a:lnSpc>
+              <a:spcBef>
+                <a:spcPts val="0"/>
+              </a:spcBef>
+              <a:spcAft>
+                <a:spcPts val="0"/>
+              </a:spcAft>
+              <a:buClrTx/>
+              <a:buSzTx/>
+              <a:buFont typeface="Arial" panose="020B0604020202020204" pitchFamily="34" charset="0"/>
+              <a:buChar char="•"/>
+              <a:tabLst/>
+              <a:defRPr/>
+            </a:pPr>
+            <a:r>
+              <a:rPr lang="en-US" baseline="0" dirty="0"/>
+              <a:t>If it is defined as private it means that code can be access only within that class.</a:t>
             </a:r>
           </a:p>
           <a:p>
@@ -2215,8 +2183,8 @@
               <a:buChar char="•"/>
             </a:pPr>
             <a:r>
-              <a:rPr lang="en-US" baseline="0" dirty="0" smtClean="0"/>
-              <a:t>Those defined in a method are local and can only be accessed within that method.</a:t>
+              <a:rPr lang="en-US" baseline="0" dirty="0"/>
+              <a:t>If it is defined as protected it means that code can be accessed only by derived classes.</a:t>
             </a:r>
           </a:p>
         </p:txBody>
@@ -2247,7 +2215,7 @@
     </p:spTree>
     <p:extLst>
       <p:ext uri="{BB962C8B-B14F-4D97-AF65-F5344CB8AC3E}">
-        <p14:creationId xmlns:p14="http://schemas.microsoft.com/office/powerpoint/2010/main" val="1494073767"/>
+        <p14:creationId xmlns:p14="http://schemas.microsoft.com/office/powerpoint/2010/main" val="245405014"/>
       </p:ext>
     </p:extLst>
   </p:cSld>
@@ -2306,8 +2274,8 @@
               <a:buChar char="•"/>
             </a:pPr>
             <a:r>
-              <a:rPr lang="en-US" baseline="0" dirty="0" smtClean="0"/>
-              <a:t>Here’s a more detailed example of inheritance.</a:t>
+              <a:rPr lang="en-US" baseline="0" dirty="0"/>
+              <a:t>Variables have scope depending upon where they are defined and the scope access attached to them.</a:t>
             </a:r>
           </a:p>
           <a:p>
@@ -2316,8 +2284,8 @@
               <a:buChar char="•"/>
             </a:pPr>
             <a:r>
-              <a:rPr lang="en-US" baseline="0" dirty="0" smtClean="0"/>
-              <a:t>A derived class inherits from the base class</a:t>
+              <a:rPr lang="en-US" baseline="0" dirty="0"/>
+              <a:t>Those defined as public are available everywhere.</a:t>
             </a:r>
           </a:p>
           <a:p>
@@ -2326,8 +2294,8 @@
               <a:buChar char="•"/>
             </a:pPr>
             <a:r>
-              <a:rPr lang="en-US" baseline="0" dirty="0" smtClean="0"/>
-              <a:t>This means that all properties, fields, and methods of the base class now belong to the derived class.</a:t>
+              <a:rPr lang="en-US" baseline="0" dirty="0"/>
+              <a:t>Those defined as private within the class are available anywhere in the class.  Also known as modular variables.</a:t>
             </a:r>
           </a:p>
           <a:p>
@@ -2336,66 +2304,8 @@
               <a:buChar char="•"/>
             </a:pPr>
             <a:r>
-              <a:rPr lang="en-US" baseline="0" dirty="0" smtClean="0"/>
-              <a:t>In this shapes example there are a number of methods available in object.</a:t>
-            </a:r>
-          </a:p>
-          <a:p>
-            <a:pPr marL="171450" indent="-171450">
-              <a:buFont typeface="Arial" panose="020B0604020202020204" pitchFamily="34" charset="0"/>
-              <a:buChar char="•"/>
-            </a:pPr>
-            <a:r>
-              <a:rPr lang="en-US" baseline="0" dirty="0" smtClean="0"/>
-              <a:t>Since all types inherit from object these methods exist in our shape class.</a:t>
-            </a:r>
-          </a:p>
-          <a:p>
-            <a:pPr marL="171450" indent="-171450">
-              <a:buFont typeface="Arial" panose="020B0604020202020204" pitchFamily="34" charset="0"/>
-              <a:buChar char="•"/>
-            </a:pPr>
-            <a:r>
-              <a:rPr lang="en-US" baseline="0" dirty="0" smtClean="0"/>
-              <a:t>We add the draw and area methods to the shape class</a:t>
-            </a:r>
-          </a:p>
-          <a:p>
-            <a:pPr marL="171450" indent="-171450">
-              <a:buFont typeface="Arial" panose="020B0604020202020204" pitchFamily="34" charset="0"/>
-              <a:buChar char="•"/>
-            </a:pPr>
-            <a:r>
-              <a:rPr lang="en-US" baseline="0" dirty="0" smtClean="0"/>
-              <a:t>Then we create a rectangle and circle class</a:t>
-            </a:r>
-          </a:p>
-          <a:p>
-            <a:pPr marL="171450" indent="-171450">
-              <a:buFont typeface="Arial" panose="020B0604020202020204" pitchFamily="34" charset="0"/>
-              <a:buChar char="•"/>
-            </a:pPr>
-            <a:r>
-              <a:rPr lang="en-US" baseline="0" dirty="0" smtClean="0"/>
-              <a:t>Both of these can inherit from the shape class to gain the draw and area methods.</a:t>
-            </a:r>
-          </a:p>
-          <a:p>
-            <a:pPr marL="171450" indent="-171450">
-              <a:buFont typeface="Arial" panose="020B0604020202020204" pitchFamily="34" charset="0"/>
-              <a:buChar char="•"/>
-            </a:pPr>
-            <a:r>
-              <a:rPr lang="en-US" baseline="0" dirty="0" smtClean="0"/>
-              <a:t>Then we differentiate these because we will only use the diameter property for the circle, but we will add </a:t>
-            </a:r>
-            <a:r>
-              <a:rPr lang="en-US" baseline="0" dirty="0" smtClean="0"/>
-              <a:t>height </a:t>
-            </a:r>
-            <a:r>
-              <a:rPr lang="en-US" baseline="0" dirty="0" smtClean="0"/>
-              <a:t>and width to the rectangle class.</a:t>
+              <a:rPr lang="en-US" baseline="0" dirty="0"/>
+              <a:t>Those defined in a method are local and can only be accessed within that method.</a:t>
             </a:r>
           </a:p>
         </p:txBody>
@@ -2426,7 +2336,7 @@
     </p:spTree>
     <p:extLst>
       <p:ext uri="{BB962C8B-B14F-4D97-AF65-F5344CB8AC3E}">
-        <p14:creationId xmlns:p14="http://schemas.microsoft.com/office/powerpoint/2010/main" val="679363628"/>
+        <p14:creationId xmlns:p14="http://schemas.microsoft.com/office/powerpoint/2010/main" val="1494073767"/>
       </p:ext>
     </p:extLst>
   </p:cSld>
@@ -2485,8 +2395,8 @@
               <a:buChar char="•"/>
             </a:pPr>
             <a:r>
-              <a:rPr lang="en-US" baseline="0" dirty="0" smtClean="0"/>
-              <a:t>A class or method can be specified as abstract.</a:t>
+              <a:rPr lang="en-US" baseline="0" dirty="0"/>
+              <a:t>Here’s a more detailed example of inheritance.</a:t>
             </a:r>
           </a:p>
           <a:p>
@@ -2495,8 +2405,8 @@
               <a:buChar char="•"/>
             </a:pPr>
             <a:r>
-              <a:rPr lang="en-US" baseline="0" dirty="0" smtClean="0"/>
-              <a:t>For a class this means that it can not be instantiated directly.  The derived class must be instantiated instead.</a:t>
+              <a:rPr lang="en-US" baseline="0" dirty="0"/>
+              <a:t>A derived class inherits from the base class</a:t>
             </a:r>
           </a:p>
           <a:p>
@@ -2505,8 +2415,8 @@
               <a:buChar char="•"/>
             </a:pPr>
             <a:r>
-              <a:rPr lang="en-US" baseline="0" dirty="0" smtClean="0"/>
-              <a:t>For a method it means that there is no implementation of the method, but the derived class needs to implement the method.</a:t>
+              <a:rPr lang="en-US" baseline="0" dirty="0"/>
+              <a:t>This means that all properties, fields, and methods of the base class now belong to the derived class.</a:t>
             </a:r>
           </a:p>
           <a:p>
@@ -2515,8 +2425,8 @@
               <a:buChar char="•"/>
             </a:pPr>
             <a:r>
-              <a:rPr lang="en-US" baseline="0" dirty="0" smtClean="0"/>
-              <a:t>A class or method can be specified as sealed.</a:t>
+              <a:rPr lang="en-US" baseline="0" dirty="0"/>
+              <a:t>In this shapes example there are a number of methods available in object.</a:t>
             </a:r>
           </a:p>
           <a:p>
@@ -2525,8 +2435,8 @@
               <a:buChar char="•"/>
             </a:pPr>
             <a:r>
-              <a:rPr lang="en-US" baseline="0" dirty="0" smtClean="0"/>
-              <a:t>This means that the class cannot be inherited or the method cannot have an override.</a:t>
+              <a:rPr lang="en-US" baseline="0" dirty="0"/>
+              <a:t>Since all types inherit from object these methods exist in our shape class.</a:t>
             </a:r>
           </a:p>
           <a:p>
@@ -2535,8 +2445,8 @@
               <a:buChar char="•"/>
             </a:pPr>
             <a:r>
-              <a:rPr lang="en-US" baseline="0" dirty="0" smtClean="0"/>
-              <a:t>Virtual means that the method can have an override.</a:t>
+              <a:rPr lang="en-US" baseline="0" dirty="0"/>
+              <a:t>We add the draw and area methods to the shape class</a:t>
             </a:r>
           </a:p>
           <a:p>
@@ -2545,8 +2455,28 @@
               <a:buChar char="•"/>
             </a:pPr>
             <a:r>
-              <a:rPr lang="en-US" baseline="0" dirty="0" smtClean="0"/>
-              <a:t>Override means that the method is overriding what is in the base class.  So, run the logic in the derived class instead of in the base class.</a:t>
+              <a:rPr lang="en-US" baseline="0" dirty="0"/>
+              <a:t>Then we create a rectangle and circle class</a:t>
+            </a:r>
+          </a:p>
+          <a:p>
+            <a:pPr marL="171450" indent="-171450">
+              <a:buFont typeface="Arial" panose="020B0604020202020204" pitchFamily="34" charset="0"/>
+              <a:buChar char="•"/>
+            </a:pPr>
+            <a:r>
+              <a:rPr lang="en-US" baseline="0" dirty="0"/>
+              <a:t>Both of these can inherit from the shape class to gain the draw and area methods.</a:t>
+            </a:r>
+          </a:p>
+          <a:p>
+            <a:pPr marL="171450" indent="-171450">
+              <a:buFont typeface="Arial" panose="020B0604020202020204" pitchFamily="34" charset="0"/>
+              <a:buChar char="•"/>
+            </a:pPr>
+            <a:r>
+              <a:rPr lang="en-US" baseline="0" dirty="0"/>
+              <a:t>Then we differentiate these because we will only use the diameter property for the circle, but we will add height and width to the rectangle class.</a:t>
             </a:r>
           </a:p>
         </p:txBody>
@@ -2577,7 +2507,7 @@
     </p:spTree>
     <p:extLst>
       <p:ext uri="{BB962C8B-B14F-4D97-AF65-F5344CB8AC3E}">
-        <p14:creationId xmlns:p14="http://schemas.microsoft.com/office/powerpoint/2010/main" val="266338237"/>
+        <p14:creationId xmlns:p14="http://schemas.microsoft.com/office/powerpoint/2010/main" val="679363628"/>
       </p:ext>
     </p:extLst>
   </p:cSld>
@@ -2631,11 +2561,74 @@
           <a:bodyPr/>
           <a:lstStyle/>
           <a:p>
-            <a:r>
-              <a:rPr lang="en-US" dirty="0" smtClean="0"/>
-              <a:t>Let’s go through some examples</a:t>
-            </a:r>
-            <a:endParaRPr lang="en-US" dirty="0"/>
+            <a:pPr marL="171450" indent="-171450">
+              <a:buFont typeface="Arial" panose="020B0604020202020204" pitchFamily="34" charset="0"/>
+              <a:buChar char="•"/>
+            </a:pPr>
+            <a:r>
+              <a:rPr lang="en-US" baseline="0" dirty="0"/>
+              <a:t>A class or method can be specified as abstract.</a:t>
+            </a:r>
+          </a:p>
+          <a:p>
+            <a:pPr marL="171450" indent="-171450">
+              <a:buFont typeface="Arial" panose="020B0604020202020204" pitchFamily="34" charset="0"/>
+              <a:buChar char="•"/>
+            </a:pPr>
+            <a:r>
+              <a:rPr lang="en-US" baseline="0" dirty="0"/>
+              <a:t>For a class this means that it can not be instantiated directly.  The derived class must be instantiated instead.</a:t>
+            </a:r>
+          </a:p>
+          <a:p>
+            <a:pPr marL="171450" indent="-171450">
+              <a:buFont typeface="Arial" panose="020B0604020202020204" pitchFamily="34" charset="0"/>
+              <a:buChar char="•"/>
+            </a:pPr>
+            <a:r>
+              <a:rPr lang="en-US" baseline="0" dirty="0"/>
+              <a:t>For a method it means that there is no implementation of the method, but the derived class needs to implement the method.</a:t>
+            </a:r>
+          </a:p>
+          <a:p>
+            <a:pPr marL="171450" indent="-171450">
+              <a:buFont typeface="Arial" panose="020B0604020202020204" pitchFamily="34" charset="0"/>
+              <a:buChar char="•"/>
+            </a:pPr>
+            <a:r>
+              <a:rPr lang="en-US" baseline="0" dirty="0"/>
+              <a:t>A class or method can be specified as sealed.</a:t>
+            </a:r>
+          </a:p>
+          <a:p>
+            <a:pPr marL="171450" indent="-171450">
+              <a:buFont typeface="Arial" panose="020B0604020202020204" pitchFamily="34" charset="0"/>
+              <a:buChar char="•"/>
+            </a:pPr>
+            <a:r>
+              <a:rPr lang="en-US" baseline="0" dirty="0"/>
+              <a:t>This means that the class cannot be inherited or the method cannot have an override.</a:t>
+            </a:r>
+          </a:p>
+          <a:p>
+            <a:pPr marL="171450" indent="-171450">
+              <a:buFont typeface="Arial" panose="020B0604020202020204" pitchFamily="34" charset="0"/>
+              <a:buChar char="•"/>
+            </a:pPr>
+            <a:r>
+              <a:rPr lang="en-US" baseline="0" dirty="0"/>
+              <a:t>Virtual means that the method can have an override.</a:t>
+            </a:r>
+          </a:p>
+          <a:p>
+            <a:pPr marL="171450" indent="-171450">
+              <a:buFont typeface="Arial" panose="020B0604020202020204" pitchFamily="34" charset="0"/>
+              <a:buChar char="•"/>
+            </a:pPr>
+            <a:r>
+              <a:rPr lang="en-US" baseline="0" dirty="0"/>
+              <a:t>Override means that the method is overriding what is in the base class.  So, run the logic in the derived class instead of in the base class.</a:t>
+            </a:r>
           </a:p>
         </p:txBody>
       </p:sp>
@@ -2654,7 +2647,7 @@
           <a:bodyPr/>
           <a:lstStyle/>
           <a:p>
-            <a:fld id="{2E9E88B0-9E09-47C1-8462-4303844A56EB}" type="slidenum">
+            <a:fld id="{90562276-63C7-43F9-8E9E-CFA137F6F839}" type="slidenum">
               <a:rPr lang="en-US" smtClean="0"/>
               <a:t>25</a:t>
             </a:fld>
@@ -2665,7 +2658,7 @@
     </p:spTree>
     <p:extLst>
       <p:ext uri="{BB962C8B-B14F-4D97-AF65-F5344CB8AC3E}">
-        <p14:creationId xmlns:p14="http://schemas.microsoft.com/office/powerpoint/2010/main" val="3413411581"/>
+        <p14:creationId xmlns:p14="http://schemas.microsoft.com/office/powerpoint/2010/main" val="266338237"/>
       </p:ext>
     </p:extLst>
   </p:cSld>
@@ -2719,119 +2712,10 @@
           <a:bodyPr/>
           <a:lstStyle/>
           <a:p>
-            <a:pPr marL="171450" lvl="0" indent="-171450">
-              <a:buFont typeface="Arial" panose="020B0604020202020204" pitchFamily="34" charset="0"/>
-              <a:buChar char="•"/>
-            </a:pPr>
-            <a:r>
-              <a:rPr lang="en-US" sz="1200" kern="1200" dirty="0" smtClean="0">
-                <a:solidFill>
-                  <a:schemeClr val="tx1"/>
-                </a:solidFill>
-                <a:effectLst/>
-                <a:latin typeface="+mn-lt"/>
-                <a:ea typeface="+mn-ea"/>
-                <a:cs typeface="+mn-cs"/>
-              </a:rPr>
-              <a:t>Write on the board a declaration of a variable set to an anonymous type with properties miles and size.</a:t>
-            </a:r>
-          </a:p>
-          <a:p>
-            <a:pPr marL="171450" lvl="0" indent="-171450">
-              <a:buFont typeface="Arial" panose="020B0604020202020204" pitchFamily="34" charset="0"/>
-              <a:buChar char="•"/>
-            </a:pPr>
-            <a:r>
-              <a:rPr lang="en-US" sz="1200" kern="1200" dirty="0" smtClean="0">
-                <a:solidFill>
-                  <a:schemeClr val="tx1"/>
-                </a:solidFill>
-                <a:effectLst/>
-                <a:latin typeface="+mn-lt"/>
-                <a:ea typeface="+mn-ea"/>
-                <a:cs typeface="+mn-cs"/>
-              </a:rPr>
-              <a:t>What are the 4 scope access modifiers?</a:t>
-            </a:r>
-          </a:p>
-          <a:p>
-            <a:pPr marL="171450" lvl="0" indent="-171450">
-              <a:buFont typeface="Arial" panose="020B0604020202020204" pitchFamily="34" charset="0"/>
-              <a:buChar char="•"/>
-            </a:pPr>
-            <a:r>
-              <a:rPr lang="en-US" sz="1200" kern="1200" dirty="0" smtClean="0">
-                <a:solidFill>
-                  <a:schemeClr val="tx1"/>
-                </a:solidFill>
-                <a:effectLst/>
-                <a:latin typeface="+mn-lt"/>
-                <a:ea typeface="+mn-ea"/>
-                <a:cs typeface="+mn-cs"/>
-              </a:rPr>
-              <a:t>Write on the board a class named Car that inherits a Vehicle class.</a:t>
-            </a:r>
-          </a:p>
-          <a:p>
-            <a:pPr marL="171450" lvl="0" indent="-171450">
-              <a:buFont typeface="Arial" panose="020B0604020202020204" pitchFamily="34" charset="0"/>
-              <a:buChar char="•"/>
-            </a:pPr>
-            <a:r>
-              <a:rPr lang="en-US" sz="1200" kern="1200" dirty="0" smtClean="0">
-                <a:solidFill>
-                  <a:schemeClr val="tx1"/>
-                </a:solidFill>
-                <a:effectLst/>
-                <a:latin typeface="+mn-lt"/>
-                <a:ea typeface="+mn-ea"/>
-                <a:cs typeface="+mn-cs"/>
-              </a:rPr>
-              <a:t>Write on the board a class named Car that cannot be derived.</a:t>
-            </a:r>
-          </a:p>
-          <a:p>
-            <a:pPr marL="171450" lvl="0" indent="-171450">
-              <a:buFont typeface="Arial" panose="020B0604020202020204" pitchFamily="34" charset="0"/>
-              <a:buChar char="•"/>
-            </a:pPr>
-            <a:r>
-              <a:rPr lang="en-US" sz="1200" kern="1200" dirty="0" smtClean="0">
-                <a:solidFill>
-                  <a:schemeClr val="tx1"/>
-                </a:solidFill>
-                <a:effectLst/>
-                <a:latin typeface="+mn-lt"/>
-                <a:ea typeface="+mn-ea"/>
-                <a:cs typeface="+mn-cs"/>
-              </a:rPr>
-              <a:t>Write on the board a class name Car that has to be derived.</a:t>
-            </a:r>
-          </a:p>
-          <a:p>
-            <a:pPr marL="171450" lvl="0" indent="-171450">
-              <a:buFont typeface="Arial" panose="020B0604020202020204" pitchFamily="34" charset="0"/>
-              <a:buChar char="•"/>
-            </a:pPr>
-            <a:r>
-              <a:rPr lang="en-US" sz="1200" kern="1200" dirty="0" smtClean="0">
-                <a:solidFill>
-                  <a:schemeClr val="tx1"/>
-                </a:solidFill>
-                <a:effectLst/>
-                <a:latin typeface="+mn-lt"/>
-                <a:ea typeface="+mn-ea"/>
-                <a:cs typeface="+mn-cs"/>
-              </a:rPr>
-              <a:t>Write on the board a method that overrides a base class method called Drive that returns a decimal and takes a parameter of decimal named miles.</a:t>
-            </a:r>
-          </a:p>
-          <a:p>
-            <a:pPr marL="457200" lvl="1" indent="0">
-              <a:buFont typeface="Arial" panose="020B0604020202020204" pitchFamily="34" charset="0"/>
-              <a:buNone/>
-            </a:pPr>
-            <a:endParaRPr lang="en-US" dirty="0"/>
+            <a:r>
+              <a:rPr lang="en-US" dirty="0"/>
+              <a:t>Let’s go through some examples</a:t>
+            </a:r>
           </a:p>
         </p:txBody>
       </p:sp>
@@ -2850,7 +2734,7 @@
           <a:bodyPr/>
           <a:lstStyle/>
           <a:p>
-            <a:fld id="{226FA58D-4B12-4E7B-A2FA-693CE3EACDFD}" type="slidenum">
+            <a:fld id="{2E9E88B0-9E09-47C1-8462-4303844A56EB}" type="slidenum">
               <a:rPr lang="en-US" smtClean="0"/>
               <a:t>26</a:t>
             </a:fld>
@@ -2861,7 +2745,7 @@
     </p:spTree>
     <p:extLst>
       <p:ext uri="{BB962C8B-B14F-4D97-AF65-F5344CB8AC3E}">
-        <p14:creationId xmlns:p14="http://schemas.microsoft.com/office/powerpoint/2010/main" val="3298817230"/>
+        <p14:creationId xmlns:p14="http://schemas.microsoft.com/office/powerpoint/2010/main" val="3413411581"/>
       </p:ext>
     </p:extLst>
   </p:cSld>
@@ -2915,9 +2799,117 @@
           <a:bodyPr/>
           <a:lstStyle/>
           <a:p>
-            <a:pPr marL="171450" indent="-171450">
+            <a:pPr marL="171450" lvl="0" indent="-171450">
               <a:buFont typeface="Arial" panose="020B0604020202020204" pitchFamily="34" charset="0"/>
               <a:buChar char="•"/>
+            </a:pPr>
+            <a:r>
+              <a:rPr lang="en-US" sz="1200" kern="1200" dirty="0">
+                <a:solidFill>
+                  <a:schemeClr val="tx1"/>
+                </a:solidFill>
+                <a:effectLst/>
+                <a:latin typeface="+mn-lt"/>
+                <a:ea typeface="+mn-ea"/>
+                <a:cs typeface="+mn-cs"/>
+              </a:rPr>
+              <a:t>Write on the board a declaration of a variable set to an anonymous type with properties miles and size.</a:t>
+            </a:r>
+          </a:p>
+          <a:p>
+            <a:pPr marL="171450" lvl="0" indent="-171450">
+              <a:buFont typeface="Arial" panose="020B0604020202020204" pitchFamily="34" charset="0"/>
+              <a:buChar char="•"/>
+            </a:pPr>
+            <a:r>
+              <a:rPr lang="en-US" sz="1200" kern="1200" dirty="0">
+                <a:solidFill>
+                  <a:schemeClr val="tx1"/>
+                </a:solidFill>
+                <a:effectLst/>
+                <a:latin typeface="+mn-lt"/>
+                <a:ea typeface="+mn-ea"/>
+                <a:cs typeface="+mn-cs"/>
+              </a:rPr>
+              <a:t>What are the 4 scope access modifiers?</a:t>
+            </a:r>
+          </a:p>
+          <a:p>
+            <a:pPr marL="171450" lvl="0" indent="-171450">
+              <a:buFont typeface="Arial" panose="020B0604020202020204" pitchFamily="34" charset="0"/>
+              <a:buChar char="•"/>
+            </a:pPr>
+            <a:r>
+              <a:rPr lang="en-US" sz="1200" kern="1200" dirty="0">
+                <a:solidFill>
+                  <a:schemeClr val="tx1"/>
+                </a:solidFill>
+                <a:effectLst/>
+                <a:latin typeface="+mn-lt"/>
+                <a:ea typeface="+mn-ea"/>
+                <a:cs typeface="+mn-cs"/>
+              </a:rPr>
+              <a:t>Write on the board a class named Car that inherits a Vehicle class.</a:t>
+            </a:r>
+          </a:p>
+          <a:p>
+            <a:pPr marL="171450" lvl="0" indent="-171450">
+              <a:buFont typeface="Arial" panose="020B0604020202020204" pitchFamily="34" charset="0"/>
+              <a:buChar char="•"/>
+            </a:pPr>
+            <a:r>
+              <a:rPr lang="en-US" sz="1200" kern="1200" dirty="0">
+                <a:solidFill>
+                  <a:schemeClr val="tx1"/>
+                </a:solidFill>
+                <a:effectLst/>
+                <a:latin typeface="+mn-lt"/>
+                <a:ea typeface="+mn-ea"/>
+                <a:cs typeface="+mn-cs"/>
+              </a:rPr>
+              <a:t>Write on the board a class named Car that cannot be derived.</a:t>
+            </a:r>
+          </a:p>
+          <a:p>
+            <a:pPr marL="171450" lvl="0" indent="-171450">
+              <a:buFont typeface="Arial" panose="020B0604020202020204" pitchFamily="34" charset="0"/>
+              <a:buChar char="•"/>
+            </a:pPr>
+            <a:r>
+              <a:rPr lang="en-US" sz="1200" kern="1200" dirty="0">
+                <a:solidFill>
+                  <a:schemeClr val="tx1"/>
+                </a:solidFill>
+                <a:effectLst/>
+                <a:latin typeface="+mn-lt"/>
+                <a:ea typeface="+mn-ea"/>
+                <a:cs typeface="+mn-cs"/>
+              </a:rPr>
+              <a:t>Write on the board a class name Car that has to be derived.</a:t>
+            </a:r>
+          </a:p>
+          <a:p>
+            <a:pPr marL="171450" lvl="0" indent="-171450">
+              <a:buFont typeface="Arial" panose="020B0604020202020204" pitchFamily="34" charset="0"/>
+              <a:buChar char="•"/>
+            </a:pPr>
+            <a:r>
+              <a:rPr lang="en-US" sz="1200" kern="1200" dirty="0">
+                <a:solidFill>
+                  <a:schemeClr val="tx1"/>
+                </a:solidFill>
+                <a:effectLst/>
+                <a:latin typeface="+mn-lt"/>
+                <a:ea typeface="+mn-ea"/>
+                <a:cs typeface="+mn-cs"/>
+              </a:rPr>
+              <a:t>Write on the board a method that overrides a base class method called Drive that returns a decimal and takes a parameter of decimal named miles.</a:t>
+            </a:r>
+          </a:p>
+          <a:p>
+            <a:pPr marL="457200" lvl="1" indent="0">
+              <a:buFont typeface="Arial" panose="020B0604020202020204" pitchFamily="34" charset="0"/>
+              <a:buNone/>
             </a:pPr>
             <a:endParaRPr lang="en-US" dirty="0"/>
           </a:p>
@@ -2949,7 +2941,7 @@
     </p:spTree>
     <p:extLst>
       <p:ext uri="{BB962C8B-B14F-4D97-AF65-F5344CB8AC3E}">
-        <p14:creationId xmlns:p14="http://schemas.microsoft.com/office/powerpoint/2010/main" val="1544594244"/>
+        <p14:creationId xmlns:p14="http://schemas.microsoft.com/office/powerpoint/2010/main" val="3298817230"/>
       </p:ext>
     </p:extLst>
   </p:cSld>
@@ -3037,7 +3029,7 @@
     </p:spTree>
     <p:extLst>
       <p:ext uri="{BB962C8B-B14F-4D97-AF65-F5344CB8AC3E}">
-        <p14:creationId xmlns:p14="http://schemas.microsoft.com/office/powerpoint/2010/main" val="1909692576"/>
+        <p14:creationId xmlns:p14="http://schemas.microsoft.com/office/powerpoint/2010/main" val="1544594244"/>
       </p:ext>
     </p:extLst>
   </p:cSld>
@@ -3095,68 +3087,7 @@
               <a:buFont typeface="Arial" panose="020B0604020202020204" pitchFamily="34" charset="0"/>
               <a:buChar char="•"/>
             </a:pPr>
-            <a:r>
-              <a:rPr lang="en-US" baseline="0" dirty="0" smtClean="0"/>
-              <a:t>An interface defines what needs to be implemented.</a:t>
-            </a:r>
-          </a:p>
-          <a:p>
-            <a:pPr marL="171450" indent="-171450">
-              <a:buFont typeface="Arial" panose="020B0604020202020204" pitchFamily="34" charset="0"/>
-              <a:buChar char="•"/>
-            </a:pPr>
-            <a:r>
-              <a:rPr lang="en-US" baseline="0" dirty="0" smtClean="0"/>
-              <a:t>It has no implementation itself.</a:t>
-            </a:r>
-          </a:p>
-          <a:p>
-            <a:pPr marL="171450" indent="-171450">
-              <a:buFont typeface="Arial" panose="020B0604020202020204" pitchFamily="34" charset="0"/>
-              <a:buChar char="•"/>
-            </a:pPr>
-            <a:r>
-              <a:rPr lang="en-US" baseline="0" dirty="0" smtClean="0"/>
-              <a:t>It contains properties and methods.</a:t>
-            </a:r>
-          </a:p>
-          <a:p>
-            <a:pPr marL="171450" indent="-171450">
-              <a:buFont typeface="Arial" panose="020B0604020202020204" pitchFamily="34" charset="0"/>
-              <a:buChar char="•"/>
-            </a:pPr>
-            <a:r>
-              <a:rPr lang="en-US" baseline="0" dirty="0" smtClean="0"/>
-              <a:t>Classes and </a:t>
-            </a:r>
-            <a:r>
-              <a:rPr lang="en-US" baseline="0" dirty="0" err="1" smtClean="0"/>
-              <a:t>structs</a:t>
-            </a:r>
-            <a:r>
-              <a:rPr lang="en-US" baseline="0" dirty="0" smtClean="0"/>
-              <a:t> can implement interfaces.</a:t>
-            </a:r>
-          </a:p>
-          <a:p>
-            <a:pPr marL="171450" indent="-171450">
-              <a:buFont typeface="Arial" panose="020B0604020202020204" pitchFamily="34" charset="0"/>
-              <a:buChar char="•"/>
-            </a:pPr>
-            <a:r>
-              <a:rPr lang="en-US" baseline="0" dirty="0" smtClean="0"/>
-              <a:t>Multiple interfaces can be implemented by one class.</a:t>
-            </a:r>
-          </a:p>
-          <a:p>
-            <a:pPr marL="171450" indent="-171450">
-              <a:buFont typeface="Arial" panose="020B0604020202020204" pitchFamily="34" charset="0"/>
-              <a:buChar char="•"/>
-            </a:pPr>
-            <a:r>
-              <a:rPr lang="en-US" baseline="0" dirty="0" smtClean="0"/>
-              <a:t>Implementing interfaces is not the same as inheriting as there is no logic.  The logic needs to be implemented by the class.</a:t>
-            </a:r>
+            <a:endParaRPr lang="en-US" dirty="0"/>
           </a:p>
         </p:txBody>
       </p:sp>
@@ -3175,7 +3106,7 @@
           <a:bodyPr/>
           <a:lstStyle/>
           <a:p>
-            <a:fld id="{90562276-63C7-43F9-8E9E-CFA137F6F839}" type="slidenum">
+            <a:fld id="{226FA58D-4B12-4E7B-A2FA-693CE3EACDFD}" type="slidenum">
               <a:rPr lang="en-US" smtClean="0"/>
               <a:t>29</a:t>
             </a:fld>
@@ -3186,7 +3117,7 @@
     </p:spTree>
     <p:extLst>
       <p:ext uri="{BB962C8B-B14F-4D97-AF65-F5344CB8AC3E}">
-        <p14:creationId xmlns:p14="http://schemas.microsoft.com/office/powerpoint/2010/main" val="2293934869"/>
+        <p14:creationId xmlns:p14="http://schemas.microsoft.com/office/powerpoint/2010/main" val="1909692576"/>
       </p:ext>
     </p:extLst>
   </p:cSld>
@@ -3244,40 +3175,7 @@
               <a:buFont typeface="Arial" panose="020B0604020202020204" pitchFamily="34" charset="0"/>
               <a:buChar char="•"/>
             </a:pPr>
-            <a:r>
-              <a:rPr lang="en-US" baseline="0" dirty="0" smtClean="0"/>
-              <a:t>Polymorphism essentially means that two different classes can be used in the same way, without caring about the actual implementation.</a:t>
-            </a:r>
-          </a:p>
-          <a:p>
-            <a:pPr marL="171450" indent="-171450">
-              <a:buFont typeface="Arial" panose="020B0604020202020204" pitchFamily="34" charset="0"/>
-              <a:buChar char="•"/>
-            </a:pPr>
-            <a:r>
-              <a:rPr lang="en-US" baseline="0" dirty="0" smtClean="0"/>
-              <a:t>This can be implemented by using interfaces or inheritance.</a:t>
-            </a:r>
-          </a:p>
-          <a:p>
-            <a:pPr marL="171450" indent="-171450">
-              <a:buFont typeface="Arial" panose="020B0604020202020204" pitchFamily="34" charset="0"/>
-              <a:buChar char="•"/>
-            </a:pPr>
-            <a:r>
-              <a:rPr lang="en-US" baseline="0" dirty="0" smtClean="0"/>
-              <a:t>The user can declare variables as of the interface or base types instead of the actual type class they are using.</a:t>
-            </a:r>
-          </a:p>
-          <a:p>
-            <a:pPr marL="171450" indent="-171450">
-              <a:buFont typeface="Arial" panose="020B0604020202020204" pitchFamily="34" charset="0"/>
-              <a:buChar char="•"/>
-            </a:pPr>
-            <a:r>
-              <a:rPr lang="en-US" baseline="0" dirty="0" smtClean="0"/>
-              <a:t>In this way the user can interact with classes only caring about what is available in the interface or base type and not caring about the differences of the actual class type.</a:t>
-            </a:r>
+            <a:endParaRPr lang="en-US" dirty="0"/>
           </a:p>
         </p:txBody>
       </p:sp>
@@ -3296,7 +3194,7 @@
           <a:bodyPr/>
           <a:lstStyle/>
           <a:p>
-            <a:fld id="{90562276-63C7-43F9-8E9E-CFA137F6F839}" type="slidenum">
+            <a:fld id="{226FA58D-4B12-4E7B-A2FA-693CE3EACDFD}" type="slidenum">
               <a:rPr lang="en-US" smtClean="0"/>
               <a:t>30</a:t>
             </a:fld>
@@ -3307,7 +3205,7 @@
     </p:spTree>
     <p:extLst>
       <p:ext uri="{BB962C8B-B14F-4D97-AF65-F5344CB8AC3E}">
-        <p14:creationId xmlns:p14="http://schemas.microsoft.com/office/powerpoint/2010/main" val="961808950"/>
+        <p14:creationId xmlns:p14="http://schemas.microsoft.com/office/powerpoint/2010/main" val="3252126332"/>
       </p:ext>
     </p:extLst>
   </p:cSld>
@@ -3366,7 +3264,7 @@
               <a:buChar char="•"/>
             </a:pPr>
             <a:r>
-              <a:rPr lang="en-US" baseline="0" dirty="0" smtClean="0"/>
+              <a:rPr lang="en-US" baseline="0" dirty="0"/>
               <a:t>Classes have an access modifier which we will discuss later.</a:t>
             </a:r>
           </a:p>
@@ -3376,7 +3274,7 @@
               <a:buChar char="•"/>
             </a:pPr>
             <a:r>
-              <a:rPr lang="en-US" baseline="0" dirty="0" smtClean="0"/>
+              <a:rPr lang="en-US" baseline="0" dirty="0"/>
               <a:t>They can inherit from one base class.</a:t>
             </a:r>
           </a:p>
@@ -3386,7 +3284,7 @@
               <a:buChar char="•"/>
             </a:pPr>
             <a:r>
-              <a:rPr lang="en-US" baseline="0" dirty="0" smtClean="0"/>
+              <a:rPr lang="en-US" baseline="0" dirty="0"/>
               <a:t>They can implement multiple interfaces.</a:t>
             </a:r>
           </a:p>
@@ -3472,11 +3370,72 @@
           <a:bodyPr/>
           <a:lstStyle/>
           <a:p>
-            <a:r>
-              <a:rPr lang="en-US" dirty="0" smtClean="0"/>
-              <a:t>Let’s go through some examples</a:t>
-            </a:r>
-            <a:endParaRPr lang="en-US" dirty="0"/>
+            <a:pPr marL="171450" indent="-171450">
+              <a:buFont typeface="Arial" panose="020B0604020202020204" pitchFamily="34" charset="0"/>
+              <a:buChar char="•"/>
+            </a:pPr>
+            <a:r>
+              <a:rPr lang="en-US" baseline="0" dirty="0"/>
+              <a:t>An interface defines what needs to be implemented.</a:t>
+            </a:r>
+          </a:p>
+          <a:p>
+            <a:pPr marL="171450" indent="-171450">
+              <a:buFont typeface="Arial" panose="020B0604020202020204" pitchFamily="34" charset="0"/>
+              <a:buChar char="•"/>
+            </a:pPr>
+            <a:r>
+              <a:rPr lang="en-US" baseline="0" dirty="0"/>
+              <a:t>It has no implementation itself.</a:t>
+            </a:r>
+          </a:p>
+          <a:p>
+            <a:pPr marL="171450" indent="-171450">
+              <a:buFont typeface="Arial" panose="020B0604020202020204" pitchFamily="34" charset="0"/>
+              <a:buChar char="•"/>
+            </a:pPr>
+            <a:r>
+              <a:rPr lang="en-US" baseline="0" dirty="0"/>
+              <a:t>It contains properties and methods.</a:t>
+            </a:r>
+          </a:p>
+          <a:p>
+            <a:pPr marL="171450" indent="-171450">
+              <a:buFont typeface="Arial" panose="020B0604020202020204" pitchFamily="34" charset="0"/>
+              <a:buChar char="•"/>
+            </a:pPr>
+            <a:r>
+              <a:rPr lang="en-US" baseline="0" dirty="0"/>
+              <a:t>Classes and </a:t>
+            </a:r>
+            <a:r>
+              <a:rPr lang="en-US" baseline="0" dirty="0" err="1"/>
+              <a:t>structs</a:t>
+            </a:r>
+            <a:r>
+              <a:rPr lang="en-US" baseline="0" dirty="0"/>
+              <a:t> can implement interfaces.</a:t>
+            </a:r>
+          </a:p>
+          <a:p>
+            <a:pPr marL="171450" indent="-171450">
+              <a:buFont typeface="Arial" panose="020B0604020202020204" pitchFamily="34" charset="0"/>
+              <a:buChar char="•"/>
+            </a:pPr>
+            <a:r>
+              <a:rPr lang="en-US" baseline="0" dirty="0"/>
+              <a:t>Multiple interfaces can be implemented by one class.</a:t>
+            </a:r>
+          </a:p>
+          <a:p>
+            <a:pPr marL="171450" indent="-171450">
+              <a:buFont typeface="Arial" panose="020B0604020202020204" pitchFamily="34" charset="0"/>
+              <a:buChar char="•"/>
+            </a:pPr>
+            <a:r>
+              <a:rPr lang="en-US" baseline="0" dirty="0"/>
+              <a:t>Implementing interfaces is not the same as inheriting as there is no logic.  The logic needs to be implemented by the class.</a:t>
+            </a:r>
           </a:p>
         </p:txBody>
       </p:sp>
@@ -3495,7 +3454,7 @@
           <a:bodyPr/>
           <a:lstStyle/>
           <a:p>
-            <a:fld id="{2E9E88B0-9E09-47C1-8462-4303844A56EB}" type="slidenum">
+            <a:fld id="{90562276-63C7-43F9-8E9E-CFA137F6F839}" type="slidenum">
               <a:rPr lang="en-US" smtClean="0"/>
               <a:t>31</a:t>
             </a:fld>
@@ -3506,7 +3465,7 @@
     </p:spTree>
     <p:extLst>
       <p:ext uri="{BB962C8B-B14F-4D97-AF65-F5344CB8AC3E}">
-        <p14:creationId xmlns:p14="http://schemas.microsoft.com/office/powerpoint/2010/main" val="1495424412"/>
+        <p14:creationId xmlns:p14="http://schemas.microsoft.com/office/powerpoint/2010/main" val="2293934869"/>
       </p:ext>
     </p:extLst>
   </p:cSld>
@@ -3560,71 +3519,44 @@
           <a:bodyPr/>
           <a:lstStyle/>
           <a:p>
-            <a:pPr marL="171450" lvl="0" indent="-171450">
+            <a:pPr marL="171450" indent="-171450">
               <a:buFont typeface="Arial" panose="020B0604020202020204" pitchFamily="34" charset="0"/>
               <a:buChar char="•"/>
             </a:pPr>
             <a:r>
-              <a:rPr lang="en-US" sz="1200" kern="1200" dirty="0" smtClean="0">
-                <a:solidFill>
-                  <a:schemeClr val="tx1"/>
-                </a:solidFill>
-                <a:effectLst/>
-                <a:latin typeface="+mn-lt"/>
-                <a:ea typeface="+mn-ea"/>
-                <a:cs typeface="+mn-cs"/>
-              </a:rPr>
-              <a:t>Write on the board a class named Car that implements an interface named </a:t>
-            </a:r>
-            <a:r>
-              <a:rPr lang="en-US" sz="1200" kern="1200" dirty="0" err="1" smtClean="0">
-                <a:solidFill>
-                  <a:schemeClr val="tx1"/>
-                </a:solidFill>
-                <a:effectLst/>
-                <a:latin typeface="+mn-lt"/>
-                <a:ea typeface="+mn-ea"/>
-                <a:cs typeface="+mn-cs"/>
-              </a:rPr>
-              <a:t>IDrivable</a:t>
-            </a:r>
-            <a:r>
-              <a:rPr lang="en-US" sz="1200" kern="1200" dirty="0" smtClean="0">
-                <a:solidFill>
-                  <a:schemeClr val="tx1"/>
-                </a:solidFill>
-                <a:effectLst/>
-                <a:latin typeface="+mn-lt"/>
-                <a:ea typeface="+mn-ea"/>
-                <a:cs typeface="+mn-cs"/>
-              </a:rPr>
-              <a:t>.</a:t>
-            </a:r>
-          </a:p>
-          <a:p>
-            <a:pPr marL="171450" lvl="0" indent="-171450">
+              <a:rPr lang="en-US" baseline="0" dirty="0"/>
+              <a:t>Polymorphism essentially means that two different classes can be used in the same way, without caring about the actual implementation.</a:t>
+            </a:r>
+          </a:p>
+          <a:p>
+            <a:pPr marL="171450" indent="-171450">
               <a:buFont typeface="Arial" panose="020B0604020202020204" pitchFamily="34" charset="0"/>
               <a:buChar char="•"/>
             </a:pPr>
             <a:r>
-              <a:rPr lang="en-US" sz="1200" kern="1200" dirty="0" smtClean="0">
-                <a:solidFill>
-                  <a:schemeClr val="tx1"/>
-                </a:solidFill>
-                <a:effectLst/>
-                <a:latin typeface="+mn-lt"/>
-                <a:ea typeface="+mn-ea"/>
-                <a:cs typeface="+mn-cs"/>
-              </a:rPr>
-              <a:t>When the user can interact with a base class or interface in a similar way without caring about the underlying implementation, it is called what?</a:t>
-            </a:r>
-          </a:p>
-          <a:p>
-            <a:pPr marL="457200" lvl="1" indent="0">
+              <a:rPr lang="en-US" baseline="0" dirty="0"/>
+              <a:t>This can be implemented by using interfaces or inheritance.</a:t>
+            </a:r>
+          </a:p>
+          <a:p>
+            <a:pPr marL="171450" indent="-171450">
               <a:buFont typeface="Arial" panose="020B0604020202020204" pitchFamily="34" charset="0"/>
-              <a:buNone/>
-            </a:pPr>
-            <a:endParaRPr lang="en-US" dirty="0"/>
+              <a:buChar char="•"/>
+            </a:pPr>
+            <a:r>
+              <a:rPr lang="en-US" baseline="0" dirty="0"/>
+              <a:t>The user can declare variables as of the interface or base types instead of the actual type class they are using.</a:t>
+            </a:r>
+          </a:p>
+          <a:p>
+            <a:pPr marL="171450" indent="-171450">
+              <a:buFont typeface="Arial" panose="020B0604020202020204" pitchFamily="34" charset="0"/>
+              <a:buChar char="•"/>
+            </a:pPr>
+            <a:r>
+              <a:rPr lang="en-US" baseline="0" dirty="0"/>
+              <a:t>In this way the user can interact with classes only caring about what is available in the interface or base type and not caring about the differences of the actual class type.</a:t>
+            </a:r>
           </a:p>
         </p:txBody>
       </p:sp>
@@ -3643,7 +3575,7 @@
           <a:bodyPr/>
           <a:lstStyle/>
           <a:p>
-            <a:fld id="{226FA58D-4B12-4E7B-A2FA-693CE3EACDFD}" type="slidenum">
+            <a:fld id="{90562276-63C7-43F9-8E9E-CFA137F6F839}" type="slidenum">
               <a:rPr lang="en-US" smtClean="0"/>
               <a:t>32</a:t>
             </a:fld>
@@ -3654,7 +3586,7 @@
     </p:spTree>
     <p:extLst>
       <p:ext uri="{BB962C8B-B14F-4D97-AF65-F5344CB8AC3E}">
-        <p14:creationId xmlns:p14="http://schemas.microsoft.com/office/powerpoint/2010/main" val="1813401020"/>
+        <p14:creationId xmlns:p14="http://schemas.microsoft.com/office/powerpoint/2010/main" val="961808950"/>
       </p:ext>
     </p:extLst>
   </p:cSld>
@@ -3708,11 +3640,10 @@
           <a:bodyPr/>
           <a:lstStyle/>
           <a:p>
-            <a:pPr marL="171450" indent="-171450">
-              <a:buFont typeface="Arial" panose="020B0604020202020204" pitchFamily="34" charset="0"/>
-              <a:buChar char="•"/>
-            </a:pPr>
-            <a:endParaRPr lang="en-US" dirty="0"/>
+            <a:r>
+              <a:rPr lang="en-US" dirty="0"/>
+              <a:t>Let’s go through some examples</a:t>
+            </a:r>
           </a:p>
         </p:txBody>
       </p:sp>
@@ -3731,7 +3662,7 @@
           <a:bodyPr/>
           <a:lstStyle/>
           <a:p>
-            <a:fld id="{226FA58D-4B12-4E7B-A2FA-693CE3EACDFD}" type="slidenum">
+            <a:fld id="{2E9E88B0-9E09-47C1-8462-4303844A56EB}" type="slidenum">
               <a:rPr lang="en-US" smtClean="0"/>
               <a:t>33</a:t>
             </a:fld>
@@ -3742,7 +3673,7 @@
     </p:spTree>
     <p:extLst>
       <p:ext uri="{BB962C8B-B14F-4D97-AF65-F5344CB8AC3E}">
-        <p14:creationId xmlns:p14="http://schemas.microsoft.com/office/powerpoint/2010/main" val="1534045364"/>
+        <p14:creationId xmlns:p14="http://schemas.microsoft.com/office/powerpoint/2010/main" val="1495424412"/>
       </p:ext>
     </p:extLst>
   </p:cSld>
@@ -3801,151 +3732,7 @@
               <a:buChar char="•"/>
             </a:pPr>
             <a:r>
-              <a:rPr lang="en-US" sz="1200" kern="1200" dirty="0" smtClean="0">
-                <a:solidFill>
-                  <a:schemeClr val="tx1"/>
-                </a:solidFill>
-                <a:effectLst/>
-                <a:latin typeface="+mn-lt"/>
-                <a:ea typeface="+mn-ea"/>
-                <a:cs typeface="+mn-cs"/>
-              </a:rPr>
-              <a:t>Write on the board a public class with the name Car.</a:t>
-            </a:r>
-          </a:p>
-          <a:p>
-            <a:pPr marL="171450" lvl="0" indent="-171450">
-              <a:buFont typeface="Arial" panose="020B0604020202020204" pitchFamily="34" charset="0"/>
-              <a:buChar char="•"/>
-            </a:pPr>
-            <a:r>
-              <a:rPr lang="en-US" sz="1200" kern="1200" dirty="0" smtClean="0">
-                <a:solidFill>
-                  <a:schemeClr val="tx1"/>
-                </a:solidFill>
-                <a:effectLst/>
-                <a:latin typeface="+mn-lt"/>
-                <a:ea typeface="+mn-ea"/>
-                <a:cs typeface="+mn-cs"/>
-              </a:rPr>
-              <a:t>Write on the board a public class with the name Car with a constructor.</a:t>
-            </a:r>
-          </a:p>
-          <a:p>
-            <a:pPr marL="171450" lvl="0" indent="-171450">
-              <a:buFont typeface="Arial" panose="020B0604020202020204" pitchFamily="34" charset="0"/>
-              <a:buChar char="•"/>
-            </a:pPr>
-            <a:r>
-              <a:rPr lang="en-US" sz="1200" kern="1200" dirty="0" smtClean="0">
-                <a:solidFill>
-                  <a:schemeClr val="tx1"/>
-                </a:solidFill>
-                <a:effectLst/>
-                <a:latin typeface="+mn-lt"/>
-                <a:ea typeface="+mn-ea"/>
-                <a:cs typeface="+mn-cs"/>
-              </a:rPr>
-              <a:t>Write on the board an auto implemented property named Miles with a type of int.</a:t>
-            </a:r>
-          </a:p>
-          <a:p>
-            <a:pPr marL="171450" lvl="0" indent="-171450">
-              <a:buFont typeface="Arial" panose="020B0604020202020204" pitchFamily="34" charset="0"/>
-              <a:buChar char="•"/>
-            </a:pPr>
-            <a:r>
-              <a:rPr lang="en-US" sz="1200" kern="1200" dirty="0" smtClean="0">
-                <a:solidFill>
-                  <a:schemeClr val="tx1"/>
-                </a:solidFill>
-                <a:effectLst/>
-                <a:latin typeface="+mn-lt"/>
-                <a:ea typeface="+mn-ea"/>
-                <a:cs typeface="+mn-cs"/>
-              </a:rPr>
-              <a:t>Declare and instantiate a class named Car.  Console the Miles property.</a:t>
-            </a:r>
-          </a:p>
-          <a:p>
-            <a:pPr marL="171450" lvl="0" indent="-171450">
-              <a:buFont typeface="Arial" panose="020B0604020202020204" pitchFamily="34" charset="0"/>
-              <a:buChar char="•"/>
-            </a:pPr>
-            <a:r>
-              <a:rPr lang="en-US" sz="1200" kern="1200" dirty="0" smtClean="0">
-                <a:solidFill>
-                  <a:schemeClr val="tx1"/>
-                </a:solidFill>
-                <a:effectLst/>
-                <a:latin typeface="+mn-lt"/>
-                <a:ea typeface="+mn-ea"/>
-                <a:cs typeface="+mn-cs"/>
-              </a:rPr>
-              <a:t>Write on the board a class named Car that inherits a Vehicle class.</a:t>
-            </a:r>
-          </a:p>
-          <a:p>
-            <a:pPr marL="171450" lvl="0" indent="-171450">
-              <a:buFont typeface="Arial" panose="020B0604020202020204" pitchFamily="34" charset="0"/>
-              <a:buChar char="•"/>
-            </a:pPr>
-            <a:r>
-              <a:rPr lang="en-US" sz="1200" kern="1200" dirty="0" smtClean="0">
-                <a:solidFill>
-                  <a:schemeClr val="tx1"/>
-                </a:solidFill>
-                <a:effectLst/>
-                <a:latin typeface="+mn-lt"/>
-                <a:ea typeface="+mn-ea"/>
-                <a:cs typeface="+mn-cs"/>
-              </a:rPr>
-              <a:t>Write on the board a class named Car that cannot be derived.</a:t>
-            </a:r>
-          </a:p>
-          <a:p>
-            <a:pPr marL="171450" lvl="0" indent="-171450">
-              <a:buFont typeface="Arial" panose="020B0604020202020204" pitchFamily="34" charset="0"/>
-              <a:buChar char="•"/>
-            </a:pPr>
-            <a:r>
-              <a:rPr lang="en-US" sz="1200" kern="1200" dirty="0" smtClean="0">
-                <a:solidFill>
-                  <a:schemeClr val="tx1"/>
-                </a:solidFill>
-                <a:effectLst/>
-                <a:latin typeface="+mn-lt"/>
-                <a:ea typeface="+mn-ea"/>
-                <a:cs typeface="+mn-cs"/>
-              </a:rPr>
-              <a:t>Write on the board a class name Car that has to be derived.</a:t>
-            </a:r>
-          </a:p>
-          <a:p>
-            <a:pPr marL="171450" lvl="0" indent="-171450">
-              <a:buFont typeface="Arial" panose="020B0604020202020204" pitchFamily="34" charset="0"/>
-              <a:buChar char="•"/>
-            </a:pPr>
-            <a:r>
-              <a:rPr lang="en-US" sz="1200" kern="1200" dirty="0" smtClean="0">
-                <a:solidFill>
-                  <a:schemeClr val="tx1"/>
-                </a:solidFill>
-                <a:effectLst/>
-                <a:latin typeface="+mn-lt"/>
-                <a:ea typeface="+mn-ea"/>
-                <a:cs typeface="+mn-cs"/>
-              </a:rPr>
-              <a:t>Write on the board a method that overrides a base class method called Drive that returns a decimal and takes a parameter of decimal named miles.</a:t>
-            </a:r>
-          </a:p>
-          <a:p>
-            <a:pPr marL="171450" lvl="0" indent="-171450">
-              <a:buFont typeface="Arial" panose="020B0604020202020204" pitchFamily="34" charset="0"/>
-              <a:buChar char="•"/>
-            </a:pPr>
-            <a:r>
-              <a:rPr lang="en-US" sz="1200" kern="1200" dirty="0" smtClean="0">
+              <a:rPr lang="en-US" sz="1200" kern="1200" dirty="0">
                 <a:solidFill>
                   <a:schemeClr val="tx1"/>
                 </a:solidFill>
@@ -3957,7 +3744,7 @@
               <a:t>Write on the board a class named Car that implements an interface named </a:t>
             </a:r>
             <a:r>
-              <a:rPr lang="en-US" sz="1200" kern="1200" dirty="0" err="1" smtClean="0">
+              <a:rPr lang="en-US" sz="1200" kern="1200" dirty="0" err="1">
                 <a:solidFill>
                   <a:schemeClr val="tx1"/>
                 </a:solidFill>
@@ -3969,7 +3756,7 @@
               <a:t>IDrivable</a:t>
             </a:r>
             <a:r>
-              <a:rPr lang="en-US" sz="1200" kern="1200" dirty="0" smtClean="0">
+              <a:rPr lang="en-US" sz="1200" kern="1200" dirty="0">
                 <a:solidFill>
                   <a:schemeClr val="tx1"/>
                 </a:solidFill>
@@ -3982,6 +3769,24 @@
             </a:r>
           </a:p>
           <a:p>
+            <a:pPr marL="171450" lvl="0" indent="-171450">
+              <a:buFont typeface="Arial" panose="020B0604020202020204" pitchFamily="34" charset="0"/>
+              <a:buChar char="•"/>
+            </a:pPr>
+            <a:r>
+              <a:rPr lang="en-US" sz="1200" kern="1200" dirty="0">
+                <a:solidFill>
+                  <a:schemeClr val="tx1"/>
+                </a:solidFill>
+                <a:effectLst/>
+                <a:latin typeface="+mn-lt"/>
+                <a:ea typeface="+mn-ea"/>
+                <a:cs typeface="+mn-cs"/>
+              </a:rPr>
+              <a:t>When the user can interact with a base class or interface in a similar way without caring about the underlying implementation, it is called what?</a:t>
+            </a:r>
+          </a:p>
+          <a:p>
             <a:pPr marL="457200" lvl="1" indent="0">
               <a:buFont typeface="Arial" panose="020B0604020202020204" pitchFamily="34" charset="0"/>
               <a:buNone/>
@@ -4016,7 +3821,7 @@
     </p:spTree>
     <p:extLst>
       <p:ext uri="{BB962C8B-B14F-4D97-AF65-F5344CB8AC3E}">
-        <p14:creationId xmlns:p14="http://schemas.microsoft.com/office/powerpoint/2010/main" val="1650509901"/>
+        <p14:creationId xmlns:p14="http://schemas.microsoft.com/office/powerpoint/2010/main" val="1813401020"/>
       </p:ext>
     </p:extLst>
   </p:cSld>
@@ -4104,7 +3909,7 @@
     </p:spTree>
     <p:extLst>
       <p:ext uri="{BB962C8B-B14F-4D97-AF65-F5344CB8AC3E}">
-        <p14:creationId xmlns:p14="http://schemas.microsoft.com/office/powerpoint/2010/main" val="2940642099"/>
+        <p14:creationId xmlns:p14="http://schemas.microsoft.com/office/powerpoint/2010/main" val="1534045364"/>
       </p:ext>
     </p:extLst>
   </p:cSld>
@@ -4184,6 +3989,456 @@
             <a:fld id="{226FA58D-4B12-4E7B-A2FA-693CE3EACDFD}" type="slidenum">
               <a:rPr lang="en-US" smtClean="0"/>
               <a:t>36</a:t>
+            </a:fld>
+            <a:endParaRPr lang="en-US"/>
+          </a:p>
+        </p:txBody>
+      </p:sp>
+    </p:spTree>
+    <p:extLst>
+      <p:ext uri="{BB962C8B-B14F-4D97-AF65-F5344CB8AC3E}">
+        <p14:creationId xmlns:p14="http://schemas.microsoft.com/office/powerpoint/2010/main" val="2623863058"/>
+      </p:ext>
+    </p:extLst>
+  </p:cSld>
+  <p:clrMapOvr>
+    <a:masterClrMapping/>
+  </p:clrMapOvr>
+</p:notes>
+</file>
+
+<file path=ppt/notesSlides/notesSlide36.xml><?xml version="1.0" encoding="utf-8"?>
+<p:notes xmlns:a="http://schemas.openxmlformats.org/drawingml/2006/main" xmlns:r="http://schemas.openxmlformats.org/officeDocument/2006/relationships" xmlns:p="http://schemas.openxmlformats.org/presentationml/2006/main">
+  <p:cSld>
+    <p:spTree>
+      <p:nvGrpSpPr>
+        <p:cNvPr id="1" name=""/>
+        <p:cNvGrpSpPr/>
+        <p:nvPr/>
+      </p:nvGrpSpPr>
+      <p:grpSpPr>
+        <a:xfrm>
+          <a:off x="0" y="0"/>
+          <a:ext cx="0" cy="0"/>
+          <a:chOff x="0" y="0"/>
+          <a:chExt cx="0" cy="0"/>
+        </a:xfrm>
+      </p:grpSpPr>
+      <p:sp>
+        <p:nvSpPr>
+          <p:cNvPr id="2" name="Slide Image Placeholder 1"/>
+          <p:cNvSpPr>
+            <a:spLocks noGrp="1" noRot="1" noChangeAspect="1"/>
+          </p:cNvSpPr>
+          <p:nvPr>
+            <p:ph type="sldImg"/>
+          </p:nvPr>
+        </p:nvSpPr>
+        <p:spPr/>
+      </p:sp>
+      <p:sp>
+        <p:nvSpPr>
+          <p:cNvPr id="3" name="Notes Placeholder 2"/>
+          <p:cNvSpPr>
+            <a:spLocks noGrp="1"/>
+          </p:cNvSpPr>
+          <p:nvPr>
+            <p:ph type="body" idx="1"/>
+          </p:nvPr>
+        </p:nvSpPr>
+        <p:spPr/>
+        <p:txBody>
+          <a:bodyPr/>
+          <a:lstStyle/>
+          <a:p>
+            <a:pPr marL="171450" lvl="0" indent="-171450">
+              <a:buFont typeface="Arial" panose="020B0604020202020204" pitchFamily="34" charset="0"/>
+              <a:buChar char="•"/>
+            </a:pPr>
+            <a:r>
+              <a:rPr lang="en-US" sz="1200" kern="1200" dirty="0">
+                <a:solidFill>
+                  <a:schemeClr val="tx1"/>
+                </a:solidFill>
+                <a:effectLst/>
+                <a:latin typeface="+mn-lt"/>
+                <a:ea typeface="+mn-ea"/>
+                <a:cs typeface="+mn-cs"/>
+              </a:rPr>
+              <a:t>Write on the board a public class with the name Car.</a:t>
+            </a:r>
+          </a:p>
+          <a:p>
+            <a:pPr marL="171450" lvl="0" indent="-171450">
+              <a:buFont typeface="Arial" panose="020B0604020202020204" pitchFamily="34" charset="0"/>
+              <a:buChar char="•"/>
+            </a:pPr>
+            <a:r>
+              <a:rPr lang="en-US" sz="1200" kern="1200" dirty="0">
+                <a:solidFill>
+                  <a:schemeClr val="tx1"/>
+                </a:solidFill>
+                <a:effectLst/>
+                <a:latin typeface="+mn-lt"/>
+                <a:ea typeface="+mn-ea"/>
+                <a:cs typeface="+mn-cs"/>
+              </a:rPr>
+              <a:t>Write on the board a public class with the name Car with a constructor.</a:t>
+            </a:r>
+          </a:p>
+          <a:p>
+            <a:pPr marL="171450" lvl="0" indent="-171450">
+              <a:buFont typeface="Arial" panose="020B0604020202020204" pitchFamily="34" charset="0"/>
+              <a:buChar char="•"/>
+            </a:pPr>
+            <a:r>
+              <a:rPr lang="en-US" sz="1200" kern="1200" dirty="0">
+                <a:solidFill>
+                  <a:schemeClr val="tx1"/>
+                </a:solidFill>
+                <a:effectLst/>
+                <a:latin typeface="+mn-lt"/>
+                <a:ea typeface="+mn-ea"/>
+                <a:cs typeface="+mn-cs"/>
+              </a:rPr>
+              <a:t>Write on the board an auto implemented property named Miles with a type of int.</a:t>
+            </a:r>
+          </a:p>
+          <a:p>
+            <a:pPr marL="171450" lvl="0" indent="-171450">
+              <a:buFont typeface="Arial" panose="020B0604020202020204" pitchFamily="34" charset="0"/>
+              <a:buChar char="•"/>
+            </a:pPr>
+            <a:r>
+              <a:rPr lang="en-US" sz="1200" kern="1200" dirty="0">
+                <a:solidFill>
+                  <a:schemeClr val="tx1"/>
+                </a:solidFill>
+                <a:effectLst/>
+                <a:latin typeface="+mn-lt"/>
+                <a:ea typeface="+mn-ea"/>
+                <a:cs typeface="+mn-cs"/>
+              </a:rPr>
+              <a:t>Declare and instantiate a class named Car.  Console the Miles property.</a:t>
+            </a:r>
+          </a:p>
+          <a:p>
+            <a:pPr marL="171450" lvl="0" indent="-171450">
+              <a:buFont typeface="Arial" panose="020B0604020202020204" pitchFamily="34" charset="0"/>
+              <a:buChar char="•"/>
+            </a:pPr>
+            <a:r>
+              <a:rPr lang="en-US" sz="1200" kern="1200" dirty="0">
+                <a:solidFill>
+                  <a:schemeClr val="tx1"/>
+                </a:solidFill>
+                <a:effectLst/>
+                <a:latin typeface="+mn-lt"/>
+                <a:ea typeface="+mn-ea"/>
+                <a:cs typeface="+mn-cs"/>
+              </a:rPr>
+              <a:t>Write on the board a class named Car that inherits a Vehicle class.</a:t>
+            </a:r>
+          </a:p>
+          <a:p>
+            <a:pPr marL="171450" lvl="0" indent="-171450">
+              <a:buFont typeface="Arial" panose="020B0604020202020204" pitchFamily="34" charset="0"/>
+              <a:buChar char="•"/>
+            </a:pPr>
+            <a:r>
+              <a:rPr lang="en-US" sz="1200" kern="1200" dirty="0">
+                <a:solidFill>
+                  <a:schemeClr val="tx1"/>
+                </a:solidFill>
+                <a:effectLst/>
+                <a:latin typeface="+mn-lt"/>
+                <a:ea typeface="+mn-ea"/>
+                <a:cs typeface="+mn-cs"/>
+              </a:rPr>
+              <a:t>Write on the board a class named Car that cannot be derived.</a:t>
+            </a:r>
+          </a:p>
+          <a:p>
+            <a:pPr marL="171450" lvl="0" indent="-171450">
+              <a:buFont typeface="Arial" panose="020B0604020202020204" pitchFamily="34" charset="0"/>
+              <a:buChar char="•"/>
+            </a:pPr>
+            <a:r>
+              <a:rPr lang="en-US" sz="1200" kern="1200" dirty="0">
+                <a:solidFill>
+                  <a:schemeClr val="tx1"/>
+                </a:solidFill>
+                <a:effectLst/>
+                <a:latin typeface="+mn-lt"/>
+                <a:ea typeface="+mn-ea"/>
+                <a:cs typeface="+mn-cs"/>
+              </a:rPr>
+              <a:t>Write on the board a class name Car that has to be derived.</a:t>
+            </a:r>
+          </a:p>
+          <a:p>
+            <a:pPr marL="171450" lvl="0" indent="-171450">
+              <a:buFont typeface="Arial" panose="020B0604020202020204" pitchFamily="34" charset="0"/>
+              <a:buChar char="•"/>
+            </a:pPr>
+            <a:r>
+              <a:rPr lang="en-US" sz="1200" kern="1200" dirty="0">
+                <a:solidFill>
+                  <a:schemeClr val="tx1"/>
+                </a:solidFill>
+                <a:effectLst/>
+                <a:latin typeface="+mn-lt"/>
+                <a:ea typeface="+mn-ea"/>
+                <a:cs typeface="+mn-cs"/>
+              </a:rPr>
+              <a:t>Write on the board a method that overrides a base class method called Drive that returns a decimal and takes a parameter of decimal named miles.</a:t>
+            </a:r>
+          </a:p>
+          <a:p>
+            <a:pPr marL="171450" lvl="0" indent="-171450">
+              <a:buFont typeface="Arial" panose="020B0604020202020204" pitchFamily="34" charset="0"/>
+              <a:buChar char="•"/>
+            </a:pPr>
+            <a:r>
+              <a:rPr lang="en-US" sz="1200" kern="1200" dirty="0">
+                <a:solidFill>
+                  <a:schemeClr val="tx1"/>
+                </a:solidFill>
+                <a:effectLst/>
+                <a:latin typeface="+mn-lt"/>
+                <a:ea typeface="+mn-ea"/>
+                <a:cs typeface="+mn-cs"/>
+              </a:rPr>
+              <a:t>Write on the board a class named Car that implements an interface named </a:t>
+            </a:r>
+            <a:r>
+              <a:rPr lang="en-US" sz="1200" kern="1200" dirty="0" err="1">
+                <a:solidFill>
+                  <a:schemeClr val="tx1"/>
+                </a:solidFill>
+                <a:effectLst/>
+                <a:latin typeface="+mn-lt"/>
+                <a:ea typeface="+mn-ea"/>
+                <a:cs typeface="+mn-cs"/>
+              </a:rPr>
+              <a:t>IDrivable</a:t>
+            </a:r>
+            <a:r>
+              <a:rPr lang="en-US" sz="1200" kern="1200" dirty="0">
+                <a:solidFill>
+                  <a:schemeClr val="tx1"/>
+                </a:solidFill>
+                <a:effectLst/>
+                <a:latin typeface="+mn-lt"/>
+                <a:ea typeface="+mn-ea"/>
+                <a:cs typeface="+mn-cs"/>
+              </a:rPr>
+              <a:t>.</a:t>
+            </a:r>
+          </a:p>
+          <a:p>
+            <a:pPr marL="457200" lvl="1" indent="0">
+              <a:buFont typeface="Arial" panose="020B0604020202020204" pitchFamily="34" charset="0"/>
+              <a:buNone/>
+            </a:pPr>
+            <a:endParaRPr lang="en-US" dirty="0"/>
+          </a:p>
+        </p:txBody>
+      </p:sp>
+      <p:sp>
+        <p:nvSpPr>
+          <p:cNvPr id="4" name="Slide Number Placeholder 3"/>
+          <p:cNvSpPr>
+            <a:spLocks noGrp="1"/>
+          </p:cNvSpPr>
+          <p:nvPr>
+            <p:ph type="sldNum" sz="quarter" idx="10"/>
+          </p:nvPr>
+        </p:nvSpPr>
+        <p:spPr/>
+        <p:txBody>
+          <a:bodyPr/>
+          <a:lstStyle/>
+          <a:p>
+            <a:fld id="{226FA58D-4B12-4E7B-A2FA-693CE3EACDFD}" type="slidenum">
+              <a:rPr lang="en-US" smtClean="0"/>
+              <a:t>37</a:t>
+            </a:fld>
+            <a:endParaRPr lang="en-US"/>
+          </a:p>
+        </p:txBody>
+      </p:sp>
+    </p:spTree>
+    <p:extLst>
+      <p:ext uri="{BB962C8B-B14F-4D97-AF65-F5344CB8AC3E}">
+        <p14:creationId xmlns:p14="http://schemas.microsoft.com/office/powerpoint/2010/main" val="1650509901"/>
+      </p:ext>
+    </p:extLst>
+  </p:cSld>
+  <p:clrMapOvr>
+    <a:masterClrMapping/>
+  </p:clrMapOvr>
+</p:notes>
+</file>
+
+<file path=ppt/notesSlides/notesSlide37.xml><?xml version="1.0" encoding="utf-8"?>
+<p:notes xmlns:a="http://schemas.openxmlformats.org/drawingml/2006/main" xmlns:r="http://schemas.openxmlformats.org/officeDocument/2006/relationships" xmlns:p="http://schemas.openxmlformats.org/presentationml/2006/main">
+  <p:cSld>
+    <p:spTree>
+      <p:nvGrpSpPr>
+        <p:cNvPr id="1" name=""/>
+        <p:cNvGrpSpPr/>
+        <p:nvPr/>
+      </p:nvGrpSpPr>
+      <p:grpSpPr>
+        <a:xfrm>
+          <a:off x="0" y="0"/>
+          <a:ext cx="0" cy="0"/>
+          <a:chOff x="0" y="0"/>
+          <a:chExt cx="0" cy="0"/>
+        </a:xfrm>
+      </p:grpSpPr>
+      <p:sp>
+        <p:nvSpPr>
+          <p:cNvPr id="2" name="Slide Image Placeholder 1"/>
+          <p:cNvSpPr>
+            <a:spLocks noGrp="1" noRot="1" noChangeAspect="1"/>
+          </p:cNvSpPr>
+          <p:nvPr>
+            <p:ph type="sldImg"/>
+          </p:nvPr>
+        </p:nvSpPr>
+        <p:spPr/>
+      </p:sp>
+      <p:sp>
+        <p:nvSpPr>
+          <p:cNvPr id="3" name="Notes Placeholder 2"/>
+          <p:cNvSpPr>
+            <a:spLocks noGrp="1"/>
+          </p:cNvSpPr>
+          <p:nvPr>
+            <p:ph type="body" idx="1"/>
+          </p:nvPr>
+        </p:nvSpPr>
+        <p:spPr/>
+        <p:txBody>
+          <a:bodyPr/>
+          <a:lstStyle/>
+          <a:p>
+            <a:pPr marL="171450" indent="-171450">
+              <a:buFont typeface="Arial" panose="020B0604020202020204" pitchFamily="34" charset="0"/>
+              <a:buChar char="•"/>
+            </a:pPr>
+            <a:endParaRPr lang="en-US" dirty="0"/>
+          </a:p>
+        </p:txBody>
+      </p:sp>
+      <p:sp>
+        <p:nvSpPr>
+          <p:cNvPr id="4" name="Slide Number Placeholder 3"/>
+          <p:cNvSpPr>
+            <a:spLocks noGrp="1"/>
+          </p:cNvSpPr>
+          <p:nvPr>
+            <p:ph type="sldNum" sz="quarter" idx="10"/>
+          </p:nvPr>
+        </p:nvSpPr>
+        <p:spPr/>
+        <p:txBody>
+          <a:bodyPr/>
+          <a:lstStyle/>
+          <a:p>
+            <a:fld id="{226FA58D-4B12-4E7B-A2FA-693CE3EACDFD}" type="slidenum">
+              <a:rPr lang="en-US" smtClean="0"/>
+              <a:t>38</a:t>
+            </a:fld>
+            <a:endParaRPr lang="en-US"/>
+          </a:p>
+        </p:txBody>
+      </p:sp>
+    </p:spTree>
+    <p:extLst>
+      <p:ext uri="{BB962C8B-B14F-4D97-AF65-F5344CB8AC3E}">
+        <p14:creationId xmlns:p14="http://schemas.microsoft.com/office/powerpoint/2010/main" val="2940642099"/>
+      </p:ext>
+    </p:extLst>
+  </p:cSld>
+  <p:clrMapOvr>
+    <a:masterClrMapping/>
+  </p:clrMapOvr>
+</p:notes>
+</file>
+
+<file path=ppt/notesSlides/notesSlide38.xml><?xml version="1.0" encoding="utf-8"?>
+<p:notes xmlns:a="http://schemas.openxmlformats.org/drawingml/2006/main" xmlns:r="http://schemas.openxmlformats.org/officeDocument/2006/relationships" xmlns:p="http://schemas.openxmlformats.org/presentationml/2006/main">
+  <p:cSld>
+    <p:spTree>
+      <p:nvGrpSpPr>
+        <p:cNvPr id="1" name=""/>
+        <p:cNvGrpSpPr/>
+        <p:nvPr/>
+      </p:nvGrpSpPr>
+      <p:grpSpPr>
+        <a:xfrm>
+          <a:off x="0" y="0"/>
+          <a:ext cx="0" cy="0"/>
+          <a:chOff x="0" y="0"/>
+          <a:chExt cx="0" cy="0"/>
+        </a:xfrm>
+      </p:grpSpPr>
+      <p:sp>
+        <p:nvSpPr>
+          <p:cNvPr id="2" name="Slide Image Placeholder 1"/>
+          <p:cNvSpPr>
+            <a:spLocks noGrp="1" noRot="1" noChangeAspect="1"/>
+          </p:cNvSpPr>
+          <p:nvPr>
+            <p:ph type="sldImg"/>
+          </p:nvPr>
+        </p:nvSpPr>
+        <p:spPr/>
+      </p:sp>
+      <p:sp>
+        <p:nvSpPr>
+          <p:cNvPr id="3" name="Notes Placeholder 2"/>
+          <p:cNvSpPr>
+            <a:spLocks noGrp="1"/>
+          </p:cNvSpPr>
+          <p:nvPr>
+            <p:ph type="body" idx="1"/>
+          </p:nvPr>
+        </p:nvSpPr>
+        <p:spPr/>
+        <p:txBody>
+          <a:bodyPr/>
+          <a:lstStyle/>
+          <a:p>
+            <a:pPr marL="171450" indent="-171450">
+              <a:buFont typeface="Arial" panose="020B0604020202020204" pitchFamily="34" charset="0"/>
+              <a:buChar char="•"/>
+            </a:pPr>
+            <a:endParaRPr lang="en-US" dirty="0"/>
+          </a:p>
+        </p:txBody>
+      </p:sp>
+      <p:sp>
+        <p:nvSpPr>
+          <p:cNvPr id="4" name="Slide Number Placeholder 3"/>
+          <p:cNvSpPr>
+            <a:spLocks noGrp="1"/>
+          </p:cNvSpPr>
+          <p:nvPr>
+            <p:ph type="sldNum" sz="quarter" idx="10"/>
+          </p:nvPr>
+        </p:nvSpPr>
+        <p:spPr/>
+        <p:txBody>
+          <a:bodyPr/>
+          <a:lstStyle/>
+          <a:p>
+            <a:fld id="{226FA58D-4B12-4E7B-A2FA-693CE3EACDFD}" type="slidenum">
+              <a:rPr lang="en-US" smtClean="0"/>
+              <a:t>39</a:t>
             </a:fld>
             <a:endParaRPr lang="en-US"/>
           </a:p>
@@ -4251,7 +4506,7 @@
               <a:buChar char="•"/>
             </a:pPr>
             <a:r>
-              <a:rPr lang="en-US" baseline="0" dirty="0" smtClean="0"/>
+              <a:rPr lang="en-US" baseline="0" dirty="0"/>
               <a:t>Namespaces are statement blocks that contain classes.</a:t>
             </a:r>
           </a:p>
@@ -4261,7 +4516,7 @@
               <a:buChar char="•"/>
             </a:pPr>
             <a:r>
-              <a:rPr lang="en-US" baseline="0" dirty="0" smtClean="0"/>
+              <a:rPr lang="en-US" baseline="0" dirty="0"/>
               <a:t>Namespaces group related classes together similar to a category.</a:t>
             </a:r>
           </a:p>
@@ -4271,7 +4526,7 @@
               <a:buChar char="•"/>
             </a:pPr>
             <a:r>
-              <a:rPr lang="en-US" baseline="0" dirty="0" smtClean="0"/>
+              <a:rPr lang="en-US" baseline="0" dirty="0"/>
               <a:t>Periods . are used to denote sub categories.</a:t>
             </a:r>
           </a:p>
@@ -4294,11 +4549,11 @@
               <a:defRPr/>
             </a:pPr>
             <a:r>
-              <a:rPr lang="en-US" baseline="0" dirty="0" smtClean="0"/>
+              <a:rPr lang="en-US" baseline="0" dirty="0"/>
               <a:t>A naming convention is often used like:   </a:t>
             </a:r>
             <a:r>
-              <a:rPr lang="en-US" sz="1200" dirty="0" smtClean="0"/>
+              <a:rPr lang="en-US" sz="1200" dirty="0"/>
               <a:t>[Company].[Application].[Component].[Category]</a:t>
             </a:r>
           </a:p>
@@ -4389,7 +4644,7 @@
               <a:buChar char="•"/>
             </a:pPr>
             <a:r>
-              <a:rPr lang="en-US" baseline="0" dirty="0" smtClean="0"/>
+              <a:rPr lang="en-US" baseline="0" dirty="0"/>
               <a:t>The namespace is straightforward.</a:t>
             </a:r>
           </a:p>
@@ -4399,7 +4654,7 @@
               <a:buChar char="•"/>
             </a:pPr>
             <a:r>
-              <a:rPr lang="en-US" baseline="0" dirty="0" smtClean="0"/>
+              <a:rPr lang="en-US" baseline="0" dirty="0"/>
               <a:t>The namespace keyword is specified followed by the name.</a:t>
             </a:r>
           </a:p>
@@ -4490,7 +4745,7 @@
               <a:buChar char="•"/>
             </a:pPr>
             <a:r>
-              <a:rPr lang="en-US" baseline="0" dirty="0" smtClean="0"/>
+              <a:rPr lang="en-US" baseline="0" dirty="0"/>
               <a:t>A using directive allows the use of a type within a namespace in a class with a different namespace.</a:t>
             </a:r>
           </a:p>
@@ -4500,7 +4755,7 @@
               <a:buChar char="•"/>
             </a:pPr>
             <a:r>
-              <a:rPr lang="en-US" baseline="0" dirty="0" smtClean="0"/>
+              <a:rPr lang="en-US" baseline="0" dirty="0"/>
               <a:t>The using statements are listed at the top of the code file.</a:t>
             </a:r>
           </a:p>
@@ -4510,7 +4765,7 @@
               <a:buChar char="•"/>
             </a:pPr>
             <a:r>
-              <a:rPr lang="en-US" baseline="0" dirty="0" smtClean="0"/>
+              <a:rPr lang="en-US" baseline="0" dirty="0"/>
               <a:t>You could list types by using the full namespace and type name, but the using directive allows for a shorthand and looks cleaner.</a:t>
             </a:r>
           </a:p>
@@ -4519,7 +4774,7 @@
               <a:buFont typeface="Arial" panose="020B0604020202020204" pitchFamily="34" charset="0"/>
               <a:buNone/>
             </a:pPr>
-            <a:endParaRPr lang="en-US" baseline="0" dirty="0" smtClean="0"/>
+            <a:endParaRPr lang="en-US" baseline="0" dirty="0"/>
           </a:p>
         </p:txBody>
       </p:sp>
@@ -4608,7 +4863,7 @@
               <a:buChar char="•"/>
             </a:pPr>
             <a:r>
-              <a:rPr lang="en-US" baseline="0" dirty="0" smtClean="0"/>
+              <a:rPr lang="en-US" baseline="0" dirty="0"/>
               <a:t>A constructor is a method that is called when a class is instantiated.</a:t>
             </a:r>
           </a:p>
@@ -4618,7 +4873,7 @@
               <a:buChar char="•"/>
             </a:pPr>
             <a:r>
-              <a:rPr lang="en-US" baseline="0" dirty="0" smtClean="0"/>
+              <a:rPr lang="en-US" baseline="0" dirty="0"/>
               <a:t>The name has to match the name of the class.</a:t>
             </a:r>
           </a:p>
@@ -4628,7 +4883,7 @@
               <a:buChar char="•"/>
             </a:pPr>
             <a:r>
-              <a:rPr lang="en-US" baseline="0" dirty="0" smtClean="0"/>
+              <a:rPr lang="en-US" baseline="0" dirty="0"/>
               <a:t>No return type or void is specified for this method.</a:t>
             </a:r>
           </a:p>
@@ -4638,7 +4893,7 @@
               <a:buChar char="•"/>
             </a:pPr>
             <a:r>
-              <a:rPr lang="en-US" baseline="0" dirty="0" smtClean="0"/>
+              <a:rPr lang="en-US" baseline="0" dirty="0"/>
               <a:t>The constructor can be overloaded like any other method, which requires different parameters with different types.</a:t>
             </a:r>
           </a:p>
@@ -4725,10 +4980,9 @@
           <a:lstStyle/>
           <a:p>
             <a:r>
-              <a:rPr lang="en-US" dirty="0" smtClean="0"/>
+              <a:rPr lang="en-US" dirty="0"/>
               <a:t>Let’s go through some examples</a:t>
             </a:r>
-            <a:endParaRPr lang="en-US" dirty="0"/>
           </a:p>
         </p:txBody>
       </p:sp>
@@ -4817,7 +5071,7 @@
               <a:buChar char="•"/>
             </a:pPr>
             <a:r>
-              <a:rPr lang="en-US" sz="1200" kern="1200" dirty="0" smtClean="0">
+              <a:rPr lang="en-US" sz="1200" kern="1200" dirty="0">
                 <a:solidFill>
                   <a:schemeClr val="tx1"/>
                 </a:solidFill>
@@ -4835,7 +5089,7 @@
               <a:buChar char="•"/>
             </a:pPr>
             <a:r>
-              <a:rPr lang="en-US" sz="1200" kern="1200" dirty="0" smtClean="0">
+              <a:rPr lang="en-US" sz="1200" kern="1200" dirty="0">
                 <a:solidFill>
                   <a:schemeClr val="tx1"/>
                 </a:solidFill>
@@ -4853,7 +5107,7 @@
               <a:buChar char="•"/>
             </a:pPr>
             <a:r>
-              <a:rPr lang="en-US" sz="1200" kern="1200" dirty="0" smtClean="0">
+              <a:rPr lang="en-US" sz="1200" kern="1200" dirty="0">
                 <a:solidFill>
                   <a:schemeClr val="tx1"/>
                 </a:solidFill>
@@ -4871,7 +5125,7 @@
               <a:buChar char="•"/>
             </a:pPr>
             <a:r>
-              <a:rPr lang="en-US" sz="1200" kern="1200" dirty="0" smtClean="0">
+              <a:rPr lang="en-US" sz="1200" kern="1200" dirty="0">
                 <a:solidFill>
                   <a:schemeClr val="tx1"/>
                 </a:solidFill>
@@ -4889,7 +5143,7 @@
               <a:buChar char="•"/>
             </a:pPr>
             <a:r>
-              <a:rPr lang="en-US" sz="1200" kern="1200" dirty="0" smtClean="0">
+              <a:rPr lang="en-US" sz="1200" kern="1200" dirty="0">
                 <a:solidFill>
                   <a:schemeClr val="tx1"/>
                 </a:solidFill>
@@ -4982,7 +5236,7 @@
           </a:lstStyle>
           <a:p>
             <a:r>
-              <a:rPr lang="en-US" smtClean="0"/>
+              <a:rPr lang="en-US"/>
               <a:t>Click to edit Master title style</a:t>
             </a:r>
             <a:endParaRPr lang="en-US" dirty="0"/>
@@ -5102,7 +5356,7 @@
           </a:lstStyle>
           <a:p>
             <a:r>
-              <a:rPr lang="en-US" smtClean="0"/>
+              <a:rPr lang="en-US"/>
               <a:t>Click to edit Master subtitle style</a:t>
             </a:r>
             <a:endParaRPr lang="en-US" dirty="0"/>
@@ -5126,7 +5380,7 @@
           <a:p>
             <a:fld id="{96FB5D56-0812-4ED5-8B52-3D0DCBF578CB}" type="datetimeFigureOut">
               <a:rPr lang="en-US" smtClean="0"/>
-              <a:t>2/11/2018</a:t>
+              <a:t>5/25/2018</a:t>
             </a:fld>
             <a:endParaRPr lang="en-US"/>
           </a:p>
@@ -5231,7 +5485,7 @@
           </a:lstStyle>
           <a:p>
             <a:r>
-              <a:rPr lang="en-US" smtClean="0"/>
+              <a:rPr lang="en-US"/>
               <a:t>Click to edit Master title style</a:t>
             </a:r>
             <a:endParaRPr lang="en-US" dirty="0"/>
@@ -5310,7 +5564,7 @@
           </a:lstStyle>
           <a:p>
             <a:r>
-              <a:rPr lang="en-US" smtClean="0"/>
+              <a:rPr lang="en-US"/>
               <a:t>Click icon to add picture</a:t>
             </a:r>
             <a:endParaRPr lang="en-US" dirty="0"/>
@@ -5378,7 +5632,7 @@
           <a:p>
             <a:pPr lvl="0"/>
             <a:r>
-              <a:rPr lang="en-US" smtClean="0"/>
+              <a:rPr lang="en-US"/>
               <a:t>Click to edit Master text styles</a:t>
             </a:r>
           </a:p>
@@ -5401,7 +5655,7 @@
           <a:p>
             <a:fld id="{96FB5D56-0812-4ED5-8B52-3D0DCBF578CB}" type="datetimeFigureOut">
               <a:rPr lang="en-US" smtClean="0"/>
-              <a:t>2/11/2018</a:t>
+              <a:t>5/25/2018</a:t>
             </a:fld>
             <a:endParaRPr lang="en-US"/>
           </a:p>
@@ -5504,7 +5758,7 @@
           </a:lstStyle>
           <a:p>
             <a:r>
-              <a:rPr lang="en-US" smtClean="0"/>
+              <a:rPr lang="en-US"/>
               <a:t>Click to edit Master title style</a:t>
             </a:r>
             <a:endParaRPr lang="en-US" dirty="0"/>
@@ -5572,7 +5826,7 @@
           <a:p>
             <a:pPr lvl="0"/>
             <a:r>
-              <a:rPr lang="en-US" smtClean="0"/>
+              <a:rPr lang="en-US"/>
               <a:t>Click to edit Master text styles</a:t>
             </a:r>
           </a:p>
@@ -5595,7 +5849,7 @@
           <a:p>
             <a:fld id="{96FB5D56-0812-4ED5-8B52-3D0DCBF578CB}" type="datetimeFigureOut">
               <a:rPr lang="en-US" smtClean="0"/>
-              <a:t>2/11/2018</a:t>
+              <a:t>5/25/2018</a:t>
             </a:fld>
             <a:endParaRPr lang="en-US"/>
           </a:p>
@@ -5698,7 +5952,7 @@
           </a:lstStyle>
           <a:p>
             <a:r>
-              <a:rPr lang="en-US" smtClean="0"/>
+              <a:rPr lang="en-US"/>
               <a:t>Click to edit Master title style</a:t>
             </a:r>
             <a:endParaRPr lang="en-US" dirty="0"/>
@@ -5778,7 +6032,7 @@
               <a:buNone/>
             </a:pPr>
             <a:r>
-              <a:rPr lang="en-US" smtClean="0"/>
+              <a:rPr lang="en-US"/>
               <a:t>Click to edit Master text styles</a:t>
             </a:r>
           </a:p>
@@ -5845,7 +6099,7 @@
           <a:p>
             <a:pPr lvl="0"/>
             <a:r>
-              <a:rPr lang="en-US" smtClean="0"/>
+              <a:rPr lang="en-US"/>
               <a:t>Click to edit Master text styles</a:t>
             </a:r>
           </a:p>
@@ -5868,7 +6122,7 @@
           <a:p>
             <a:fld id="{96FB5D56-0812-4ED5-8B52-3D0DCBF578CB}" type="datetimeFigureOut">
               <a:rPr lang="en-US" smtClean="0"/>
-              <a:t>2/11/2018</a:t>
+              <a:t>5/25/2018</a:t>
             </a:fld>
             <a:endParaRPr lang="en-US"/>
           </a:p>
@@ -6065,7 +6319,7 @@
           </a:lstStyle>
           <a:p>
             <a:r>
-              <a:rPr lang="en-US" smtClean="0"/>
+              <a:rPr lang="en-US"/>
               <a:t>Click to edit Master title style</a:t>
             </a:r>
             <a:endParaRPr lang="en-US" dirty="0"/>
@@ -6186,7 +6440,7 @@
           <a:p>
             <a:pPr lvl="0"/>
             <a:r>
-              <a:rPr lang="en-US" smtClean="0"/>
+              <a:rPr lang="en-US"/>
               <a:t>Click to edit Master text styles</a:t>
             </a:r>
           </a:p>
@@ -6209,7 +6463,7 @@
           <a:p>
             <a:fld id="{96FB5D56-0812-4ED5-8B52-3D0DCBF578CB}" type="datetimeFigureOut">
               <a:rPr lang="en-US" smtClean="0"/>
-              <a:t>2/11/2018</a:t>
+              <a:t>5/25/2018</a:t>
             </a:fld>
             <a:endParaRPr lang="en-US"/>
           </a:p>
@@ -6307,7 +6561,7 @@
           </a:lstStyle>
           <a:p>
             <a:r>
-              <a:rPr lang="en-US" smtClean="0"/>
+              <a:rPr lang="en-US"/>
               <a:t>Click to edit Master title style</a:t>
             </a:r>
             <a:endParaRPr lang="en-US" dirty="0"/>
@@ -6382,7 +6636,7 @@
           <a:p>
             <a:pPr lvl="0"/>
             <a:r>
-              <a:rPr lang="en-US" smtClean="0"/>
+              <a:rPr lang="en-US"/>
               <a:t>Click to edit Master text styles</a:t>
             </a:r>
           </a:p>
@@ -6449,7 +6703,7 @@
           <a:p>
             <a:pPr lvl="0"/>
             <a:r>
-              <a:rPr lang="en-US" smtClean="0"/>
+              <a:rPr lang="en-US"/>
               <a:t>Click to edit Master text styles</a:t>
             </a:r>
           </a:p>
@@ -6523,7 +6777,7 @@
           <a:p>
             <a:pPr lvl="0"/>
             <a:r>
-              <a:rPr lang="en-US" smtClean="0"/>
+              <a:rPr lang="en-US"/>
               <a:t>Click to edit Master text styles</a:t>
             </a:r>
           </a:p>
@@ -6590,7 +6844,7 @@
           <a:p>
             <a:pPr lvl="0"/>
             <a:r>
-              <a:rPr lang="en-US" smtClean="0"/>
+              <a:rPr lang="en-US"/>
               <a:t>Click to edit Master text styles</a:t>
             </a:r>
           </a:p>
@@ -6664,7 +6918,7 @@
           <a:p>
             <a:pPr lvl="0"/>
             <a:r>
-              <a:rPr lang="en-US" smtClean="0"/>
+              <a:rPr lang="en-US"/>
               <a:t>Click to edit Master text styles</a:t>
             </a:r>
           </a:p>
@@ -6731,7 +6985,7 @@
           <a:p>
             <a:pPr lvl="0"/>
             <a:r>
-              <a:rPr lang="en-US" smtClean="0"/>
+              <a:rPr lang="en-US"/>
               <a:t>Click to edit Master text styles</a:t>
             </a:r>
           </a:p>
@@ -6832,7 +7086,7 @@
           <a:p>
             <a:fld id="{96FB5D56-0812-4ED5-8B52-3D0DCBF578CB}" type="datetimeFigureOut">
               <a:rPr lang="en-US" smtClean="0"/>
-              <a:t>2/11/2018</a:t>
+              <a:t>5/25/2018</a:t>
             </a:fld>
             <a:endParaRPr lang="en-US"/>
           </a:p>
@@ -6930,7 +7184,7 @@
           </a:lstStyle>
           <a:p>
             <a:r>
-              <a:rPr lang="en-US" smtClean="0"/>
+              <a:rPr lang="en-US"/>
               <a:t>Click to edit Master title style</a:t>
             </a:r>
             <a:endParaRPr lang="en-US" dirty="0"/>
@@ -7005,7 +7259,7 @@
           <a:p>
             <a:pPr lvl="0"/>
             <a:r>
-              <a:rPr lang="en-US" smtClean="0"/>
+              <a:rPr lang="en-US"/>
               <a:t>Click to edit Master text styles</a:t>
             </a:r>
           </a:p>
@@ -7083,7 +7337,7 @@
           </a:lstStyle>
           <a:p>
             <a:r>
-              <a:rPr lang="en-US" smtClean="0"/>
+              <a:rPr lang="en-US"/>
               <a:t>Click icon to add picture</a:t>
             </a:r>
             <a:endParaRPr lang="en-US" dirty="0"/>
@@ -7151,7 +7405,7 @@
           <a:p>
             <a:pPr lvl="0"/>
             <a:r>
-              <a:rPr lang="en-US" smtClean="0"/>
+              <a:rPr lang="en-US"/>
               <a:t>Click to edit Master text styles</a:t>
             </a:r>
           </a:p>
@@ -7225,7 +7479,7 @@
           <a:p>
             <a:pPr lvl="0"/>
             <a:r>
-              <a:rPr lang="en-US" smtClean="0"/>
+              <a:rPr lang="en-US"/>
               <a:t>Click to edit Master text styles</a:t>
             </a:r>
           </a:p>
@@ -7303,7 +7557,7 @@
           </a:lstStyle>
           <a:p>
             <a:r>
-              <a:rPr lang="en-US" smtClean="0"/>
+              <a:rPr lang="en-US"/>
               <a:t>Click icon to add picture</a:t>
             </a:r>
             <a:endParaRPr lang="en-US" dirty="0"/>
@@ -7371,7 +7625,7 @@
           <a:p>
             <a:pPr lvl="0"/>
             <a:r>
-              <a:rPr lang="en-US" smtClean="0"/>
+              <a:rPr lang="en-US"/>
               <a:t>Click to edit Master text styles</a:t>
             </a:r>
           </a:p>
@@ -7445,7 +7699,7 @@
           <a:p>
             <a:pPr lvl="0"/>
             <a:r>
-              <a:rPr lang="en-US" smtClean="0"/>
+              <a:rPr lang="en-US"/>
               <a:t>Click to edit Master text styles</a:t>
             </a:r>
           </a:p>
@@ -7523,7 +7777,7 @@
           </a:lstStyle>
           <a:p>
             <a:r>
-              <a:rPr lang="en-US" smtClean="0"/>
+              <a:rPr lang="en-US"/>
               <a:t>Click icon to add picture</a:t>
             </a:r>
             <a:endParaRPr lang="en-US" dirty="0"/>
@@ -7591,7 +7845,7 @@
           <a:p>
             <a:pPr lvl="0"/>
             <a:r>
-              <a:rPr lang="en-US" smtClean="0"/>
+              <a:rPr lang="en-US"/>
               <a:t>Click to edit Master text styles</a:t>
             </a:r>
           </a:p>
@@ -7692,7 +7946,7 @@
           <a:p>
             <a:fld id="{96FB5D56-0812-4ED5-8B52-3D0DCBF578CB}" type="datetimeFigureOut">
               <a:rPr lang="en-US" smtClean="0"/>
-              <a:t>2/11/2018</a:t>
+              <a:t>5/25/2018</a:t>
             </a:fld>
             <a:endParaRPr lang="en-US"/>
           </a:p>
@@ -7786,7 +8040,7 @@
           <a:lstStyle/>
           <a:p>
             <a:r>
-              <a:rPr lang="en-US" smtClean="0"/>
+              <a:rPr lang="en-US"/>
               <a:t>Click to edit Master title style</a:t>
             </a:r>
             <a:endParaRPr lang="en-US" dirty="0"/>
@@ -7810,35 +8064,35 @@
           <a:p>
             <a:pPr lvl="0"/>
             <a:r>
-              <a:rPr lang="en-US" smtClean="0"/>
+              <a:rPr lang="en-US"/>
               <a:t>Click to edit Master text styles</a:t>
             </a:r>
           </a:p>
           <a:p>
             <a:pPr lvl="1"/>
             <a:r>
-              <a:rPr lang="en-US" smtClean="0"/>
+              <a:rPr lang="en-US"/>
               <a:t>Second level</a:t>
             </a:r>
           </a:p>
           <a:p>
             <a:pPr lvl="2"/>
             <a:r>
-              <a:rPr lang="en-US" smtClean="0"/>
+              <a:rPr lang="en-US"/>
               <a:t>Third level</a:t>
             </a:r>
           </a:p>
           <a:p>
             <a:pPr lvl="3"/>
             <a:r>
-              <a:rPr lang="en-US" smtClean="0"/>
+              <a:rPr lang="en-US"/>
               <a:t>Fourth level</a:t>
             </a:r>
           </a:p>
           <a:p>
             <a:pPr lvl="4"/>
             <a:r>
-              <a:rPr lang="en-US" smtClean="0"/>
+              <a:rPr lang="en-US"/>
               <a:t>Fifth level</a:t>
             </a:r>
             <a:endParaRPr lang="en-US" dirty="0"/>
@@ -7862,7 +8116,7 @@
           <a:p>
             <a:fld id="{96FB5D56-0812-4ED5-8B52-3D0DCBF578CB}" type="datetimeFigureOut">
               <a:rPr lang="en-US" smtClean="0"/>
-              <a:t>2/11/2018</a:t>
+              <a:t>5/25/2018</a:t>
             </a:fld>
             <a:endParaRPr lang="en-US"/>
           </a:p>
@@ -7961,7 +8215,7 @@
           <a:lstStyle/>
           <a:p>
             <a:r>
-              <a:rPr lang="en-US" smtClean="0"/>
+              <a:rPr lang="en-US"/>
               <a:t>Click to edit Master title style</a:t>
             </a:r>
             <a:endParaRPr lang="en-US" dirty="0"/>
@@ -7990,35 +8244,35 @@
           <a:p>
             <a:pPr lvl="0"/>
             <a:r>
-              <a:rPr lang="en-US" smtClean="0"/>
+              <a:rPr lang="en-US"/>
               <a:t>Click to edit Master text styles</a:t>
             </a:r>
           </a:p>
           <a:p>
             <a:pPr lvl="1"/>
             <a:r>
-              <a:rPr lang="en-US" smtClean="0"/>
+              <a:rPr lang="en-US"/>
               <a:t>Second level</a:t>
             </a:r>
           </a:p>
           <a:p>
             <a:pPr lvl="2"/>
             <a:r>
-              <a:rPr lang="en-US" smtClean="0"/>
+              <a:rPr lang="en-US"/>
               <a:t>Third level</a:t>
             </a:r>
           </a:p>
           <a:p>
             <a:pPr lvl="3"/>
             <a:r>
-              <a:rPr lang="en-US" smtClean="0"/>
+              <a:rPr lang="en-US"/>
               <a:t>Fourth level</a:t>
             </a:r>
           </a:p>
           <a:p>
             <a:pPr lvl="4"/>
             <a:r>
-              <a:rPr lang="en-US" smtClean="0"/>
+              <a:rPr lang="en-US"/>
               <a:t>Fifth level</a:t>
             </a:r>
             <a:endParaRPr lang="en-US" dirty="0"/>
@@ -8042,7 +8296,7 @@
           <a:p>
             <a:fld id="{96FB5D56-0812-4ED5-8B52-3D0DCBF578CB}" type="datetimeFigureOut">
               <a:rPr lang="en-US" smtClean="0"/>
-              <a:t>2/11/2018</a:t>
+              <a:t>5/25/2018</a:t>
             </a:fld>
             <a:endParaRPr lang="en-US"/>
           </a:p>
@@ -8136,7 +8390,7 @@
           <a:lstStyle/>
           <a:p>
             <a:r>
-              <a:rPr lang="en-US" smtClean="0"/>
+              <a:rPr lang="en-US"/>
               <a:t>Click to edit Master title style</a:t>
             </a:r>
             <a:endParaRPr lang="en-US" dirty="0"/>
@@ -8160,35 +8414,35 @@
           <a:p>
             <a:pPr lvl="0"/>
             <a:r>
-              <a:rPr lang="en-US" smtClean="0"/>
+              <a:rPr lang="en-US"/>
               <a:t>Click to edit Master text styles</a:t>
             </a:r>
           </a:p>
           <a:p>
             <a:pPr lvl="1"/>
             <a:r>
-              <a:rPr lang="en-US" smtClean="0"/>
+              <a:rPr lang="en-US"/>
               <a:t>Second level</a:t>
             </a:r>
           </a:p>
           <a:p>
             <a:pPr lvl="2"/>
             <a:r>
-              <a:rPr lang="en-US" smtClean="0"/>
+              <a:rPr lang="en-US"/>
               <a:t>Third level</a:t>
             </a:r>
           </a:p>
           <a:p>
             <a:pPr lvl="3"/>
             <a:r>
-              <a:rPr lang="en-US" smtClean="0"/>
+              <a:rPr lang="en-US"/>
               <a:t>Fourth level</a:t>
             </a:r>
           </a:p>
           <a:p>
             <a:pPr lvl="4"/>
             <a:r>
-              <a:rPr lang="en-US" smtClean="0"/>
+              <a:rPr lang="en-US"/>
               <a:t>Fifth level</a:t>
             </a:r>
             <a:endParaRPr lang="en-US" dirty="0"/>
@@ -8212,7 +8466,7 @@
           <a:p>
             <a:fld id="{96FB5D56-0812-4ED5-8B52-3D0DCBF578CB}" type="datetimeFigureOut">
               <a:rPr lang="en-US" smtClean="0"/>
-              <a:t>2/11/2018</a:t>
+              <a:t>5/25/2018</a:t>
             </a:fld>
             <a:endParaRPr lang="en-US"/>
           </a:p>
@@ -8315,7 +8569,7 @@
           </a:lstStyle>
           <a:p>
             <a:r>
-              <a:rPr lang="en-US" smtClean="0"/>
+              <a:rPr lang="en-US"/>
               <a:t>Click to edit Master title style</a:t>
             </a:r>
             <a:endParaRPr lang="en-US" dirty="0"/>
@@ -8436,7 +8690,7 @@
           <a:p>
             <a:pPr lvl="0"/>
             <a:r>
-              <a:rPr lang="en-US" smtClean="0"/>
+              <a:rPr lang="en-US"/>
               <a:t>Click to edit Master text styles</a:t>
             </a:r>
           </a:p>
@@ -8459,7 +8713,7 @@
           <a:p>
             <a:fld id="{96FB5D56-0812-4ED5-8B52-3D0DCBF578CB}" type="datetimeFigureOut">
               <a:rPr lang="en-US" smtClean="0"/>
-              <a:t>2/11/2018</a:t>
+              <a:t>5/25/2018</a:t>
             </a:fld>
             <a:endParaRPr lang="en-US"/>
           </a:p>
@@ -8553,7 +8807,7 @@
           <a:lstStyle/>
           <a:p>
             <a:r>
-              <a:rPr lang="en-US" smtClean="0"/>
+              <a:rPr lang="en-US"/>
               <a:t>Click to edit Master title style</a:t>
             </a:r>
             <a:endParaRPr lang="en-US" dirty="0"/>
@@ -8612,35 +8866,35 @@
           <a:p>
             <a:pPr lvl="0"/>
             <a:r>
-              <a:rPr lang="en-US" smtClean="0"/>
+              <a:rPr lang="en-US"/>
               <a:t>Click to edit Master text styles</a:t>
             </a:r>
           </a:p>
           <a:p>
             <a:pPr lvl="1"/>
             <a:r>
-              <a:rPr lang="en-US" smtClean="0"/>
+              <a:rPr lang="en-US"/>
               <a:t>Second level</a:t>
             </a:r>
           </a:p>
           <a:p>
             <a:pPr lvl="2"/>
             <a:r>
-              <a:rPr lang="en-US" smtClean="0"/>
+              <a:rPr lang="en-US"/>
               <a:t>Third level</a:t>
             </a:r>
           </a:p>
           <a:p>
             <a:pPr lvl="3"/>
             <a:r>
-              <a:rPr lang="en-US" smtClean="0"/>
+              <a:rPr lang="en-US"/>
               <a:t>Fourth level</a:t>
             </a:r>
           </a:p>
           <a:p>
             <a:pPr lvl="4"/>
             <a:r>
-              <a:rPr lang="en-US" smtClean="0"/>
+              <a:rPr lang="en-US"/>
               <a:t>Fifth level</a:t>
             </a:r>
             <a:endParaRPr lang="en-US" dirty="0"/>
@@ -8699,35 +8953,35 @@
           <a:p>
             <a:pPr lvl="0"/>
             <a:r>
-              <a:rPr lang="en-US" smtClean="0"/>
+              <a:rPr lang="en-US"/>
               <a:t>Click to edit Master text styles</a:t>
             </a:r>
           </a:p>
           <a:p>
             <a:pPr lvl="1"/>
             <a:r>
-              <a:rPr lang="en-US" smtClean="0"/>
+              <a:rPr lang="en-US"/>
               <a:t>Second level</a:t>
             </a:r>
           </a:p>
           <a:p>
             <a:pPr lvl="2"/>
             <a:r>
-              <a:rPr lang="en-US" smtClean="0"/>
+              <a:rPr lang="en-US"/>
               <a:t>Third level</a:t>
             </a:r>
           </a:p>
           <a:p>
             <a:pPr lvl="3"/>
             <a:r>
-              <a:rPr lang="en-US" smtClean="0"/>
+              <a:rPr lang="en-US"/>
               <a:t>Fourth level</a:t>
             </a:r>
           </a:p>
           <a:p>
             <a:pPr lvl="4"/>
             <a:r>
-              <a:rPr lang="en-US" smtClean="0"/>
+              <a:rPr lang="en-US"/>
               <a:t>Fifth level</a:t>
             </a:r>
             <a:endParaRPr lang="en-US" dirty="0"/>
@@ -8751,7 +9005,7 @@
           <a:p>
             <a:fld id="{96FB5D56-0812-4ED5-8B52-3D0DCBF578CB}" type="datetimeFigureOut">
               <a:rPr lang="en-US" smtClean="0"/>
-              <a:t>2/11/2018</a:t>
+              <a:t>5/25/2018</a:t>
             </a:fld>
             <a:endParaRPr lang="en-US"/>
           </a:p>
@@ -8849,7 +9103,7 @@
           </a:lstStyle>
           <a:p>
             <a:r>
-              <a:rPr lang="en-US" smtClean="0"/>
+              <a:rPr lang="en-US"/>
               <a:t>Click to edit Master title style</a:t>
             </a:r>
             <a:endParaRPr lang="en-US" dirty="0"/>
@@ -8924,7 +9178,7 @@
           <a:p>
             <a:pPr lvl="0"/>
             <a:r>
-              <a:rPr lang="en-US" smtClean="0"/>
+              <a:rPr lang="en-US"/>
               <a:t>Click to edit Master text styles</a:t>
             </a:r>
           </a:p>
@@ -8982,35 +9236,35 @@
           <a:p>
             <a:pPr lvl="0"/>
             <a:r>
-              <a:rPr lang="en-US" smtClean="0"/>
+              <a:rPr lang="en-US"/>
               <a:t>Click to edit Master text styles</a:t>
             </a:r>
           </a:p>
           <a:p>
             <a:pPr lvl="1"/>
             <a:r>
-              <a:rPr lang="en-US" smtClean="0"/>
+              <a:rPr lang="en-US"/>
               <a:t>Second level</a:t>
             </a:r>
           </a:p>
           <a:p>
             <a:pPr lvl="2"/>
             <a:r>
-              <a:rPr lang="en-US" smtClean="0"/>
+              <a:rPr lang="en-US"/>
               <a:t>Third level</a:t>
             </a:r>
           </a:p>
           <a:p>
             <a:pPr lvl="3"/>
             <a:r>
-              <a:rPr lang="en-US" smtClean="0"/>
+              <a:rPr lang="en-US"/>
               <a:t>Fourth level</a:t>
             </a:r>
           </a:p>
           <a:p>
             <a:pPr lvl="4"/>
             <a:r>
-              <a:rPr lang="en-US" smtClean="0"/>
+              <a:rPr lang="en-US"/>
               <a:t>Fifth level</a:t>
             </a:r>
             <a:endParaRPr lang="en-US" dirty="0"/>
@@ -9085,7 +9339,7 @@
           <a:p>
             <a:pPr lvl="0"/>
             <a:r>
-              <a:rPr lang="en-US" smtClean="0"/>
+              <a:rPr lang="en-US"/>
               <a:t>Click to edit Master text styles</a:t>
             </a:r>
           </a:p>
@@ -9143,35 +9397,35 @@
           <a:p>
             <a:pPr lvl="0"/>
             <a:r>
-              <a:rPr lang="en-US" smtClean="0"/>
+              <a:rPr lang="en-US"/>
               <a:t>Click to edit Master text styles</a:t>
             </a:r>
           </a:p>
           <a:p>
             <a:pPr lvl="1"/>
             <a:r>
-              <a:rPr lang="en-US" smtClean="0"/>
+              <a:rPr lang="en-US"/>
               <a:t>Second level</a:t>
             </a:r>
           </a:p>
           <a:p>
             <a:pPr lvl="2"/>
             <a:r>
-              <a:rPr lang="en-US" smtClean="0"/>
+              <a:rPr lang="en-US"/>
               <a:t>Third level</a:t>
             </a:r>
           </a:p>
           <a:p>
             <a:pPr lvl="3"/>
             <a:r>
-              <a:rPr lang="en-US" smtClean="0"/>
+              <a:rPr lang="en-US"/>
               <a:t>Fourth level</a:t>
             </a:r>
           </a:p>
           <a:p>
             <a:pPr lvl="4"/>
             <a:r>
-              <a:rPr lang="en-US" smtClean="0"/>
+              <a:rPr lang="en-US"/>
               <a:t>Fifth level</a:t>
             </a:r>
             <a:endParaRPr lang="en-US" dirty="0"/>
@@ -9195,7 +9449,7 @@
           <a:p>
             <a:fld id="{96FB5D56-0812-4ED5-8B52-3D0DCBF578CB}" type="datetimeFigureOut">
               <a:rPr lang="en-US" smtClean="0"/>
-              <a:t>2/11/2018</a:t>
+              <a:t>5/25/2018</a:t>
             </a:fld>
             <a:endParaRPr lang="en-US"/>
           </a:p>
@@ -9289,7 +9543,7 @@
           <a:lstStyle/>
           <a:p>
             <a:r>
-              <a:rPr lang="en-US" smtClean="0"/>
+              <a:rPr lang="en-US"/>
               <a:t>Click to edit Master title style</a:t>
             </a:r>
             <a:endParaRPr lang="en-US" dirty="0"/>
@@ -9313,7 +9567,7 @@
           <a:p>
             <a:fld id="{96FB5D56-0812-4ED5-8B52-3D0DCBF578CB}" type="datetimeFigureOut">
               <a:rPr lang="en-US" smtClean="0"/>
-              <a:t>2/11/2018</a:t>
+              <a:t>5/25/2018</a:t>
             </a:fld>
             <a:endParaRPr lang="en-US"/>
           </a:p>
@@ -9408,7 +9662,7 @@
           <a:p>
             <a:fld id="{96FB5D56-0812-4ED5-8B52-3D0DCBF578CB}" type="datetimeFigureOut">
               <a:rPr lang="en-US" smtClean="0"/>
-              <a:t>2/11/2018</a:t>
+              <a:t>5/25/2018</a:t>
             </a:fld>
             <a:endParaRPr lang="en-US"/>
           </a:p>
@@ -9511,7 +9765,7 @@
           </a:lstStyle>
           <a:p>
             <a:r>
-              <a:rPr lang="en-US" smtClean="0"/>
+              <a:rPr lang="en-US"/>
               <a:t>Click to edit Master title style</a:t>
             </a:r>
             <a:endParaRPr lang="en-US" dirty="0"/>
@@ -9570,35 +9824,35 @@
           <a:p>
             <a:pPr lvl="0"/>
             <a:r>
-              <a:rPr lang="en-US" smtClean="0"/>
+              <a:rPr lang="en-US"/>
               <a:t>Click to edit Master text styles</a:t>
             </a:r>
           </a:p>
           <a:p>
             <a:pPr lvl="1"/>
             <a:r>
-              <a:rPr lang="en-US" smtClean="0"/>
+              <a:rPr lang="en-US"/>
               <a:t>Second level</a:t>
             </a:r>
           </a:p>
           <a:p>
             <a:pPr lvl="2"/>
             <a:r>
-              <a:rPr lang="en-US" smtClean="0"/>
+              <a:rPr lang="en-US"/>
               <a:t>Third level</a:t>
             </a:r>
           </a:p>
           <a:p>
             <a:pPr lvl="3"/>
             <a:r>
-              <a:rPr lang="en-US" smtClean="0"/>
+              <a:rPr lang="en-US"/>
               <a:t>Fourth level</a:t>
             </a:r>
           </a:p>
           <a:p>
             <a:pPr lvl="4"/>
             <a:r>
-              <a:rPr lang="en-US" smtClean="0"/>
+              <a:rPr lang="en-US"/>
               <a:t>Fifth level</a:t>
             </a:r>
             <a:endParaRPr lang="en-US" dirty="0"/>
@@ -9664,7 +9918,7 @@
           <a:p>
             <a:pPr lvl="0"/>
             <a:r>
-              <a:rPr lang="en-US" smtClean="0"/>
+              <a:rPr lang="en-US"/>
               <a:t>Click to edit Master text styles</a:t>
             </a:r>
           </a:p>
@@ -9687,7 +9941,7 @@
           <a:p>
             <a:fld id="{96FB5D56-0812-4ED5-8B52-3D0DCBF578CB}" type="datetimeFigureOut">
               <a:rPr lang="en-US" smtClean="0"/>
-              <a:t>2/11/2018</a:t>
+              <a:t>5/25/2018</a:t>
             </a:fld>
             <a:endParaRPr lang="en-US"/>
           </a:p>
@@ -9792,7 +10046,7 @@
           </a:lstStyle>
           <a:p>
             <a:r>
-              <a:rPr lang="en-US" smtClean="0"/>
+              <a:rPr lang="en-US"/>
               <a:t>Click to edit Master title style</a:t>
             </a:r>
             <a:endParaRPr lang="en-US" dirty="0"/>
@@ -9871,7 +10125,7 @@
           </a:lstStyle>
           <a:p>
             <a:r>
-              <a:rPr lang="en-US" smtClean="0"/>
+              <a:rPr lang="en-US"/>
               <a:t>Click icon to add picture</a:t>
             </a:r>
             <a:endParaRPr lang="en-US" dirty="0"/>
@@ -9939,7 +10193,7 @@
           <a:p>
             <a:pPr lvl="0"/>
             <a:r>
-              <a:rPr lang="en-US" smtClean="0"/>
+              <a:rPr lang="en-US"/>
               <a:t>Click to edit Master text styles</a:t>
             </a:r>
           </a:p>
@@ -9962,7 +10216,7 @@
           <a:p>
             <a:fld id="{96FB5D56-0812-4ED5-8B52-3D0DCBF578CB}" type="datetimeFigureOut">
               <a:rPr lang="en-US" smtClean="0"/>
-              <a:t>2/11/2018</a:t>
+              <a:t>5/25/2018</a:t>
             </a:fld>
             <a:endParaRPr lang="en-US"/>
           </a:p>
@@ -10286,7 +10540,7 @@
           <a:lstStyle/>
           <a:p>
             <a:r>
-              <a:rPr lang="en-US" smtClean="0"/>
+              <a:rPr lang="en-US"/>
               <a:t>Click to edit Master title style</a:t>
             </a:r>
             <a:endParaRPr lang="en-US" dirty="0"/>
@@ -10320,35 +10574,35 @@
           <a:p>
             <a:pPr lvl="0"/>
             <a:r>
-              <a:rPr lang="en-US" smtClean="0"/>
+              <a:rPr lang="en-US"/>
               <a:t>Click to edit Master text styles</a:t>
             </a:r>
           </a:p>
           <a:p>
             <a:pPr lvl="1"/>
             <a:r>
-              <a:rPr lang="en-US" smtClean="0"/>
+              <a:rPr lang="en-US"/>
               <a:t>Second level</a:t>
             </a:r>
           </a:p>
           <a:p>
             <a:pPr lvl="2"/>
             <a:r>
-              <a:rPr lang="en-US" smtClean="0"/>
+              <a:rPr lang="en-US"/>
               <a:t>Third level</a:t>
             </a:r>
           </a:p>
           <a:p>
             <a:pPr lvl="3"/>
             <a:r>
-              <a:rPr lang="en-US" smtClean="0"/>
+              <a:rPr lang="en-US"/>
               <a:t>Fourth level</a:t>
             </a:r>
           </a:p>
           <a:p>
             <a:pPr lvl="4"/>
             <a:r>
-              <a:rPr lang="en-US" smtClean="0"/>
+              <a:rPr lang="en-US"/>
               <a:t>Fifth level</a:t>
             </a:r>
             <a:endParaRPr lang="en-US" dirty="0"/>
@@ -10391,7 +10645,7 @@
           <a:p>
             <a:fld id="{96FB5D56-0812-4ED5-8B52-3D0DCBF578CB}" type="datetimeFigureOut">
               <a:rPr lang="en-US" smtClean="0"/>
-              <a:t>2/11/2018</a:t>
+              <a:t>5/25/2018</a:t>
             </a:fld>
             <a:endParaRPr lang="en-US"/>
           </a:p>
@@ -10935,14 +11189,13 @@
           <a:lstStyle/>
           <a:p>
             <a:r>
-              <a:rPr lang="en-US" dirty="0" err="1" smtClean="0"/>
+              <a:rPr lang="en-US" dirty="0" err="1"/>
               <a:t>Logols</a:t>
             </a:r>
             <a:r>
-              <a:rPr lang="en-US" dirty="0" smtClean="0"/>
+              <a:rPr lang="en-US" dirty="0"/>
               <a:t> Learning</a:t>
             </a:r>
-            <a:endParaRPr lang="en-US" dirty="0"/>
           </a:p>
         </p:txBody>
       </p:sp>
@@ -10968,10 +11221,9 @@
           </a:p>
           <a:p>
             <a:r>
-              <a:rPr lang="en-US" dirty="0" smtClean="0"/>
+              <a:rPr lang="en-US" dirty="0"/>
               <a:t>Training:  object oriented programming</a:t>
             </a:r>
-            <a:endParaRPr lang="en-US" dirty="0"/>
           </a:p>
         </p:txBody>
       </p:sp>
@@ -10985,13 +11237,6 @@
   <p:clrMapOvr>
     <a:masterClrMapping/>
   </p:clrMapOvr>
-  <p:timing>
-    <p:tnLst>
-      <p:par>
-        <p:cTn id="1" dur="indefinite" restart="never" nodeType="tmRoot"/>
-      </p:par>
-    </p:tnLst>
-  </p:timing>
 </p:sld>
 </file>
 
@@ -11028,10 +11273,9 @@
           <a:lstStyle/>
           <a:p>
             <a:r>
-              <a:rPr lang="en-US" dirty="0" smtClean="0"/>
+              <a:rPr lang="en-US" dirty="0"/>
               <a:t>ASSESSMENT</a:t>
             </a:r>
-            <a:endParaRPr lang="en-US" dirty="0"/>
           </a:p>
         </p:txBody>
       </p:sp>
@@ -11097,13 +11341,6 @@
   <p:clrMapOvr>
     <a:masterClrMapping/>
   </p:clrMapOvr>
-  <p:timing>
-    <p:tnLst>
-      <p:par>
-        <p:cTn id="1" dur="indefinite" restart="never" nodeType="tmRoot"/>
-      </p:par>
-    </p:tnLst>
-  </p:timing>
 </p:sld>
 </file>
 
@@ -11140,10 +11377,9 @@
           <a:lstStyle/>
           <a:p>
             <a:r>
-              <a:rPr lang="en-US" dirty="0" smtClean="0"/>
+              <a:rPr lang="en-US" dirty="0"/>
               <a:t>Assignment</a:t>
             </a:r>
-            <a:endParaRPr lang="en-US" dirty="0"/>
           </a:p>
         </p:txBody>
       </p:sp>
@@ -11170,21 +11406,13 @@
           <a:lstStyle/>
           <a:p>
             <a:r>
-              <a:rPr lang="en-US" sz="3600" dirty="0" smtClean="0"/>
-              <a:t>We have been surrounded by zombies and need to change camps.</a:t>
-            </a:r>
-            <a:r>
               <a:rPr lang="en-US" sz="3600" dirty="0"/>
-              <a:t> </a:t>
-            </a:r>
-            <a:r>
-              <a:rPr lang="en-US" sz="3600" dirty="0" smtClean="0"/>
-              <a:t> We will move by foot.  The zombies will likely follow.</a:t>
-            </a:r>
-          </a:p>
-          <a:p>
-            <a:r>
-              <a:rPr lang="en-US" sz="3600" dirty="0" smtClean="0"/>
+              <a:t>We have been surrounded by zombies and need to change camps.  We will move by foot.  The zombies will likely follow.</a:t>
+            </a:r>
+          </a:p>
+          <a:p>
+            <a:r>
+              <a:rPr lang="en-US" sz="3600" dirty="0"/>
               <a:t>A simulator has been requested to see how long it will take the zombies to catch up to us after we move, to decide the best location.</a:t>
             </a:r>
           </a:p>
@@ -11265,10 +11493,9 @@
           <a:lstStyle/>
           <a:p>
             <a:r>
-              <a:rPr lang="en-US" dirty="0" smtClean="0"/>
+              <a:rPr lang="en-US" dirty="0"/>
               <a:t>Assignment</a:t>
             </a:r>
-            <a:endParaRPr lang="en-US" dirty="0"/>
           </a:p>
         </p:txBody>
       </p:sp>
@@ -11295,41 +11522,41 @@
           <a:lstStyle/>
           <a:p>
             <a:r>
-              <a:rPr lang="en-US" sz="4000" dirty="0" smtClean="0"/>
+              <a:rPr lang="en-US" sz="4000" dirty="0"/>
               <a:t>Create a new console project named </a:t>
             </a:r>
             <a:r>
-              <a:rPr lang="en-US" sz="4000" dirty="0" err="1" smtClean="0"/>
+              <a:rPr lang="en-US" sz="4000" dirty="0" err="1"/>
               <a:t>Zombie.Simulator</a:t>
             </a:r>
             <a:r>
-              <a:rPr lang="en-US" sz="4000" dirty="0" smtClean="0"/>
+              <a:rPr lang="en-US" sz="4000" dirty="0"/>
               <a:t>.</a:t>
             </a:r>
           </a:p>
           <a:p>
             <a:r>
-              <a:rPr lang="en-US" sz="4000" dirty="0" smtClean="0"/>
+              <a:rPr lang="en-US" sz="4000" dirty="0"/>
               <a:t>Create a Person Class within the namespace </a:t>
             </a:r>
             <a:r>
-              <a:rPr lang="en-US" sz="4000" dirty="0" err="1" smtClean="0"/>
+              <a:rPr lang="en-US" sz="4000" dirty="0" err="1"/>
               <a:t>Zombie.Simulator</a:t>
             </a:r>
             <a:r>
-              <a:rPr lang="en-US" sz="4000" dirty="0" smtClean="0"/>
+              <a:rPr lang="en-US" sz="4000" dirty="0"/>
               <a:t>.</a:t>
             </a:r>
           </a:p>
           <a:p>
             <a:r>
-              <a:rPr lang="en-US" sz="4000" dirty="0" smtClean="0"/>
+              <a:rPr lang="en-US" sz="4000" dirty="0"/>
               <a:t>Create a constructor that writes to the console:  “A new person has been created.”</a:t>
             </a:r>
           </a:p>
           <a:p>
             <a:r>
-              <a:rPr lang="en-US" sz="4000" dirty="0" smtClean="0"/>
+              <a:rPr lang="en-US" sz="4000" dirty="0"/>
               <a:t>From the Main method, instantiate the Person class.</a:t>
             </a:r>
           </a:p>
@@ -11410,10 +11637,9 @@
           <a:lstStyle/>
           <a:p>
             <a:r>
-              <a:rPr lang="en-US" dirty="0" smtClean="0"/>
+              <a:rPr lang="en-US" dirty="0"/>
               <a:t>Properties</a:t>
             </a:r>
-            <a:endParaRPr lang="en-US" dirty="0"/>
           </a:p>
         </p:txBody>
       </p:sp>
@@ -11435,38 +11661,38 @@
           <a:lstStyle/>
           <a:p>
             <a:r>
-              <a:rPr lang="en-US" sz="2800" dirty="0" smtClean="0"/>
+              <a:rPr lang="en-US" sz="2800" dirty="0"/>
               <a:t>Data Associated with a Class</a:t>
             </a:r>
           </a:p>
           <a:p>
             <a:r>
-              <a:rPr lang="en-US" sz="2800" dirty="0" smtClean="0"/>
+              <a:rPr lang="en-US" sz="2800" dirty="0"/>
               <a:t>Part of the Interface</a:t>
             </a:r>
           </a:p>
           <a:p>
             <a:pPr lvl="1"/>
             <a:r>
-              <a:rPr lang="en-US" sz="2600" dirty="0" smtClean="0"/>
+              <a:rPr lang="en-US" sz="2600" dirty="0"/>
               <a:t>Available to Other Classes</a:t>
             </a:r>
           </a:p>
           <a:p>
             <a:r>
-              <a:rPr lang="en-US" sz="2800" dirty="0" smtClean="0"/>
+              <a:rPr lang="en-US" sz="2800" dirty="0"/>
               <a:t>Get – Allows retrieval of the data</a:t>
             </a:r>
           </a:p>
           <a:p>
             <a:r>
-              <a:rPr lang="en-US" sz="2800" dirty="0" smtClean="0"/>
+              <a:rPr lang="en-US" sz="2800" dirty="0"/>
               <a:t>Set – Allows assignment of the data</a:t>
             </a:r>
           </a:p>
           <a:p>
             <a:r>
-              <a:rPr lang="en-US" sz="2800" dirty="0" smtClean="0"/>
+              <a:rPr lang="en-US" sz="2800" dirty="0"/>
               <a:t>Get or Set may be left unimplemented</a:t>
             </a:r>
           </a:p>
@@ -11518,10 +11744,9 @@
           <a:lstStyle/>
           <a:p>
             <a:r>
-              <a:rPr lang="en-US" dirty="0" smtClean="0"/>
+              <a:rPr lang="en-US" dirty="0"/>
               <a:t>Property Syntax</a:t>
             </a:r>
-            <a:endParaRPr lang="en-US" dirty="0"/>
           </a:p>
         </p:txBody>
       </p:sp>
@@ -11551,14 +11776,14 @@
               <a:buNone/>
             </a:pPr>
             <a:r>
-              <a:rPr lang="en-US" dirty="0" smtClean="0"/>
+              <a:rPr lang="en-US" dirty="0"/>
               <a:t>General </a:t>
             </a:r>
             <a:br>
-              <a:rPr lang="en-US" dirty="0" smtClean="0"/>
+              <a:rPr lang="en-US" dirty="0"/>
             </a:br>
             <a:r>
-              <a:rPr lang="en-US" dirty="0" smtClean="0"/>
+              <a:rPr lang="en-US" dirty="0"/>
               <a:t>Syntax</a:t>
             </a:r>
           </a:p>
@@ -11677,10 +11902,9 @@
               <a:buNone/>
             </a:pPr>
             <a:r>
-              <a:rPr lang="en-US" dirty="0" smtClean="0"/>
+              <a:rPr lang="en-US" dirty="0"/>
               <a:t>Fully Implemented Example</a:t>
             </a:r>
-            <a:endParaRPr lang="en-US" dirty="0"/>
           </a:p>
         </p:txBody>
       </p:sp>
@@ -11800,10 +12024,9 @@
           <a:lstStyle/>
           <a:p>
             <a:r>
-              <a:rPr lang="en-US" dirty="0" smtClean="0"/>
+              <a:rPr lang="en-US" dirty="0"/>
               <a:t>Auto Implemented Example</a:t>
             </a:r>
-            <a:endParaRPr lang="en-US" dirty="0"/>
           </a:p>
         </p:txBody>
       </p:sp>
@@ -11834,13 +12057,8 @@
             </a:r>
             <a:r>
               <a:rPr lang="en-US" dirty="0"/>
-              <a:t> </a:t>
-            </a:r>
-            <a:r>
-              <a:rPr lang="en-US" dirty="0" smtClean="0"/>
-              <a:t>Count { get; set; }</a:t>
-            </a:r>
-            <a:endParaRPr lang="en-US" dirty="0"/>
+              <a:t> Count { get; set; }</a:t>
+            </a:r>
           </a:p>
           <a:p>
             <a:endParaRPr lang="en-US" dirty="0"/>
@@ -11893,10 +12111,9 @@
           <a:lstStyle/>
           <a:p>
             <a:r>
-              <a:rPr lang="en-US" dirty="0" smtClean="0"/>
+              <a:rPr lang="en-US" dirty="0"/>
               <a:t>Instantiating and Using Objects</a:t>
             </a:r>
-            <a:endParaRPr lang="en-US" dirty="0"/>
           </a:p>
         </p:txBody>
       </p:sp>
@@ -11918,25 +12135,25 @@
           <a:lstStyle/>
           <a:p>
             <a:r>
-              <a:rPr lang="en-US" sz="2800" dirty="0" smtClean="0"/>
+              <a:rPr lang="en-US" sz="2800" dirty="0"/>
               <a:t>A class needs to be instantiated to be used</a:t>
             </a:r>
           </a:p>
           <a:p>
             <a:r>
-              <a:rPr lang="en-US" sz="2800" dirty="0" smtClean="0"/>
+              <a:rPr lang="en-US" sz="2800" dirty="0"/>
               <a:t>A class can be instantiated many times</a:t>
             </a:r>
           </a:p>
           <a:p>
             <a:r>
-              <a:rPr lang="en-US" sz="2800" dirty="0" smtClean="0"/>
+              <a:rPr lang="en-US" sz="2800" dirty="0"/>
               <a:t>One instance of a class does not effect another</a:t>
             </a:r>
           </a:p>
           <a:p>
             <a:r>
-              <a:rPr lang="en-US" sz="2800" dirty="0" smtClean="0"/>
+              <a:rPr lang="en-US" sz="2800" dirty="0"/>
               <a:t>Example:</a:t>
             </a:r>
           </a:p>
@@ -11945,15 +12162,15 @@
               <a:buNone/>
             </a:pPr>
             <a:r>
-              <a:rPr lang="en-US" sz="2800" dirty="0" smtClean="0"/>
+              <a:rPr lang="en-US" sz="2800" dirty="0"/>
               <a:t>Car </a:t>
             </a:r>
             <a:r>
-              <a:rPr lang="en-US" sz="2800" dirty="0" err="1" smtClean="0"/>
+              <a:rPr lang="en-US" sz="2800" dirty="0" err="1"/>
               <a:t>car</a:t>
             </a:r>
             <a:r>
-              <a:rPr lang="en-US" sz="2800" dirty="0" smtClean="0"/>
+              <a:rPr lang="en-US" sz="2800" dirty="0"/>
               <a:t> = new Car();</a:t>
             </a:r>
           </a:p>
@@ -11962,19 +12179,19 @@
               <a:buNone/>
             </a:pPr>
             <a:r>
-              <a:rPr lang="en-US" sz="2800" dirty="0" err="1" smtClean="0"/>
+              <a:rPr lang="en-US" sz="2800" dirty="0" err="1"/>
               <a:t>Console.WriteLine</a:t>
             </a:r>
             <a:r>
-              <a:rPr lang="en-US" sz="2800" dirty="0" smtClean="0"/>
+              <a:rPr lang="en-US" sz="2800" dirty="0"/>
               <a:t>(</a:t>
             </a:r>
             <a:r>
-              <a:rPr lang="en-US" sz="2800" dirty="0" err="1" smtClean="0"/>
+              <a:rPr lang="en-US" sz="2800" dirty="0" err="1"/>
               <a:t>car.DistanceTraveled</a:t>
             </a:r>
             <a:r>
-              <a:rPr lang="en-US" sz="2800" dirty="0" smtClean="0"/>
+              <a:rPr lang="en-US" sz="2800" dirty="0"/>
               <a:t>);</a:t>
             </a:r>
           </a:p>
@@ -11983,11 +12200,11 @@
               <a:buNone/>
             </a:pPr>
             <a:r>
-              <a:rPr lang="en-US" sz="2800" dirty="0" err="1" smtClean="0"/>
+              <a:rPr lang="en-US" sz="2800" dirty="0" err="1"/>
               <a:t>car.Drive</a:t>
             </a:r>
             <a:r>
-              <a:rPr lang="en-US" sz="2800" dirty="0" smtClean="0"/>
+              <a:rPr lang="en-US" sz="2800" dirty="0"/>
               <a:t>(15);</a:t>
             </a:r>
           </a:p>
@@ -12061,10 +12278,9 @@
           <a:lstStyle/>
           <a:p>
             <a:r>
-              <a:rPr lang="en-US" dirty="0" smtClean="0"/>
+              <a:rPr lang="en-US" dirty="0"/>
               <a:t>Class with Properties and Methods</a:t>
             </a:r>
-            <a:endParaRPr lang="en-US" dirty="0"/>
           </a:p>
         </p:txBody>
       </p:sp>
@@ -12108,13 +12324,6 @@
   <p:clrMapOvr>
     <a:masterClrMapping/>
   </p:clrMapOvr>
-  <p:timing>
-    <p:tnLst>
-      <p:par>
-        <p:cTn id="1" dur="indefinite" restart="never" nodeType="tmRoot"/>
-      </p:par>
-    </p:tnLst>
-  </p:timing>
 </p:sld>
 </file>
 
@@ -12151,10 +12360,9 @@
           <a:lstStyle/>
           <a:p>
             <a:r>
-              <a:rPr lang="en-US" dirty="0" smtClean="0"/>
+              <a:rPr lang="en-US" dirty="0"/>
               <a:t>ASSESSMENT</a:t>
             </a:r>
-            <a:endParaRPr lang="en-US" dirty="0"/>
           </a:p>
         </p:txBody>
       </p:sp>
@@ -12220,13 +12428,6 @@
   <p:clrMapOvr>
     <a:masterClrMapping/>
   </p:clrMapOvr>
-  <p:timing>
-    <p:tnLst>
-      <p:par>
-        <p:cTn id="1" dur="indefinite" restart="never" nodeType="tmRoot"/>
-      </p:par>
-    </p:tnLst>
-  </p:timing>
 </p:sld>
 </file>
 
@@ -12263,10 +12464,9 @@
           <a:lstStyle/>
           <a:p>
             <a:r>
-              <a:rPr lang="en-US" dirty="0" smtClean="0"/>
+              <a:rPr lang="en-US" dirty="0"/>
               <a:t>Assignment</a:t>
             </a:r>
-            <a:endParaRPr lang="en-US" dirty="0"/>
           </a:p>
         </p:txBody>
       </p:sp>
@@ -12288,45 +12488,33 @@
         </p:spPr>
         <p:txBody>
           <a:bodyPr>
-            <a:normAutofit fontScale="77500" lnSpcReduction="20000"/>
+            <a:normAutofit lnSpcReduction="10000"/>
           </a:bodyPr>
           <a:lstStyle/>
           <a:p>
             <a:r>
-              <a:rPr lang="en-US" sz="4000" dirty="0" smtClean="0"/>
+              <a:rPr lang="en-US" sz="4000" dirty="0"/>
               <a:t>Add to the simulator project.</a:t>
             </a:r>
           </a:p>
           <a:p>
             <a:r>
-              <a:rPr lang="en-US" sz="4000" dirty="0" smtClean="0"/>
-              <a:t>Use the general property syntax to create a new property named </a:t>
-            </a:r>
-            <a:r>
-              <a:rPr lang="en-US" sz="4000" dirty="0" err="1" smtClean="0"/>
+              <a:rPr lang="en-US" sz="4000" dirty="0"/>
+              <a:t>Use the auto implemented property syntax to create a new property named </a:t>
+            </a:r>
+            <a:r>
+              <a:rPr lang="en-US" sz="4000" dirty="0" err="1"/>
               <a:t>DistanceTraveled</a:t>
             </a:r>
             <a:r>
-              <a:rPr lang="en-US" sz="4000" dirty="0" smtClean="0"/>
-              <a:t>.  Use an underlying field to store data.</a:t>
-            </a:r>
-          </a:p>
-          <a:p>
-            <a:r>
-              <a:rPr lang="en-US" sz="4000" dirty="0" smtClean="0"/>
+              <a:rPr lang="en-US" sz="4000" dirty="0"/>
+              <a:t>.</a:t>
+            </a:r>
+          </a:p>
+          <a:p>
+            <a:r>
+              <a:rPr lang="en-US" sz="4000" dirty="0"/>
               <a:t>Practice calling and setting this property from the Main method.</a:t>
-            </a:r>
-          </a:p>
-          <a:p>
-            <a:r>
-              <a:rPr lang="en-US" sz="4000" dirty="0" smtClean="0"/>
-              <a:t>Modify this to an auto implemented property.</a:t>
-            </a:r>
-          </a:p>
-          <a:p>
-            <a:r>
-              <a:rPr lang="en-US" sz="4000" dirty="0" smtClean="0"/>
-              <a:t>Try instantiating multiple objects of the class.</a:t>
             </a:r>
           </a:p>
         </p:txBody>
@@ -12406,10 +12594,9 @@
           <a:lstStyle/>
           <a:p>
             <a:r>
-              <a:rPr lang="en-US" dirty="0" smtClean="0"/>
-              <a:t>Anonymous Types</a:t>
-            </a:r>
-            <a:endParaRPr lang="en-US" dirty="0"/>
+              <a:rPr lang="en-US" dirty="0"/>
+              <a:t>Assignment</a:t>
+            </a:r>
           </a:p>
         </p:txBody>
       </p:sp>
@@ -12420,90 +12607,81 @@
             <a:spLocks noGrp="1"/>
           </p:cNvSpPr>
           <p:nvPr>
-            <p:ph idx="1"/>
-          </p:nvPr>
-        </p:nvSpPr>
-        <p:spPr/>
+            <p:ph sz="half" idx="1"/>
+          </p:nvPr>
+        </p:nvSpPr>
+        <p:spPr>
+          <a:xfrm>
+            <a:off x="496388" y="1387975"/>
+            <a:ext cx="7772401" cy="5119408"/>
+          </a:xfrm>
+        </p:spPr>
         <p:txBody>
           <a:bodyPr>
             <a:normAutofit/>
           </a:bodyPr>
           <a:lstStyle/>
           <a:p>
-            <a:pPr marL="388620"/>
-            <a:r>
-              <a:rPr lang="en-US" dirty="0" smtClean="0"/>
-              <a:t>Allow for a type to be created dynamically</a:t>
-            </a:r>
-          </a:p>
-          <a:p>
-            <a:pPr marL="388620"/>
-            <a:r>
-              <a:rPr lang="en-US" dirty="0" smtClean="0"/>
-              <a:t>Usually used for one time use.</a:t>
-            </a:r>
-          </a:p>
-          <a:p>
-            <a:pPr marL="388620"/>
-            <a:r>
-              <a:rPr lang="en-US" dirty="0" err="1" smtClean="0"/>
-              <a:t>var</a:t>
-            </a:r>
-            <a:r>
-              <a:rPr lang="en-US" dirty="0" smtClean="0"/>
-              <a:t> keyword</a:t>
-            </a:r>
-          </a:p>
-          <a:p>
-            <a:pPr marL="788670" lvl="1"/>
-            <a:r>
-              <a:rPr lang="en-US" dirty="0" smtClean="0"/>
-              <a:t>Declares a variable of unknown type.</a:t>
-            </a:r>
-          </a:p>
-          <a:p>
-            <a:pPr marL="388620"/>
-            <a:r>
-              <a:rPr lang="en-US" dirty="0" smtClean="0"/>
-              <a:t>Example:</a:t>
-            </a:r>
-          </a:p>
-          <a:p>
-            <a:pPr marL="45720" indent="0">
-              <a:buNone/>
-            </a:pPr>
-            <a:r>
-              <a:rPr lang="en-US" dirty="0" err="1" smtClean="0"/>
-              <a:t>var</a:t>
-            </a:r>
-            <a:r>
-              <a:rPr lang="en-US" dirty="0" smtClean="0"/>
-              <a:t> person = new { </a:t>
-            </a:r>
-            <a:r>
-              <a:rPr lang="en-US" dirty="0" err="1" smtClean="0"/>
-              <a:t>FirstName</a:t>
-            </a:r>
-            <a:r>
-              <a:rPr lang="en-US" dirty="0" smtClean="0"/>
-              <a:t> = “Joe”, </a:t>
-            </a:r>
-            <a:r>
-              <a:rPr lang="en-US" dirty="0" err="1" smtClean="0"/>
-              <a:t>LastName</a:t>
-            </a:r>
-            <a:r>
-              <a:rPr lang="en-US" dirty="0" smtClean="0"/>
-              <a:t> = “Mackie” }</a:t>
-            </a:r>
-            <a:endParaRPr lang="en-US" dirty="0"/>
-          </a:p>
-        </p:txBody>
-      </p:sp>
+            <a:r>
+              <a:rPr lang="en-US" sz="4000" dirty="0"/>
+              <a:t>Create a method Walk in the Person class that takes a decimal parameter named minutes and sets </a:t>
+            </a:r>
+            <a:r>
+              <a:rPr lang="en-US" sz="4000" dirty="0" err="1"/>
+              <a:t>DistanceTraveled</a:t>
+            </a:r>
+            <a:r>
+              <a:rPr lang="en-US" sz="4000" dirty="0"/>
+              <a:t> based on a calculation.</a:t>
+            </a:r>
+          </a:p>
+          <a:p>
+            <a:r>
+              <a:rPr lang="en-US" sz="4000" dirty="0"/>
+              <a:t>Try instantiating multiple objects of the class.</a:t>
+            </a:r>
+          </a:p>
+          <a:p>
+            <a:pPr marL="0" indent="0">
+              <a:buNone/>
+            </a:pPr>
+            <a:endParaRPr lang="en-US" sz="4000" dirty="0"/>
+          </a:p>
+        </p:txBody>
+      </p:sp>
+      <p:pic>
+        <p:nvPicPr>
+          <p:cNvPr id="5" name="Content Placeholder 4"/>
+          <p:cNvPicPr>
+            <a:picLocks noGrp="1" noChangeAspect="1"/>
+          </p:cNvPicPr>
+          <p:nvPr>
+            <p:ph sz="half" idx="2"/>
+          </p:nvPr>
+        </p:nvPicPr>
+        <p:blipFill>
+          <a:blip r:embed="rId3">
+            <a:extLst>
+              <a:ext uri="{28A0092B-C50C-407E-A947-70E740481C1C}">
+                <a14:useLocalDpi xmlns:a14="http://schemas.microsoft.com/office/drawing/2010/main" val="0"/>
+              </a:ext>
+            </a:extLst>
+          </a:blip>
+          <a:stretch>
+            <a:fillRect/>
+          </a:stretch>
+        </p:blipFill>
+        <p:spPr>
+          <a:xfrm>
+            <a:off x="8630940" y="1387975"/>
+            <a:ext cx="3179422" cy="5119408"/>
+          </a:xfrm>
+        </p:spPr>
+      </p:pic>
     </p:spTree>
     <p:extLst>
       <p:ext uri="{BB962C8B-B14F-4D97-AF65-F5344CB8AC3E}">
-        <p14:creationId xmlns:p14="http://schemas.microsoft.com/office/powerpoint/2010/main" val="3326634322"/>
+        <p14:creationId xmlns:p14="http://schemas.microsoft.com/office/powerpoint/2010/main" val="4192665614"/>
       </p:ext>
     </p:extLst>
   </p:cSld>
@@ -12546,10 +12724,9 @@
           <a:lstStyle/>
           <a:p>
             <a:r>
-              <a:rPr lang="en-US" dirty="0" smtClean="0"/>
+              <a:rPr lang="en-US" dirty="0"/>
               <a:t>OOP – Object Oriented Programming</a:t>
             </a:r>
-            <a:endParaRPr lang="en-US" dirty="0"/>
           </a:p>
         </p:txBody>
       </p:sp>
@@ -12571,31 +12748,31 @@
           <a:lstStyle/>
           <a:p>
             <a:r>
-              <a:rPr lang="en-US" sz="2800" dirty="0" smtClean="0"/>
+              <a:rPr lang="en-US" sz="2800" dirty="0"/>
               <a:t>Classes Defined and Separated Based Upon Properties and Methods</a:t>
             </a:r>
           </a:p>
           <a:p>
             <a:r>
-              <a:rPr lang="en-US" sz="2800" dirty="0" smtClean="0"/>
+              <a:rPr lang="en-US" sz="2800" dirty="0"/>
               <a:t>Single Responsibility</a:t>
             </a:r>
           </a:p>
           <a:p>
             <a:r>
-              <a:rPr lang="en-US" sz="2800" dirty="0" smtClean="0"/>
+              <a:rPr lang="en-US" sz="2800" dirty="0"/>
               <a:t>Code Reuse</a:t>
             </a:r>
           </a:p>
           <a:p>
             <a:r>
-              <a:rPr lang="en-US" sz="2800" dirty="0" smtClean="0"/>
+              <a:rPr lang="en-US" sz="2800" dirty="0"/>
               <a:t>Inheritance</a:t>
             </a:r>
           </a:p>
           <a:p>
             <a:r>
-              <a:rPr lang="en-US" sz="2800" dirty="0" smtClean="0"/>
+              <a:rPr lang="en-US" sz="2800" dirty="0"/>
               <a:t>Classes vs. Objects</a:t>
             </a:r>
           </a:p>
@@ -12647,10 +12824,9 @@
           <a:lstStyle/>
           <a:p>
             <a:r>
-              <a:rPr lang="en-US" dirty="0" smtClean="0"/>
-              <a:t>Encapsulation</a:t>
-            </a:r>
-            <a:endParaRPr lang="en-US" dirty="0"/>
+              <a:rPr lang="en-US" dirty="0"/>
+              <a:t>Anonymous Types</a:t>
+            </a:r>
           </a:p>
         </p:txBody>
       </p:sp>
@@ -12671,27 +12847,71 @@
           </a:bodyPr>
           <a:lstStyle/>
           <a:p>
-            <a:r>
-              <a:rPr lang="en-US" sz="2800" dirty="0" smtClean="0"/>
-              <a:t>Only provide what’s necessary</a:t>
-            </a:r>
-          </a:p>
-          <a:p>
-            <a:r>
-              <a:rPr lang="en-US" sz="2800" dirty="0" smtClean="0"/>
-              <a:t>Hide everything else</a:t>
-            </a:r>
-          </a:p>
-          <a:p>
-            <a:r>
-              <a:rPr lang="en-US" sz="2800" dirty="0" smtClean="0"/>
-              <a:t>Easier to use</a:t>
-            </a:r>
-          </a:p>
-          <a:p>
-            <a:r>
-              <a:rPr lang="en-US" sz="2800" dirty="0" smtClean="0"/>
-              <a:t>Less chance to incorrectly use class</a:t>
+            <a:pPr marL="388620"/>
+            <a:r>
+              <a:rPr lang="en-US" dirty="0"/>
+              <a:t>Allow for a type to be created dynamically</a:t>
+            </a:r>
+          </a:p>
+          <a:p>
+            <a:pPr marL="388620"/>
+            <a:r>
+              <a:rPr lang="en-US" dirty="0"/>
+              <a:t>Usually used for one time use.</a:t>
+            </a:r>
+          </a:p>
+          <a:p>
+            <a:pPr marL="388620"/>
+            <a:r>
+              <a:rPr lang="en-US" dirty="0" err="1"/>
+              <a:t>var</a:t>
+            </a:r>
+            <a:r>
+              <a:rPr lang="en-US" dirty="0"/>
+              <a:t> keyword</a:t>
+            </a:r>
+          </a:p>
+          <a:p>
+            <a:pPr marL="788670" lvl="1"/>
+            <a:r>
+              <a:rPr lang="en-US" dirty="0"/>
+              <a:t>Declares a variable of unknown type.</a:t>
+            </a:r>
+          </a:p>
+          <a:p>
+            <a:pPr marL="388620"/>
+            <a:r>
+              <a:rPr lang="en-US" dirty="0"/>
+              <a:t>Example:</a:t>
+            </a:r>
+          </a:p>
+          <a:p>
+            <a:pPr marL="45720" indent="0">
+              <a:buNone/>
+            </a:pPr>
+            <a:r>
+              <a:rPr lang="en-US" dirty="0" err="1"/>
+              <a:t>var</a:t>
+            </a:r>
+            <a:r>
+              <a:rPr lang="en-US" dirty="0"/>
+              <a:t> person = new { </a:t>
+            </a:r>
+            <a:r>
+              <a:rPr lang="en-US" dirty="0" err="1"/>
+              <a:t>FirstName</a:t>
+            </a:r>
+            <a:r>
+              <a:rPr lang="en-US" dirty="0"/>
+              <a:t> = “Joe”, </a:t>
+            </a:r>
+            <a:r>
+              <a:rPr lang="en-US" dirty="0" err="1"/>
+              <a:t>LastName</a:t>
+            </a:r>
+            <a:r>
+              <a:rPr lang="en-US" dirty="0"/>
+              <a:t> = “Mackie” }</a:t>
             </a:r>
           </a:p>
         </p:txBody>
@@ -12699,7 +12919,7 @@
     </p:spTree>
     <p:extLst>
       <p:ext uri="{BB962C8B-B14F-4D97-AF65-F5344CB8AC3E}">
-        <p14:creationId xmlns:p14="http://schemas.microsoft.com/office/powerpoint/2010/main" val="3249263988"/>
+        <p14:creationId xmlns:p14="http://schemas.microsoft.com/office/powerpoint/2010/main" val="3326634322"/>
       </p:ext>
     </p:extLst>
   </p:cSld>
@@ -12742,10 +12962,9 @@
           <a:lstStyle/>
           <a:p>
             <a:r>
-              <a:rPr lang="en-US" dirty="0" smtClean="0"/>
-              <a:t>Scope Access Modifiers</a:t>
-            </a:r>
-            <a:endParaRPr lang="en-US" dirty="0"/>
+              <a:rPr lang="en-US" dirty="0"/>
+              <a:t>Encapsulation</a:t>
+            </a:r>
           </a:p>
         </p:txBody>
       </p:sp>
@@ -12767,44 +12986,34 @@
           <a:lstStyle/>
           <a:p>
             <a:r>
-              <a:rPr lang="en-US" sz="2800" dirty="0" smtClean="0"/>
-              <a:t>public – accessible to everyone, not restricted</a:t>
-            </a:r>
-          </a:p>
-          <a:p>
-            <a:r>
-              <a:rPr lang="en-US" sz="2800" dirty="0" smtClean="0"/>
-              <a:t>Internal – access limited to current assembly</a:t>
-            </a:r>
-          </a:p>
-          <a:p>
-            <a:r>
               <a:rPr lang="en-US" sz="2800" dirty="0"/>
-              <a:t>p</a:t>
-            </a:r>
-            <a:r>
-              <a:rPr lang="en-US" sz="2800" dirty="0" smtClean="0"/>
-              <a:t>rivate – access limited to defined class</a:t>
+              <a:t>Only provide what’s necessary</a:t>
             </a:r>
           </a:p>
           <a:p>
             <a:r>
               <a:rPr lang="en-US" sz="2800" dirty="0"/>
-              <a:t>protected – access limited to derived classes</a:t>
-            </a:r>
-          </a:p>
-          <a:p>
-            <a:endParaRPr lang="en-US" sz="2800" dirty="0" smtClean="0"/>
-          </a:p>
-          <a:p>
-            <a:endParaRPr lang="en-US" dirty="0"/>
+              <a:t>Hide everything else</a:t>
+            </a:r>
+          </a:p>
+          <a:p>
+            <a:r>
+              <a:rPr lang="en-US" sz="2800" dirty="0"/>
+              <a:t>Easier to use</a:t>
+            </a:r>
+          </a:p>
+          <a:p>
+            <a:r>
+              <a:rPr lang="en-US" sz="2800" dirty="0"/>
+              <a:t>Less chance to incorrectly use class</a:t>
+            </a:r>
           </a:p>
         </p:txBody>
       </p:sp>
     </p:spTree>
     <p:extLst>
       <p:ext uri="{BB962C8B-B14F-4D97-AF65-F5344CB8AC3E}">
-        <p14:creationId xmlns:p14="http://schemas.microsoft.com/office/powerpoint/2010/main" val="3013432605"/>
+        <p14:creationId xmlns:p14="http://schemas.microsoft.com/office/powerpoint/2010/main" val="3249263988"/>
       </p:ext>
     </p:extLst>
   </p:cSld>
@@ -12847,10 +13056,9 @@
           <a:lstStyle/>
           <a:p>
             <a:r>
-              <a:rPr lang="en-US" dirty="0" smtClean="0"/>
-              <a:t>Variable Scope</a:t>
-            </a:r>
-            <a:endParaRPr lang="en-US" dirty="0"/>
+              <a:rPr lang="en-US" dirty="0"/>
+              <a:t>Scope Access Modifiers</a:t>
+            </a:r>
           </a:p>
         </p:txBody>
       </p:sp>
@@ -12872,61 +13080,40 @@
           <a:lstStyle/>
           <a:p>
             <a:r>
-              <a:rPr lang="en-US" sz="2400" dirty="0" smtClean="0"/>
-              <a:t>Public Variables</a:t>
-            </a:r>
-            <a:endParaRPr lang="en-US" sz="2400" dirty="0"/>
-          </a:p>
-          <a:p>
-            <a:pPr lvl="1"/>
-            <a:r>
-              <a:rPr lang="en-US" sz="2400" dirty="0" smtClean="0"/>
-              <a:t>Available to other classes</a:t>
-            </a:r>
-          </a:p>
-          <a:p>
-            <a:pPr lvl="1"/>
-            <a:r>
-              <a:rPr lang="en-US" sz="2400" dirty="0" smtClean="0"/>
-              <a:t>Use properties instead</a:t>
-            </a:r>
-          </a:p>
-          <a:p>
-            <a:r>
-              <a:rPr lang="en-US" sz="2400" dirty="0" smtClean="0"/>
-              <a:t>Modular Variables</a:t>
-            </a:r>
-          </a:p>
-          <a:p>
-            <a:pPr lvl="1"/>
-            <a:r>
-              <a:rPr lang="en-US" sz="2400" dirty="0" smtClean="0"/>
-              <a:t>Available within the class</a:t>
-            </a:r>
-          </a:p>
-          <a:p>
-            <a:r>
-              <a:rPr lang="en-US" sz="2400" dirty="0" smtClean="0"/>
-              <a:t>Local Variables</a:t>
-            </a:r>
-          </a:p>
-          <a:p>
-            <a:pPr lvl="1"/>
-            <a:r>
-              <a:rPr lang="en-US" sz="2400" dirty="0" smtClean="0"/>
-              <a:t>Available within the method</a:t>
-            </a:r>
-          </a:p>
-          <a:p>
-            <a:pPr lvl="1"/>
-            <a:endParaRPr lang="en-US" dirty="0" smtClean="0"/>
+              <a:rPr lang="en-US" sz="2800" dirty="0"/>
+              <a:t>public – accessible to everyone, not restricted</a:t>
+            </a:r>
+          </a:p>
+          <a:p>
+            <a:r>
+              <a:rPr lang="en-US" sz="2800" dirty="0"/>
+              <a:t>Internal – access limited to current assembly</a:t>
+            </a:r>
+          </a:p>
+          <a:p>
+            <a:r>
+              <a:rPr lang="en-US" sz="2800" dirty="0"/>
+              <a:t>private – access limited to defined class</a:t>
+            </a:r>
+          </a:p>
+          <a:p>
+            <a:r>
+              <a:rPr lang="en-US" sz="2800" dirty="0"/>
+              <a:t>protected – access limited to derived classes</a:t>
+            </a:r>
+          </a:p>
+          <a:p>
+            <a:endParaRPr lang="en-US" sz="2800" dirty="0"/>
+          </a:p>
+          <a:p>
+            <a:endParaRPr lang="en-US" dirty="0"/>
           </a:p>
         </p:txBody>
       </p:sp>
     </p:spTree>
     <p:extLst>
       <p:ext uri="{BB962C8B-B14F-4D97-AF65-F5344CB8AC3E}">
-        <p14:creationId xmlns:p14="http://schemas.microsoft.com/office/powerpoint/2010/main" val="1132271584"/>
+        <p14:creationId xmlns:p14="http://schemas.microsoft.com/office/powerpoint/2010/main" val="3013432605"/>
       </p:ext>
     </p:extLst>
   </p:cSld>
@@ -12969,10 +13156,9 @@
           <a:lstStyle/>
           <a:p>
             <a:r>
-              <a:rPr lang="en-US" dirty="0" smtClean="0"/>
-              <a:t>Inheritance</a:t>
-            </a:r>
-            <a:endParaRPr lang="en-US" dirty="0"/>
+              <a:rPr lang="en-US" dirty="0"/>
+              <a:t>Variable Scope</a:t>
+            </a:r>
           </a:p>
         </p:txBody>
       </p:sp>
@@ -12994,238 +13180,60 @@
           <a:lstStyle/>
           <a:p>
             <a:r>
-              <a:rPr lang="en-US" sz="2800" dirty="0" smtClean="0"/>
-              <a:t>Base Class</a:t>
-            </a:r>
-          </a:p>
-          <a:p>
-            <a:r>
-              <a:rPr lang="en-US" sz="2800" dirty="0" smtClean="0"/>
-              <a:t>Derived Class</a:t>
-            </a:r>
-          </a:p>
-          <a:p>
-            <a:r>
-              <a:rPr lang="en-US" sz="2800" dirty="0" smtClean="0"/>
-              <a:t>Example</a:t>
-            </a:r>
-            <a:endParaRPr lang="en-US" sz="2800" dirty="0"/>
-          </a:p>
-          <a:p>
-            <a:pPr marL="45720" indent="0">
-              <a:buNone/>
-            </a:pPr>
-            <a:endParaRPr lang="en-US" dirty="0" smtClean="0"/>
-          </a:p>
-        </p:txBody>
-      </p:sp>
-      <p:graphicFrame>
-        <p:nvGraphicFramePr>
-          <p:cNvPr id="5" name="Table 4"/>
-          <p:cNvGraphicFramePr>
-            <a:graphicFrameLocks noGrp="1"/>
-          </p:cNvGraphicFramePr>
-          <p:nvPr>
-            <p:extLst>
-              <p:ext uri="{D42A27DB-BD31-4B8C-83A1-F6EECF244321}">
-                <p14:modId xmlns:p14="http://schemas.microsoft.com/office/powerpoint/2010/main" val="896941369"/>
-              </p:ext>
-            </p:extLst>
-          </p:nvPr>
-        </p:nvGraphicFramePr>
-        <p:xfrm>
-          <a:off x="1419602" y="3772855"/>
-          <a:ext cx="6589660" cy="1559560"/>
-        </p:xfrm>
-        <a:graphic>
-          <a:graphicData uri="http://schemas.openxmlformats.org/drawingml/2006/table">
-            <a:tbl>
-              <a:tblPr firstRow="1" bandRow="1">
-                <a:tableStyleId>{5C22544A-7EE6-4342-B048-85BDC9FD1C3A}</a:tableStyleId>
-              </a:tblPr>
-              <a:tblGrid>
-                <a:gridCol w="2083762"/>
-                <a:gridCol w="2236424"/>
-                <a:gridCol w="2269474"/>
-              </a:tblGrid>
-              <a:tr h="370840">
-                <a:tc>
-                  <a:txBody>
-                    <a:bodyPr/>
-                    <a:lstStyle/>
-                    <a:p>
-                      <a:pPr algn="ctr"/>
-                      <a:r>
-                        <a:rPr lang="en-US" dirty="0" smtClean="0"/>
-                        <a:t>Vehicle</a:t>
-                      </a:r>
-                      <a:endParaRPr lang="en-US" dirty="0"/>
-                    </a:p>
-                  </a:txBody>
-                  <a:tcPr/>
-                </a:tc>
-                <a:tc>
-                  <a:txBody>
-                    <a:bodyPr/>
-                    <a:lstStyle/>
-                    <a:p>
-                      <a:pPr algn="ctr"/>
-                      <a:r>
-                        <a:rPr lang="en-US" dirty="0" smtClean="0"/>
-                        <a:t>Car</a:t>
-                      </a:r>
-                      <a:endParaRPr lang="en-US" dirty="0"/>
-                    </a:p>
-                  </a:txBody>
-                  <a:tcPr/>
-                </a:tc>
-                <a:tc>
-                  <a:txBody>
-                    <a:bodyPr/>
-                    <a:lstStyle/>
-                    <a:p>
-                      <a:pPr algn="ctr"/>
-                      <a:r>
-                        <a:rPr lang="en-US" dirty="0" smtClean="0"/>
-                        <a:t>Truck</a:t>
-                      </a:r>
-                      <a:endParaRPr lang="en-US" dirty="0"/>
-                    </a:p>
-                  </a:txBody>
-                  <a:tcPr/>
-                </a:tc>
-              </a:tr>
-              <a:tr h="370840">
-                <a:tc>
-                  <a:txBody>
-                    <a:bodyPr/>
-                    <a:lstStyle/>
-                    <a:p>
-                      <a:pPr marL="285750" indent="-285750">
-                        <a:buFont typeface="Arial" panose="020B0604020202020204" pitchFamily="34" charset="0"/>
-                        <a:buChar char="•"/>
-                      </a:pPr>
-                      <a:r>
-                        <a:rPr lang="en-US" dirty="0" smtClean="0"/>
-                        <a:t>draw()</a:t>
-                      </a:r>
-                      <a:endParaRPr lang="en-US" dirty="0" smtClean="0"/>
-                    </a:p>
-                    <a:p>
-                      <a:pPr marL="285750" indent="-285750">
-                        <a:buFont typeface="Arial" panose="020B0604020202020204" pitchFamily="34" charset="0"/>
-                        <a:buChar char="•"/>
-                      </a:pPr>
-                      <a:r>
-                        <a:rPr lang="en-US" dirty="0" smtClean="0"/>
-                        <a:t>area()</a:t>
-                      </a:r>
-                      <a:endParaRPr lang="en-US" dirty="0" smtClean="0"/>
-                    </a:p>
-                  </a:txBody>
-                  <a:tcPr/>
-                </a:tc>
-                <a:tc>
-                  <a:txBody>
-                    <a:bodyPr/>
-                    <a:lstStyle/>
-                    <a:p>
-                      <a:pPr marL="285750" indent="-285750">
-                        <a:buFont typeface="Arial" panose="020B0604020202020204" pitchFamily="34" charset="0"/>
-                        <a:buChar char="•"/>
-                      </a:pPr>
-                      <a:r>
-                        <a:rPr lang="en-US" dirty="0" smtClean="0"/>
-                        <a:t>height</a:t>
-                      </a:r>
-                    </a:p>
-                    <a:p>
-                      <a:pPr marL="285750" indent="-285750">
-                        <a:buFont typeface="Arial" panose="020B0604020202020204" pitchFamily="34" charset="0"/>
-                        <a:buChar char="•"/>
-                      </a:pPr>
-                      <a:r>
-                        <a:rPr lang="en-US" dirty="0" smtClean="0"/>
-                        <a:t>width</a:t>
-                      </a:r>
-                    </a:p>
-                    <a:p>
-                      <a:pPr marL="285750" indent="-285750">
-                        <a:buFont typeface="Arial" panose="020B0604020202020204" pitchFamily="34" charset="0"/>
-                        <a:buChar char="•"/>
-                      </a:pPr>
-                      <a:r>
-                        <a:rPr lang="en-US" dirty="0" smtClean="0"/>
-                        <a:t>draw()</a:t>
-                      </a:r>
-                    </a:p>
-                    <a:p>
-                      <a:pPr marL="285750" indent="-285750">
-                        <a:buFont typeface="Arial" panose="020B0604020202020204" pitchFamily="34" charset="0"/>
-                        <a:buChar char="•"/>
-                      </a:pPr>
-                      <a:r>
-                        <a:rPr lang="en-US" dirty="0" smtClean="0"/>
-                        <a:t>area()</a:t>
-                      </a:r>
-                      <a:endParaRPr lang="en-US" dirty="0"/>
-                    </a:p>
-                  </a:txBody>
-                  <a:tcPr/>
-                </a:tc>
-                <a:tc>
-                  <a:txBody>
-                    <a:bodyPr/>
-                    <a:lstStyle/>
-                    <a:p>
-                      <a:pPr marL="285750" indent="-285750">
-                        <a:buFont typeface="Arial" panose="020B0604020202020204" pitchFamily="34" charset="0"/>
-                        <a:buChar char="•"/>
-                      </a:pPr>
-                      <a:r>
-                        <a:rPr lang="en-US" dirty="0" smtClean="0"/>
-                        <a:t>diameter</a:t>
-                      </a:r>
-                    </a:p>
-                    <a:p>
-                      <a:pPr marL="285750" indent="-285750">
-                        <a:buFont typeface="Arial" panose="020B0604020202020204" pitchFamily="34" charset="0"/>
-                        <a:buChar char="•"/>
-                      </a:pPr>
-                      <a:r>
-                        <a:rPr lang="en-US" dirty="0" smtClean="0"/>
-                        <a:t>draw()</a:t>
-                      </a:r>
-                    </a:p>
-                    <a:p>
-                      <a:pPr marL="285750" indent="-285750">
-                        <a:buFont typeface="Arial" panose="020B0604020202020204" pitchFamily="34" charset="0"/>
-                        <a:buChar char="•"/>
-                      </a:pPr>
-                      <a:r>
-                        <a:rPr lang="en-US" dirty="0" smtClean="0"/>
-                        <a:t>area()</a:t>
-                      </a:r>
-                    </a:p>
-                    <a:p>
-                      <a:pPr marL="285750" indent="-285750">
-                        <a:buFont typeface="Arial" panose="020B0604020202020204" pitchFamily="34" charset="0"/>
-                        <a:buChar char="•"/>
-                      </a:pPr>
-                      <a:endParaRPr lang="en-US" dirty="0"/>
-                    </a:p>
-                  </a:txBody>
-                  <a:tcPr/>
-                </a:tc>
-              </a:tr>
-            </a:tbl>
-          </a:graphicData>
-        </a:graphic>
-      </p:graphicFrame>
+              <a:rPr lang="en-US" sz="2400" dirty="0"/>
+              <a:t>Public Variables</a:t>
+            </a:r>
+          </a:p>
+          <a:p>
+            <a:pPr lvl="1"/>
+            <a:r>
+              <a:rPr lang="en-US" sz="2400" dirty="0"/>
+              <a:t>Available to other classes</a:t>
+            </a:r>
+          </a:p>
+          <a:p>
+            <a:pPr lvl="1"/>
+            <a:r>
+              <a:rPr lang="en-US" sz="2400" dirty="0"/>
+              <a:t>Use properties instead</a:t>
+            </a:r>
+          </a:p>
+          <a:p>
+            <a:r>
+              <a:rPr lang="en-US" sz="2400" dirty="0"/>
+              <a:t>Modular Variables</a:t>
+            </a:r>
+          </a:p>
+          <a:p>
+            <a:pPr lvl="1"/>
+            <a:r>
+              <a:rPr lang="en-US" sz="2400" dirty="0"/>
+              <a:t>Available within the class</a:t>
+            </a:r>
+          </a:p>
+          <a:p>
+            <a:r>
+              <a:rPr lang="en-US" sz="2400" dirty="0"/>
+              <a:t>Local Variables</a:t>
+            </a:r>
+          </a:p>
+          <a:p>
+            <a:pPr lvl="1"/>
+            <a:r>
+              <a:rPr lang="en-US" sz="2400" dirty="0"/>
+              <a:t>Available within the method</a:t>
+            </a:r>
+          </a:p>
+          <a:p>
+            <a:pPr lvl="1"/>
+            <a:endParaRPr lang="en-US" dirty="0"/>
+          </a:p>
+        </p:txBody>
+      </p:sp>
     </p:spTree>
     <p:extLst>
       <p:ext uri="{BB962C8B-B14F-4D97-AF65-F5344CB8AC3E}">
-        <p14:creationId xmlns:p14="http://schemas.microsoft.com/office/powerpoint/2010/main" val="2710741815"/>
+        <p14:creationId xmlns:p14="http://schemas.microsoft.com/office/powerpoint/2010/main" val="1132271584"/>
       </p:ext>
     </p:extLst>
   </p:cSld>
@@ -13268,130 +13276,283 @@
           <a:lstStyle/>
           <a:p>
             <a:r>
-              <a:rPr lang="en-US" dirty="0" smtClean="0"/>
-              <a:t>Abstract, Sealed, Virtual, Override, Static</a:t>
-            </a:r>
+              <a:rPr lang="en-US" dirty="0"/>
+              <a:t>Inheritance</a:t>
+            </a:r>
+          </a:p>
+        </p:txBody>
+      </p:sp>
+      <p:sp>
+        <p:nvSpPr>
+          <p:cNvPr id="3" name="Content Placeholder 2"/>
+          <p:cNvSpPr>
+            <a:spLocks noGrp="1"/>
+          </p:cNvSpPr>
+          <p:nvPr>
+            <p:ph idx="1"/>
+          </p:nvPr>
+        </p:nvSpPr>
+        <p:spPr/>
+        <p:txBody>
+          <a:bodyPr>
+            <a:normAutofit/>
+          </a:bodyPr>
+          <a:lstStyle/>
+          <a:p>
+            <a:r>
+              <a:rPr lang="en-US" sz="2800" dirty="0"/>
+              <a:t>Base Class</a:t>
+            </a:r>
+          </a:p>
+          <a:p>
+            <a:r>
+              <a:rPr lang="en-US" sz="2800" dirty="0"/>
+              <a:t>Derived Class</a:t>
+            </a:r>
+          </a:p>
+          <a:p>
+            <a:r>
+              <a:rPr lang="en-US" sz="2800" dirty="0"/>
+              <a:t>Example</a:t>
+            </a:r>
+          </a:p>
+          <a:p>
+            <a:pPr marL="45720" indent="0">
+              <a:buNone/>
+            </a:pPr>
             <a:endParaRPr lang="en-US" dirty="0"/>
           </a:p>
         </p:txBody>
       </p:sp>
-      <p:sp>
-        <p:nvSpPr>
-          <p:cNvPr id="3" name="Content Placeholder 2"/>
-          <p:cNvSpPr>
-            <a:spLocks noGrp="1"/>
-          </p:cNvSpPr>
-          <p:nvPr>
-            <p:ph idx="1"/>
-          </p:nvPr>
-        </p:nvSpPr>
-        <p:spPr/>
-        <p:txBody>
-          <a:bodyPr>
-            <a:noAutofit/>
-          </a:bodyPr>
-          <a:lstStyle/>
-          <a:p>
-            <a:pPr lvl="1"/>
-            <a:r>
-              <a:rPr lang="en-US" sz="2200" dirty="0" smtClean="0"/>
-              <a:t>abstract</a:t>
-            </a:r>
-          </a:p>
-          <a:p>
-            <a:pPr lvl="2"/>
-            <a:r>
-              <a:rPr lang="en-US" sz="2200" dirty="0"/>
-              <a:t>f</a:t>
-            </a:r>
-            <a:r>
-              <a:rPr lang="en-US" sz="2200" dirty="0" smtClean="0"/>
-              <a:t>orces the derived class to implement method</a:t>
-            </a:r>
-          </a:p>
-          <a:p>
-            <a:pPr lvl="2"/>
-            <a:r>
-              <a:rPr lang="en-US" sz="2200" dirty="0"/>
-              <a:t>a</a:t>
-            </a:r>
-            <a:r>
-              <a:rPr lang="en-US" sz="2200" dirty="0" smtClean="0"/>
-              <a:t>bstract class can only be derived cannot be instantiated</a:t>
-            </a:r>
-          </a:p>
-          <a:p>
-            <a:pPr lvl="1"/>
-            <a:r>
-              <a:rPr lang="en-US" sz="2200" dirty="0"/>
-              <a:t>s</a:t>
-            </a:r>
-            <a:r>
-              <a:rPr lang="en-US" sz="2200" dirty="0" smtClean="0"/>
-              <a:t>ealed</a:t>
-            </a:r>
-          </a:p>
-          <a:p>
-            <a:pPr lvl="2"/>
-            <a:r>
-              <a:rPr lang="en-US" sz="2200" dirty="0"/>
-              <a:t>p</a:t>
-            </a:r>
-            <a:r>
-              <a:rPr lang="en-US" sz="2200" dirty="0" smtClean="0"/>
-              <a:t>revent inheritance of class or method</a:t>
-            </a:r>
-          </a:p>
-          <a:p>
-            <a:pPr lvl="1"/>
-            <a:r>
-              <a:rPr lang="en-US" sz="2200" dirty="0"/>
-              <a:t>v</a:t>
-            </a:r>
-            <a:r>
-              <a:rPr lang="en-US" sz="2200" dirty="0" smtClean="0"/>
-              <a:t>irtual</a:t>
-            </a:r>
-          </a:p>
-          <a:p>
-            <a:pPr lvl="2"/>
-            <a:r>
-              <a:rPr lang="en-US" sz="2200" dirty="0"/>
-              <a:t>a</a:t>
-            </a:r>
-            <a:r>
-              <a:rPr lang="en-US" sz="2200" dirty="0" smtClean="0"/>
-              <a:t>llows override of a method</a:t>
-            </a:r>
-          </a:p>
-          <a:p>
-            <a:pPr lvl="1"/>
-            <a:r>
-              <a:rPr lang="en-US" sz="2200" dirty="0"/>
-              <a:t>o</a:t>
-            </a:r>
-            <a:r>
-              <a:rPr lang="en-US" sz="2200" dirty="0" smtClean="0"/>
-              <a:t>verride</a:t>
-            </a:r>
-          </a:p>
-          <a:p>
-            <a:pPr lvl="2"/>
-            <a:r>
-              <a:rPr lang="en-US" sz="2200" dirty="0"/>
-              <a:t>o</a:t>
-            </a:r>
-            <a:r>
-              <a:rPr lang="en-US" sz="2200" dirty="0" smtClean="0"/>
-              <a:t>verrides an abstract, virtual, or override method</a:t>
-            </a:r>
-          </a:p>
-        </p:txBody>
-      </p:sp>
+      <p:graphicFrame>
+        <p:nvGraphicFramePr>
+          <p:cNvPr id="5" name="Table 4"/>
+          <p:cNvGraphicFramePr>
+            <a:graphicFrameLocks noGrp="1"/>
+          </p:cNvGraphicFramePr>
+          <p:nvPr>
+            <p:extLst>
+              <p:ext uri="{D42A27DB-BD31-4B8C-83A1-F6EECF244321}">
+                <p14:modId xmlns:p14="http://schemas.microsoft.com/office/powerpoint/2010/main" val="896941369"/>
+              </p:ext>
+            </p:extLst>
+          </p:nvPr>
+        </p:nvGraphicFramePr>
+        <p:xfrm>
+          <a:off x="1419602" y="3772855"/>
+          <a:ext cx="6589660" cy="1559560"/>
+        </p:xfrm>
+        <a:graphic>
+          <a:graphicData uri="http://schemas.openxmlformats.org/drawingml/2006/table">
+            <a:tbl>
+              <a:tblPr firstRow="1" bandRow="1">
+                <a:tableStyleId>{5C22544A-7EE6-4342-B048-85BDC9FD1C3A}</a:tableStyleId>
+              </a:tblPr>
+              <a:tblGrid>
+                <a:gridCol w="2083762">
+                  <a:extLst>
+                    <a:ext uri="{9D8B030D-6E8A-4147-A177-3AD203B41FA5}">
+                      <a16:colId xmlns:a16="http://schemas.microsoft.com/office/drawing/2014/main" val="20000"/>
+                    </a:ext>
+                  </a:extLst>
+                </a:gridCol>
+                <a:gridCol w="2236424">
+                  <a:extLst>
+                    <a:ext uri="{9D8B030D-6E8A-4147-A177-3AD203B41FA5}">
+                      <a16:colId xmlns:a16="http://schemas.microsoft.com/office/drawing/2014/main" val="20001"/>
+                    </a:ext>
+                  </a:extLst>
+                </a:gridCol>
+                <a:gridCol w="2269474">
+                  <a:extLst>
+                    <a:ext uri="{9D8B030D-6E8A-4147-A177-3AD203B41FA5}">
+                      <a16:colId xmlns:a16="http://schemas.microsoft.com/office/drawing/2014/main" val="20002"/>
+                    </a:ext>
+                  </a:extLst>
+                </a:gridCol>
+              </a:tblGrid>
+              <a:tr h="370840">
+                <a:tc>
+                  <a:txBody>
+                    <a:bodyPr/>
+                    <a:lstStyle/>
+                    <a:p>
+                      <a:pPr algn="ctr"/>
+                      <a:r>
+                        <a:rPr lang="en-US" dirty="0"/>
+                        <a:t>Vehicle</a:t>
+                      </a:r>
+                    </a:p>
+                  </a:txBody>
+                  <a:tcPr/>
+                </a:tc>
+                <a:tc>
+                  <a:txBody>
+                    <a:bodyPr/>
+                    <a:lstStyle/>
+                    <a:p>
+                      <a:pPr algn="ctr"/>
+                      <a:r>
+                        <a:rPr lang="en-US" dirty="0"/>
+                        <a:t>Car</a:t>
+                      </a:r>
+                    </a:p>
+                  </a:txBody>
+                  <a:tcPr/>
+                </a:tc>
+                <a:tc>
+                  <a:txBody>
+                    <a:bodyPr/>
+                    <a:lstStyle/>
+                    <a:p>
+                      <a:pPr algn="ctr"/>
+                      <a:r>
+                        <a:rPr lang="en-US" dirty="0"/>
+                        <a:t>Truck</a:t>
+                      </a:r>
+                    </a:p>
+                  </a:txBody>
+                  <a:tcPr/>
+                </a:tc>
+                <a:extLst>
+                  <a:ext uri="{0D108BD9-81ED-4DB2-BD59-A6C34878D82A}">
+                    <a16:rowId xmlns:a16="http://schemas.microsoft.com/office/drawing/2014/main" val="10000"/>
+                  </a:ext>
+                </a:extLst>
+              </a:tr>
+              <a:tr h="370840">
+                <a:tc>
+                  <a:txBody>
+                    <a:bodyPr/>
+                    <a:lstStyle/>
+                    <a:p>
+                      <a:pPr marL="285750" indent="-285750">
+                        <a:buFont typeface="Arial" panose="020B0604020202020204" pitchFamily="34" charset="0"/>
+                        <a:buChar char="•"/>
+                      </a:pPr>
+                      <a:r>
+                        <a:rPr lang="en-US" dirty="0"/>
+                        <a:t>draw()</a:t>
+                      </a:r>
+                    </a:p>
+                    <a:p>
+                      <a:pPr marL="285750" indent="-285750">
+                        <a:buFont typeface="Arial" panose="020B0604020202020204" pitchFamily="34" charset="0"/>
+                        <a:buChar char="•"/>
+                      </a:pPr>
+                      <a:r>
+                        <a:rPr lang="en-US" dirty="0"/>
+                        <a:t>area()</a:t>
+                      </a:r>
+                    </a:p>
+                  </a:txBody>
+                  <a:tcPr/>
+                </a:tc>
+                <a:tc>
+                  <a:txBody>
+                    <a:bodyPr/>
+                    <a:lstStyle/>
+                    <a:p>
+                      <a:pPr marL="285750" indent="-285750">
+                        <a:buFont typeface="Arial" panose="020B0604020202020204" pitchFamily="34" charset="0"/>
+                        <a:buChar char="•"/>
+                      </a:pPr>
+                      <a:r>
+                        <a:rPr lang="en-US" dirty="0"/>
+                        <a:t>height</a:t>
+                      </a:r>
+                    </a:p>
+                    <a:p>
+                      <a:pPr marL="285750" indent="-285750">
+                        <a:buFont typeface="Arial" panose="020B0604020202020204" pitchFamily="34" charset="0"/>
+                        <a:buChar char="•"/>
+                      </a:pPr>
+                      <a:r>
+                        <a:rPr lang="en-US" dirty="0"/>
+                        <a:t>width</a:t>
+                      </a:r>
+                    </a:p>
+                    <a:p>
+                      <a:pPr marL="285750" indent="-285750">
+                        <a:buFont typeface="Arial" panose="020B0604020202020204" pitchFamily="34" charset="0"/>
+                        <a:buChar char="•"/>
+                      </a:pPr>
+                      <a:r>
+                        <a:rPr lang="en-US" dirty="0"/>
+                        <a:t>draw()</a:t>
+                      </a:r>
+                    </a:p>
+                    <a:p>
+                      <a:pPr marL="285750" indent="-285750">
+                        <a:buFont typeface="Arial" panose="020B0604020202020204" pitchFamily="34" charset="0"/>
+                        <a:buChar char="•"/>
+                      </a:pPr>
+                      <a:r>
+                        <a:rPr lang="en-US" dirty="0"/>
+                        <a:t>area()</a:t>
+                      </a:r>
+                    </a:p>
+                  </a:txBody>
+                  <a:tcPr/>
+                </a:tc>
+                <a:tc>
+                  <a:txBody>
+                    <a:bodyPr/>
+                    <a:lstStyle/>
+                    <a:p>
+                      <a:pPr marL="285750" indent="-285750">
+                        <a:buFont typeface="Arial" panose="020B0604020202020204" pitchFamily="34" charset="0"/>
+                        <a:buChar char="•"/>
+                      </a:pPr>
+                      <a:r>
+                        <a:rPr lang="en-US" dirty="0"/>
+                        <a:t>diameter</a:t>
+                      </a:r>
+                    </a:p>
+                    <a:p>
+                      <a:pPr marL="285750" indent="-285750">
+                        <a:buFont typeface="Arial" panose="020B0604020202020204" pitchFamily="34" charset="0"/>
+                        <a:buChar char="•"/>
+                      </a:pPr>
+                      <a:r>
+                        <a:rPr lang="en-US" dirty="0"/>
+                        <a:t>draw()</a:t>
+                      </a:r>
+                    </a:p>
+                    <a:p>
+                      <a:pPr marL="285750" indent="-285750">
+                        <a:buFont typeface="Arial" panose="020B0604020202020204" pitchFamily="34" charset="0"/>
+                        <a:buChar char="•"/>
+                      </a:pPr>
+                      <a:r>
+                        <a:rPr lang="en-US" dirty="0"/>
+                        <a:t>area()</a:t>
+                      </a:r>
+                    </a:p>
+                    <a:p>
+                      <a:pPr marL="285750" indent="-285750">
+                        <a:buFont typeface="Arial" panose="020B0604020202020204" pitchFamily="34" charset="0"/>
+                        <a:buChar char="•"/>
+                      </a:pPr>
+                      <a:endParaRPr lang="en-US" dirty="0"/>
+                    </a:p>
+                  </a:txBody>
+                  <a:tcPr/>
+                </a:tc>
+                <a:extLst>
+                  <a:ext uri="{0D108BD9-81ED-4DB2-BD59-A6C34878D82A}">
+                    <a16:rowId xmlns:a16="http://schemas.microsoft.com/office/drawing/2014/main" val="10001"/>
+                  </a:ext>
+                </a:extLst>
+              </a:tr>
+            </a:tbl>
+          </a:graphicData>
+        </a:graphic>
+      </p:graphicFrame>
     </p:spTree>
     <p:extLst>
       <p:ext uri="{BB962C8B-B14F-4D97-AF65-F5344CB8AC3E}">
-        <p14:creationId xmlns:p14="http://schemas.microsoft.com/office/powerpoint/2010/main" val="2812218379"/>
+        <p14:creationId xmlns:p14="http://schemas.microsoft.com/office/powerpoint/2010/main" val="2710741815"/>
       </p:ext>
     </p:extLst>
   </p:cSld>
@@ -13435,6 +13596,139 @@
           <a:p>
             <a:r>
               <a:rPr lang="en-US" dirty="0"/>
+              <a:t>Abstract, Sealed, Virtual, Override, Static</a:t>
+            </a:r>
+          </a:p>
+        </p:txBody>
+      </p:sp>
+      <p:sp>
+        <p:nvSpPr>
+          <p:cNvPr id="3" name="Content Placeholder 2"/>
+          <p:cNvSpPr>
+            <a:spLocks noGrp="1"/>
+          </p:cNvSpPr>
+          <p:nvPr>
+            <p:ph idx="1"/>
+          </p:nvPr>
+        </p:nvSpPr>
+        <p:spPr/>
+        <p:txBody>
+          <a:bodyPr>
+            <a:noAutofit/>
+          </a:bodyPr>
+          <a:lstStyle/>
+          <a:p>
+            <a:pPr lvl="1"/>
+            <a:r>
+              <a:rPr lang="en-US" sz="2200" dirty="0"/>
+              <a:t>abstract</a:t>
+            </a:r>
+          </a:p>
+          <a:p>
+            <a:pPr lvl="2"/>
+            <a:r>
+              <a:rPr lang="en-US" sz="2200" dirty="0"/>
+              <a:t>forces the derived class to implement method</a:t>
+            </a:r>
+          </a:p>
+          <a:p>
+            <a:pPr lvl="2"/>
+            <a:r>
+              <a:rPr lang="en-US" sz="2200" dirty="0"/>
+              <a:t>abstract class can only be derived cannot be instantiated</a:t>
+            </a:r>
+          </a:p>
+          <a:p>
+            <a:pPr lvl="1"/>
+            <a:r>
+              <a:rPr lang="en-US" sz="2200" dirty="0"/>
+              <a:t>sealed</a:t>
+            </a:r>
+          </a:p>
+          <a:p>
+            <a:pPr lvl="2"/>
+            <a:r>
+              <a:rPr lang="en-US" sz="2200" dirty="0"/>
+              <a:t>prevent inheritance of class or method</a:t>
+            </a:r>
+          </a:p>
+          <a:p>
+            <a:pPr lvl="1"/>
+            <a:r>
+              <a:rPr lang="en-US" sz="2200" dirty="0"/>
+              <a:t>virtual</a:t>
+            </a:r>
+          </a:p>
+          <a:p>
+            <a:pPr lvl="2"/>
+            <a:r>
+              <a:rPr lang="en-US" sz="2200" dirty="0"/>
+              <a:t>allows override of a method</a:t>
+            </a:r>
+          </a:p>
+          <a:p>
+            <a:pPr lvl="1"/>
+            <a:r>
+              <a:rPr lang="en-US" sz="2200" dirty="0"/>
+              <a:t>override</a:t>
+            </a:r>
+          </a:p>
+          <a:p>
+            <a:pPr lvl="2"/>
+            <a:r>
+              <a:rPr lang="en-US" sz="2200" dirty="0"/>
+              <a:t>overrides an abstract, virtual, or override method</a:t>
+            </a:r>
+          </a:p>
+        </p:txBody>
+      </p:sp>
+    </p:spTree>
+    <p:extLst>
+      <p:ext uri="{BB962C8B-B14F-4D97-AF65-F5344CB8AC3E}">
+        <p14:creationId xmlns:p14="http://schemas.microsoft.com/office/powerpoint/2010/main" val="2812218379"/>
+      </p:ext>
+    </p:extLst>
+  </p:cSld>
+  <p:clrMapOvr>
+    <a:masterClrMapping/>
+  </p:clrMapOvr>
+</p:sld>
+</file>
+
+<file path=ppt/slides/slide26.xml><?xml version="1.0" encoding="utf-8"?>
+<p:sld xmlns:a="http://schemas.openxmlformats.org/drawingml/2006/main" xmlns:r="http://schemas.openxmlformats.org/officeDocument/2006/relationships" xmlns:p="http://schemas.openxmlformats.org/presentationml/2006/main">
+  <p:cSld>
+    <p:spTree>
+      <p:nvGrpSpPr>
+        <p:cNvPr id="1" name=""/>
+        <p:cNvGrpSpPr/>
+        <p:nvPr/>
+      </p:nvGrpSpPr>
+      <p:grpSpPr>
+        <a:xfrm>
+          <a:off x="0" y="0"/>
+          <a:ext cx="0" cy="0"/>
+          <a:chOff x="0" y="0"/>
+          <a:chExt cx="0" cy="0"/>
+        </a:xfrm>
+      </p:grpSpPr>
+      <p:sp>
+        <p:nvSpPr>
+          <p:cNvPr id="2" name="Title 1"/>
+          <p:cNvSpPr>
+            <a:spLocks noGrp="1"/>
+          </p:cNvSpPr>
+          <p:nvPr>
+            <p:ph type="title"/>
+          </p:nvPr>
+        </p:nvSpPr>
+        <p:spPr/>
+        <p:txBody>
+          <a:bodyPr/>
+          <a:lstStyle/>
+          <a:p>
+            <a:r>
+              <a:rPr lang="en-US" dirty="0"/>
               <a:t>EXAMPLE</a:t>
             </a:r>
           </a:p>
@@ -13456,10 +13750,9 @@
           <a:lstStyle/>
           <a:p>
             <a:r>
-              <a:rPr lang="en-US" dirty="0" smtClean="0"/>
+              <a:rPr lang="en-US" dirty="0"/>
               <a:t>inheritance</a:t>
             </a:r>
-            <a:endParaRPr lang="en-US" dirty="0"/>
           </a:p>
         </p:txBody>
       </p:sp>
@@ -13503,17 +13796,10 @@
   <p:clrMapOvr>
     <a:masterClrMapping/>
   </p:clrMapOvr>
-  <p:timing>
-    <p:tnLst>
-      <p:par>
-        <p:cTn id="1" dur="indefinite" restart="never" nodeType="tmRoot"/>
-      </p:par>
-    </p:tnLst>
-  </p:timing>
 </p:sld>
 </file>
 
-<file path=ppt/slides/slide26.xml><?xml version="1.0" encoding="utf-8"?>
+<file path=ppt/slides/slide27.xml><?xml version="1.0" encoding="utf-8"?>
 <p:sld xmlns:a="http://schemas.openxmlformats.org/drawingml/2006/main" xmlns:r="http://schemas.openxmlformats.org/officeDocument/2006/relationships" xmlns:p="http://schemas.openxmlformats.org/presentationml/2006/main">
   <p:cSld>
     <p:spTree>
@@ -13546,10 +13832,9 @@
           <a:lstStyle/>
           <a:p>
             <a:r>
-              <a:rPr lang="en-US" dirty="0" smtClean="0"/>
+              <a:rPr lang="en-US" dirty="0"/>
               <a:t>ASSESSMENT</a:t>
             </a:r>
-            <a:endParaRPr lang="en-US" dirty="0"/>
           </a:p>
         </p:txBody>
       </p:sp>
@@ -13615,17 +13900,10 @@
   <p:clrMapOvr>
     <a:masterClrMapping/>
   </p:clrMapOvr>
-  <p:timing>
-    <p:tnLst>
-      <p:par>
-        <p:cTn id="1" dur="indefinite" restart="never" nodeType="tmRoot"/>
-      </p:par>
-    </p:tnLst>
-  </p:timing>
 </p:sld>
 </file>
 
-<file path=ppt/slides/slide27.xml><?xml version="1.0" encoding="utf-8"?>
+<file path=ppt/slides/slide28.xml><?xml version="1.0" encoding="utf-8"?>
 <p:sld xmlns:a="http://schemas.openxmlformats.org/drawingml/2006/main" xmlns:r="http://schemas.openxmlformats.org/officeDocument/2006/relationships" xmlns:p="http://schemas.openxmlformats.org/presentationml/2006/main">
   <p:cSld>
     <p:spTree>
@@ -13658,10 +13936,9 @@
           <a:lstStyle/>
           <a:p>
             <a:r>
-              <a:rPr lang="en-US" dirty="0" smtClean="0"/>
+              <a:rPr lang="en-US" dirty="0"/>
               <a:t>Assignment</a:t>
             </a:r>
-            <a:endParaRPr lang="en-US" dirty="0"/>
           </a:p>
         </p:txBody>
       </p:sp>
@@ -13688,34 +13965,26 @@
           <a:lstStyle/>
           <a:p>
             <a:r>
-              <a:rPr lang="en-US" sz="2800" dirty="0" smtClean="0"/>
+              <a:rPr lang="en-US" sz="2800" dirty="0"/>
               <a:t>Add to the simulator.</a:t>
             </a:r>
           </a:p>
           <a:p>
             <a:r>
-              <a:rPr lang="en-US" sz="2800" dirty="0" smtClean="0"/>
+              <a:rPr lang="en-US" sz="2800" dirty="0"/>
               <a:t>Make the Person class abstract.</a:t>
             </a:r>
           </a:p>
           <a:p>
             <a:r>
-              <a:rPr lang="en-US" sz="2800" dirty="0" smtClean="0"/>
+              <a:rPr lang="en-US" sz="2800" dirty="0"/>
               <a:t>Make a Human and Zombie class that both derive from the Person class.  Make these sealed.</a:t>
             </a:r>
           </a:p>
           <a:p>
             <a:r>
-              <a:rPr lang="en-US" sz="2800" dirty="0" smtClean="0"/>
-              <a:t>Create a virtual method Walk in the Person class that takes a decimal parameter named minutes and sets </a:t>
-            </a:r>
-            <a:r>
-              <a:rPr lang="en-US" sz="2800" dirty="0" err="1" smtClean="0"/>
-              <a:t>DistanceTraveled</a:t>
-            </a:r>
-            <a:r>
-              <a:rPr lang="en-US" sz="2800" dirty="0" smtClean="0"/>
-              <a:t> based on a calculation.</a:t>
+              <a:rPr lang="en-US" sz="2800" dirty="0"/>
+              <a:t>Make the Walk method virtual.</a:t>
             </a:r>
           </a:p>
           <a:p>
@@ -13765,7 +14034,7 @@
 </p:sld>
 </file>
 
-<file path=ppt/slides/slide28.xml><?xml version="1.0" encoding="utf-8"?>
+<file path=ppt/slides/slide29.xml><?xml version="1.0" encoding="utf-8"?>
 <p:sld xmlns:a="http://schemas.openxmlformats.org/drawingml/2006/main" xmlns:r="http://schemas.openxmlformats.org/officeDocument/2006/relationships" xmlns:p="http://schemas.openxmlformats.org/presentationml/2006/main">
   <p:cSld>
     <p:spTree>
@@ -13798,10 +14067,9 @@
           <a:lstStyle/>
           <a:p>
             <a:r>
-              <a:rPr lang="en-US" dirty="0" smtClean="0"/>
+              <a:rPr lang="en-US" dirty="0"/>
               <a:t>Assignment</a:t>
             </a:r>
-            <a:endParaRPr lang="en-US" dirty="0"/>
           </a:p>
         </p:txBody>
       </p:sp>
@@ -13828,32 +14096,23 @@
           <a:lstStyle/>
           <a:p>
             <a:r>
-              <a:rPr lang="en-US" sz="2800" dirty="0" smtClean="0"/>
+              <a:rPr lang="en-US" sz="2800" dirty="0"/>
               <a:t>Create an override method of Walk in the Zombie class to change the calculation to be slower.</a:t>
             </a:r>
           </a:p>
           <a:p>
             <a:r>
-              <a:rPr lang="en-US" sz="2800" dirty="0" smtClean="0"/>
+              <a:rPr lang="en-US" sz="2800" dirty="0"/>
               <a:t>Create a method named Run in the Human class that takes a parameter named minutes.  Calculate and set </a:t>
             </a:r>
             <a:r>
-              <a:rPr lang="en-US" sz="2800" dirty="0" err="1" smtClean="0"/>
+              <a:rPr lang="en-US" sz="2800" dirty="0" err="1"/>
               <a:t>DistanceTraveled</a:t>
             </a:r>
             <a:r>
-              <a:rPr lang="en-US" sz="2800" dirty="0" smtClean="0"/>
+              <a:rPr lang="en-US" sz="2800" dirty="0"/>
               <a:t>.  This should be faster than the walk methods.</a:t>
             </a:r>
-          </a:p>
-          <a:p>
-            <a:r>
-              <a:rPr lang="en-US" sz="2800" dirty="0" smtClean="0"/>
-              <a:t>Create instances of Zombie and Human.  Call the walk and run methods and see how far they travel.</a:t>
-            </a:r>
-          </a:p>
-          <a:p>
-            <a:endParaRPr lang="en-US" sz="2800" dirty="0"/>
           </a:p>
         </p:txBody>
       </p:sp>
@@ -13899,120 +14158,6 @@
 </p:sld>
 </file>
 
-<file path=ppt/slides/slide29.xml><?xml version="1.0" encoding="utf-8"?>
-<p:sld xmlns:a="http://schemas.openxmlformats.org/drawingml/2006/main" xmlns:r="http://schemas.openxmlformats.org/officeDocument/2006/relationships" xmlns:p="http://schemas.openxmlformats.org/presentationml/2006/main">
-  <p:cSld>
-    <p:spTree>
-      <p:nvGrpSpPr>
-        <p:cNvPr id="1" name=""/>
-        <p:cNvGrpSpPr/>
-        <p:nvPr/>
-      </p:nvGrpSpPr>
-      <p:grpSpPr>
-        <a:xfrm>
-          <a:off x="0" y="0"/>
-          <a:ext cx="0" cy="0"/>
-          <a:chOff x="0" y="0"/>
-          <a:chExt cx="0" cy="0"/>
-        </a:xfrm>
-      </p:grpSpPr>
-      <p:sp>
-        <p:nvSpPr>
-          <p:cNvPr id="2" name="Title 1"/>
-          <p:cNvSpPr>
-            <a:spLocks noGrp="1"/>
-          </p:cNvSpPr>
-          <p:nvPr>
-            <p:ph type="title"/>
-          </p:nvPr>
-        </p:nvSpPr>
-        <p:spPr/>
-        <p:txBody>
-          <a:bodyPr/>
-          <a:lstStyle/>
-          <a:p>
-            <a:r>
-              <a:rPr lang="en-US" dirty="0" smtClean="0"/>
-              <a:t>What is an Interface?</a:t>
-            </a:r>
-            <a:endParaRPr lang="en-US" dirty="0"/>
-          </a:p>
-        </p:txBody>
-      </p:sp>
-      <p:sp>
-        <p:nvSpPr>
-          <p:cNvPr id="3" name="Content Placeholder 2"/>
-          <p:cNvSpPr>
-            <a:spLocks noGrp="1"/>
-          </p:cNvSpPr>
-          <p:nvPr>
-            <p:ph idx="1"/>
-          </p:nvPr>
-        </p:nvSpPr>
-        <p:spPr/>
-        <p:txBody>
-          <a:bodyPr>
-            <a:normAutofit/>
-          </a:bodyPr>
-          <a:lstStyle/>
-          <a:p>
-            <a:r>
-              <a:rPr lang="en-US" sz="2800" dirty="0" smtClean="0"/>
-              <a:t>Defines a set of properties and methods</a:t>
-            </a:r>
-          </a:p>
-          <a:p>
-            <a:r>
-              <a:rPr lang="en-US" sz="2800" dirty="0" smtClean="0"/>
-              <a:t>Contains no actual statements</a:t>
-            </a:r>
-          </a:p>
-          <a:p>
-            <a:r>
-              <a:rPr lang="en-US" sz="2800" dirty="0" smtClean="0"/>
-              <a:t>Classes and </a:t>
-            </a:r>
-            <a:r>
-              <a:rPr lang="en-US" sz="2800" dirty="0" err="1" smtClean="0"/>
-              <a:t>Structs</a:t>
-            </a:r>
-            <a:r>
-              <a:rPr lang="en-US" sz="2800" dirty="0" smtClean="0"/>
-              <a:t> can implement interfaces</a:t>
-            </a:r>
-          </a:p>
-          <a:p>
-            <a:r>
-              <a:rPr lang="en-US" sz="2800" dirty="0" smtClean="0"/>
-              <a:t>Classes can implement multiple interfaces</a:t>
-            </a:r>
-          </a:p>
-          <a:p>
-            <a:r>
-              <a:rPr lang="en-US" sz="2800" dirty="0"/>
-              <a:t>i</a:t>
-            </a:r>
-            <a:r>
-              <a:rPr lang="en-US" sz="2800" dirty="0" smtClean="0"/>
-              <a:t>nterfaces vs. inheritance</a:t>
-            </a:r>
-            <a:endParaRPr lang="en-US" sz="2800" dirty="0"/>
-          </a:p>
-        </p:txBody>
-      </p:sp>
-    </p:spTree>
-    <p:extLst>
-      <p:ext uri="{BB962C8B-B14F-4D97-AF65-F5344CB8AC3E}">
-        <p14:creationId xmlns:p14="http://schemas.microsoft.com/office/powerpoint/2010/main" val="2498484644"/>
-      </p:ext>
-    </p:extLst>
-  </p:cSld>
-  <p:clrMapOvr>
-    <a:masterClrMapping/>
-  </p:clrMapOvr>
-</p:sld>
-</file>
-
 <file path=ppt/slides/slide3.xml><?xml version="1.0" encoding="utf-8"?>
 <p:sld xmlns:a="http://schemas.openxmlformats.org/drawingml/2006/main" xmlns:r="http://schemas.openxmlformats.org/officeDocument/2006/relationships" xmlns:p="http://schemas.openxmlformats.org/presentationml/2006/main">
   <p:cSld>
@@ -14046,10 +14191,9 @@
           <a:lstStyle/>
           <a:p>
             <a:r>
-              <a:rPr lang="en-US" dirty="0" smtClean="0"/>
+              <a:rPr lang="en-US" dirty="0"/>
               <a:t>Classes</a:t>
             </a:r>
-            <a:endParaRPr lang="en-US" dirty="0"/>
           </a:p>
         </p:txBody>
       </p:sp>
@@ -14071,45 +14215,45 @@
           <a:lstStyle/>
           <a:p>
             <a:r>
-              <a:rPr lang="en-US" sz="2800" dirty="0" smtClean="0"/>
+              <a:rPr lang="en-US" sz="2800" dirty="0"/>
               <a:t>Statement block that contains:</a:t>
             </a:r>
           </a:p>
           <a:p>
             <a:pPr lvl="1"/>
             <a:r>
-              <a:rPr lang="en-US" sz="2600" dirty="0" smtClean="0"/>
+              <a:rPr lang="en-US" sz="2600" dirty="0"/>
               <a:t>Methods – Actions</a:t>
             </a:r>
           </a:p>
           <a:p>
             <a:pPr lvl="1"/>
             <a:r>
-              <a:rPr lang="en-US" sz="2600" dirty="0" smtClean="0"/>
+              <a:rPr lang="en-US" sz="2600" dirty="0"/>
               <a:t>Properties/Fields – Data</a:t>
             </a:r>
           </a:p>
           <a:p>
             <a:r>
-              <a:rPr lang="en-US" sz="2800" dirty="0" smtClean="0"/>
+              <a:rPr lang="en-US" sz="2800" dirty="0"/>
               <a:t>Relates to an object in the Real World</a:t>
             </a:r>
           </a:p>
           <a:p>
             <a:r>
-              <a:rPr lang="en-US" sz="2800" dirty="0" smtClean="0"/>
+              <a:rPr lang="en-US" sz="2800" dirty="0"/>
               <a:t>Has a Single Responsibility</a:t>
             </a:r>
           </a:p>
           <a:p>
             <a:r>
-              <a:rPr lang="en-US" sz="2800" dirty="0" smtClean="0"/>
+              <a:rPr lang="en-US" sz="2800" dirty="0"/>
               <a:t>Becomes an Object when Instantiated</a:t>
             </a:r>
           </a:p>
           <a:p>
             <a:pPr lvl="1"/>
-            <a:endParaRPr lang="en-US" sz="2600" dirty="0" smtClean="0"/>
+            <a:endParaRPr lang="en-US" sz="2600" dirty="0"/>
           </a:p>
         </p:txBody>
       </p:sp>
@@ -14159,10 +14303,9 @@
           <a:lstStyle/>
           <a:p>
             <a:r>
-              <a:rPr lang="en-US" dirty="0" smtClean="0"/>
-              <a:t>Polymorphism</a:t>
-            </a:r>
-            <a:endParaRPr lang="en-US" dirty="0"/>
+              <a:rPr lang="en-US" dirty="0"/>
+              <a:t>Assignment</a:t>
+            </a:r>
           </a:p>
         </p:txBody>
       </p:sp>
@@ -14173,10 +14316,15 @@
             <a:spLocks noGrp="1"/>
           </p:cNvSpPr>
           <p:nvPr>
-            <p:ph idx="1"/>
-          </p:nvPr>
-        </p:nvSpPr>
-        <p:spPr/>
+            <p:ph sz="half" idx="1"/>
+          </p:nvPr>
+        </p:nvSpPr>
+        <p:spPr>
+          <a:xfrm>
+            <a:off x="496388" y="1387975"/>
+            <a:ext cx="7772401" cy="5119408"/>
+          </a:xfrm>
+        </p:spPr>
         <p:txBody>
           <a:bodyPr>
             <a:normAutofit/>
@@ -14184,64 +14332,48 @@
           <a:lstStyle/>
           <a:p>
             <a:r>
-              <a:rPr lang="en-US" sz="2800" dirty="0" smtClean="0"/>
-              <a:t>Two different classes can be used in the same way.</a:t>
-            </a:r>
-          </a:p>
-          <a:p>
-            <a:r>
-              <a:rPr lang="en-US" sz="2800" dirty="0" smtClean="0"/>
-              <a:t>Implemented using interfaces or inheritance</a:t>
-            </a:r>
-          </a:p>
-          <a:p>
-            <a:r>
-              <a:rPr lang="en-US" sz="2800" dirty="0" smtClean="0"/>
-              <a:t>Variable declared as interface or base type</a:t>
-            </a:r>
-          </a:p>
-          <a:p>
-            <a:pPr marL="0" indent="0">
-              <a:buNone/>
-            </a:pPr>
-            <a:r>
-              <a:rPr lang="en-US" sz="2800" dirty="0" smtClean="0"/>
-              <a:t>Example:</a:t>
-            </a:r>
-          </a:p>
-          <a:p>
-            <a:pPr marL="0" indent="0">
-              <a:buNone/>
-            </a:pPr>
-            <a:r>
-              <a:rPr lang="en-US" sz="2800" dirty="0" err="1" smtClean="0"/>
-              <a:t>IDisposable</a:t>
-            </a:r>
-            <a:r>
-              <a:rPr lang="en-US" sz="2800" dirty="0" smtClean="0"/>
-              <a:t> stream = new Stream();</a:t>
-            </a:r>
-          </a:p>
-          <a:p>
-            <a:pPr marL="0" indent="0">
-              <a:buNone/>
-            </a:pPr>
-            <a:r>
-              <a:rPr lang="en-US" sz="2800" dirty="0" err="1" smtClean="0"/>
-              <a:t>stream.Dispose</a:t>
-            </a:r>
-            <a:r>
-              <a:rPr lang="en-US" sz="2800" dirty="0" smtClean="0"/>
-              <a:t>();</a:t>
-            </a:r>
+              <a:rPr lang="en-US" sz="2800" dirty="0"/>
+              <a:t>Create instances of Zombie and Human.  Call the walk and run methods and see how far they travel.</a:t>
+            </a:r>
+          </a:p>
+          <a:p>
             <a:endParaRPr lang="en-US" sz="2800" dirty="0"/>
           </a:p>
         </p:txBody>
       </p:sp>
+      <p:pic>
+        <p:nvPicPr>
+          <p:cNvPr id="5" name="Content Placeholder 4"/>
+          <p:cNvPicPr>
+            <a:picLocks noGrp="1" noChangeAspect="1"/>
+          </p:cNvPicPr>
+          <p:nvPr>
+            <p:ph sz="half" idx="2"/>
+          </p:nvPr>
+        </p:nvPicPr>
+        <p:blipFill>
+          <a:blip r:embed="rId3">
+            <a:extLst>
+              <a:ext uri="{28A0092B-C50C-407E-A947-70E740481C1C}">
+                <a14:useLocalDpi xmlns:a14="http://schemas.microsoft.com/office/drawing/2010/main" val="0"/>
+              </a:ext>
+            </a:extLst>
+          </a:blip>
+          <a:stretch>
+            <a:fillRect/>
+          </a:stretch>
+        </p:blipFill>
+        <p:spPr>
+          <a:xfrm>
+            <a:off x="8630940" y="1387975"/>
+            <a:ext cx="3179422" cy="5119408"/>
+          </a:xfrm>
+        </p:spPr>
+      </p:pic>
     </p:spTree>
     <p:extLst>
       <p:ext uri="{BB962C8B-B14F-4D97-AF65-F5344CB8AC3E}">
-        <p14:creationId xmlns:p14="http://schemas.microsoft.com/office/powerpoint/2010/main" val="1243240860"/>
+        <p14:creationId xmlns:p14="http://schemas.microsoft.com/office/powerpoint/2010/main" val="834175786"/>
       </p:ext>
     </p:extLst>
   </p:cSld>
@@ -14285,6 +14417,237 @@
           <a:p>
             <a:r>
               <a:rPr lang="en-US" dirty="0"/>
+              <a:t>What is an Interface?</a:t>
+            </a:r>
+          </a:p>
+        </p:txBody>
+      </p:sp>
+      <p:sp>
+        <p:nvSpPr>
+          <p:cNvPr id="3" name="Content Placeholder 2"/>
+          <p:cNvSpPr>
+            <a:spLocks noGrp="1"/>
+          </p:cNvSpPr>
+          <p:nvPr>
+            <p:ph idx="1"/>
+          </p:nvPr>
+        </p:nvSpPr>
+        <p:spPr/>
+        <p:txBody>
+          <a:bodyPr>
+            <a:normAutofit/>
+          </a:bodyPr>
+          <a:lstStyle/>
+          <a:p>
+            <a:r>
+              <a:rPr lang="en-US" sz="2800" dirty="0"/>
+              <a:t>Defines a set of properties and methods</a:t>
+            </a:r>
+          </a:p>
+          <a:p>
+            <a:r>
+              <a:rPr lang="en-US" sz="2800" dirty="0"/>
+              <a:t>Contains no actual statements</a:t>
+            </a:r>
+          </a:p>
+          <a:p>
+            <a:r>
+              <a:rPr lang="en-US" sz="2800" dirty="0"/>
+              <a:t>Classes and </a:t>
+            </a:r>
+            <a:r>
+              <a:rPr lang="en-US" sz="2800" dirty="0" err="1"/>
+              <a:t>Structs</a:t>
+            </a:r>
+            <a:r>
+              <a:rPr lang="en-US" sz="2800" dirty="0"/>
+              <a:t> can implement interfaces</a:t>
+            </a:r>
+          </a:p>
+          <a:p>
+            <a:r>
+              <a:rPr lang="en-US" sz="2800" dirty="0"/>
+              <a:t>Classes can implement multiple interfaces</a:t>
+            </a:r>
+          </a:p>
+          <a:p>
+            <a:r>
+              <a:rPr lang="en-US" sz="2800" dirty="0"/>
+              <a:t>interfaces vs. inheritance</a:t>
+            </a:r>
+          </a:p>
+        </p:txBody>
+      </p:sp>
+    </p:spTree>
+    <p:extLst>
+      <p:ext uri="{BB962C8B-B14F-4D97-AF65-F5344CB8AC3E}">
+        <p14:creationId xmlns:p14="http://schemas.microsoft.com/office/powerpoint/2010/main" val="2498484644"/>
+      </p:ext>
+    </p:extLst>
+  </p:cSld>
+  <p:clrMapOvr>
+    <a:masterClrMapping/>
+  </p:clrMapOvr>
+</p:sld>
+</file>
+
+<file path=ppt/slides/slide32.xml><?xml version="1.0" encoding="utf-8"?>
+<p:sld xmlns:a="http://schemas.openxmlformats.org/drawingml/2006/main" xmlns:r="http://schemas.openxmlformats.org/officeDocument/2006/relationships" xmlns:p="http://schemas.openxmlformats.org/presentationml/2006/main">
+  <p:cSld>
+    <p:spTree>
+      <p:nvGrpSpPr>
+        <p:cNvPr id="1" name=""/>
+        <p:cNvGrpSpPr/>
+        <p:nvPr/>
+      </p:nvGrpSpPr>
+      <p:grpSpPr>
+        <a:xfrm>
+          <a:off x="0" y="0"/>
+          <a:ext cx="0" cy="0"/>
+          <a:chOff x="0" y="0"/>
+          <a:chExt cx="0" cy="0"/>
+        </a:xfrm>
+      </p:grpSpPr>
+      <p:sp>
+        <p:nvSpPr>
+          <p:cNvPr id="2" name="Title 1"/>
+          <p:cNvSpPr>
+            <a:spLocks noGrp="1"/>
+          </p:cNvSpPr>
+          <p:nvPr>
+            <p:ph type="title"/>
+          </p:nvPr>
+        </p:nvSpPr>
+        <p:spPr/>
+        <p:txBody>
+          <a:bodyPr/>
+          <a:lstStyle/>
+          <a:p>
+            <a:r>
+              <a:rPr lang="en-US" dirty="0"/>
+              <a:t>Polymorphism</a:t>
+            </a:r>
+          </a:p>
+        </p:txBody>
+      </p:sp>
+      <p:sp>
+        <p:nvSpPr>
+          <p:cNvPr id="3" name="Content Placeholder 2"/>
+          <p:cNvSpPr>
+            <a:spLocks noGrp="1"/>
+          </p:cNvSpPr>
+          <p:nvPr>
+            <p:ph idx="1"/>
+          </p:nvPr>
+        </p:nvSpPr>
+        <p:spPr/>
+        <p:txBody>
+          <a:bodyPr>
+            <a:normAutofit/>
+          </a:bodyPr>
+          <a:lstStyle/>
+          <a:p>
+            <a:r>
+              <a:rPr lang="en-US" sz="2800" dirty="0"/>
+              <a:t>Two different classes can be used in the same way.</a:t>
+            </a:r>
+          </a:p>
+          <a:p>
+            <a:r>
+              <a:rPr lang="en-US" sz="2800" dirty="0"/>
+              <a:t>Implemented using interfaces or inheritance</a:t>
+            </a:r>
+          </a:p>
+          <a:p>
+            <a:r>
+              <a:rPr lang="en-US" sz="2800" dirty="0"/>
+              <a:t>Variable declared as interface or base type</a:t>
+            </a:r>
+          </a:p>
+          <a:p>
+            <a:pPr marL="0" indent="0">
+              <a:buNone/>
+            </a:pPr>
+            <a:r>
+              <a:rPr lang="en-US" sz="2800" dirty="0"/>
+              <a:t>Example:</a:t>
+            </a:r>
+          </a:p>
+          <a:p>
+            <a:pPr marL="0" indent="0">
+              <a:buNone/>
+            </a:pPr>
+            <a:r>
+              <a:rPr lang="en-US" sz="2800" dirty="0" err="1"/>
+              <a:t>IDisposable</a:t>
+            </a:r>
+            <a:r>
+              <a:rPr lang="en-US" sz="2800" dirty="0"/>
+              <a:t> stream = new Stream();</a:t>
+            </a:r>
+          </a:p>
+          <a:p>
+            <a:pPr marL="0" indent="0">
+              <a:buNone/>
+            </a:pPr>
+            <a:r>
+              <a:rPr lang="en-US" sz="2800" dirty="0" err="1"/>
+              <a:t>stream.Dispose</a:t>
+            </a:r>
+            <a:r>
+              <a:rPr lang="en-US" sz="2800" dirty="0"/>
+              <a:t>();</a:t>
+            </a:r>
+          </a:p>
+        </p:txBody>
+      </p:sp>
+    </p:spTree>
+    <p:extLst>
+      <p:ext uri="{BB962C8B-B14F-4D97-AF65-F5344CB8AC3E}">
+        <p14:creationId xmlns:p14="http://schemas.microsoft.com/office/powerpoint/2010/main" val="1243240860"/>
+      </p:ext>
+    </p:extLst>
+  </p:cSld>
+  <p:clrMapOvr>
+    <a:masterClrMapping/>
+  </p:clrMapOvr>
+</p:sld>
+</file>
+
+<file path=ppt/slides/slide33.xml><?xml version="1.0" encoding="utf-8"?>
+<p:sld xmlns:a="http://schemas.openxmlformats.org/drawingml/2006/main" xmlns:r="http://schemas.openxmlformats.org/officeDocument/2006/relationships" xmlns:p="http://schemas.openxmlformats.org/presentationml/2006/main">
+  <p:cSld>
+    <p:spTree>
+      <p:nvGrpSpPr>
+        <p:cNvPr id="1" name=""/>
+        <p:cNvGrpSpPr/>
+        <p:nvPr/>
+      </p:nvGrpSpPr>
+      <p:grpSpPr>
+        <a:xfrm>
+          <a:off x="0" y="0"/>
+          <a:ext cx="0" cy="0"/>
+          <a:chOff x="0" y="0"/>
+          <a:chExt cx="0" cy="0"/>
+        </a:xfrm>
+      </p:grpSpPr>
+      <p:sp>
+        <p:nvSpPr>
+          <p:cNvPr id="2" name="Title 1"/>
+          <p:cNvSpPr>
+            <a:spLocks noGrp="1"/>
+          </p:cNvSpPr>
+          <p:nvPr>
+            <p:ph type="title"/>
+          </p:nvPr>
+        </p:nvSpPr>
+        <p:spPr/>
+        <p:txBody>
+          <a:bodyPr/>
+          <a:lstStyle/>
+          <a:p>
+            <a:r>
+              <a:rPr lang="en-US" dirty="0"/>
               <a:t>EXAMPLE</a:t>
             </a:r>
           </a:p>
@@ -14306,10 +14669,9 @@
           <a:lstStyle/>
           <a:p>
             <a:r>
-              <a:rPr lang="en-US" dirty="0" smtClean="0"/>
+              <a:rPr lang="en-US" dirty="0"/>
               <a:t>Interfaces</a:t>
             </a:r>
-            <a:endParaRPr lang="en-US" dirty="0"/>
           </a:p>
         </p:txBody>
       </p:sp>
@@ -14353,17 +14715,10 @@
   <p:clrMapOvr>
     <a:masterClrMapping/>
   </p:clrMapOvr>
-  <p:timing>
-    <p:tnLst>
-      <p:par>
-        <p:cTn id="1" dur="indefinite" restart="never" nodeType="tmRoot"/>
-      </p:par>
-    </p:tnLst>
-  </p:timing>
 </p:sld>
 </file>
 
-<file path=ppt/slides/slide32.xml><?xml version="1.0" encoding="utf-8"?>
+<file path=ppt/slides/slide34.xml><?xml version="1.0" encoding="utf-8"?>
 <p:sld xmlns:a="http://schemas.openxmlformats.org/drawingml/2006/main" xmlns:r="http://schemas.openxmlformats.org/officeDocument/2006/relationships" xmlns:p="http://schemas.openxmlformats.org/presentationml/2006/main">
   <p:cSld>
     <p:spTree>
@@ -14396,10 +14751,9 @@
           <a:lstStyle/>
           <a:p>
             <a:r>
-              <a:rPr lang="en-US" dirty="0" smtClean="0"/>
+              <a:rPr lang="en-US" dirty="0"/>
               <a:t>ASSESSMENT</a:t>
             </a:r>
-            <a:endParaRPr lang="en-US" dirty="0"/>
           </a:p>
         </p:txBody>
       </p:sp>
@@ -14465,17 +14819,10 @@
   <p:clrMapOvr>
     <a:masterClrMapping/>
   </p:clrMapOvr>
-  <p:timing>
-    <p:tnLst>
-      <p:par>
-        <p:cTn id="1" dur="indefinite" restart="never" nodeType="tmRoot"/>
-      </p:par>
-    </p:tnLst>
-  </p:timing>
 </p:sld>
 </file>
 
-<file path=ppt/slides/slide33.xml><?xml version="1.0" encoding="utf-8"?>
+<file path=ppt/slides/slide35.xml><?xml version="1.0" encoding="utf-8"?>
 <p:sld xmlns:a="http://schemas.openxmlformats.org/drawingml/2006/main" xmlns:r="http://schemas.openxmlformats.org/officeDocument/2006/relationships" xmlns:p="http://schemas.openxmlformats.org/presentationml/2006/main">
   <p:cSld>
     <p:spTree>
@@ -14508,10 +14855,9 @@
           <a:lstStyle/>
           <a:p>
             <a:r>
-              <a:rPr lang="en-US" dirty="0" smtClean="0"/>
+              <a:rPr lang="en-US" dirty="0"/>
               <a:t>Assignment</a:t>
             </a:r>
-            <a:endParaRPr lang="en-US" dirty="0"/>
           </a:p>
         </p:txBody>
       </p:sp>
@@ -14533,68 +14879,36 @@
         </p:spPr>
         <p:txBody>
           <a:bodyPr>
-            <a:normAutofit lnSpcReduction="10000"/>
+            <a:normAutofit/>
           </a:bodyPr>
           <a:lstStyle/>
           <a:p>
             <a:r>
-              <a:rPr lang="en-US" sz="2800" dirty="0" smtClean="0"/>
+              <a:rPr lang="en-US" sz="2800" dirty="0"/>
               <a:t>Create an interface </a:t>
             </a:r>
             <a:r>
-              <a:rPr lang="en-US" sz="2800" dirty="0" err="1" smtClean="0"/>
+              <a:rPr lang="en-US" sz="2800" dirty="0" err="1"/>
               <a:t>IPerson</a:t>
             </a:r>
             <a:r>
-              <a:rPr lang="en-US" sz="2800" dirty="0" smtClean="0"/>
+              <a:rPr lang="en-US" sz="2800" dirty="0"/>
               <a:t> that defines a property </a:t>
             </a:r>
             <a:r>
-              <a:rPr lang="en-US" sz="2800" dirty="0" err="1" smtClean="0"/>
+              <a:rPr lang="en-US" sz="2800" dirty="0" err="1"/>
               <a:t>DistanceTraveled</a:t>
             </a:r>
             <a:r>
-              <a:rPr lang="en-US" sz="2800" dirty="0" smtClean="0"/>
+              <a:rPr lang="en-US" sz="2800" dirty="0"/>
               <a:t> and a Method Walk.</a:t>
             </a:r>
           </a:p>
           <a:p>
             <a:r>
-              <a:rPr lang="en-US" sz="2800" dirty="0" smtClean="0"/>
+              <a:rPr lang="en-US" sz="2800" dirty="0"/>
               <a:t>Modify the Zombie and Human classes to implement from this interface instead of derive from the Person class.</a:t>
             </a:r>
-          </a:p>
-          <a:p>
-            <a:r>
-              <a:rPr lang="en-US" sz="2800" dirty="0" smtClean="0"/>
-              <a:t>Instantiate multiple versions of each class, but set them equal to a variable defined as </a:t>
-            </a:r>
-            <a:r>
-              <a:rPr lang="en-US" sz="2800" dirty="0" err="1" smtClean="0"/>
-              <a:t>IPerson</a:t>
-            </a:r>
-            <a:r>
-              <a:rPr lang="en-US" sz="2800" dirty="0"/>
-              <a:t> </a:t>
-            </a:r>
-            <a:r>
-              <a:rPr lang="en-US" sz="2800" dirty="0" smtClean="0"/>
-              <a:t>and add them to a List of </a:t>
-            </a:r>
-            <a:r>
-              <a:rPr lang="en-US" sz="2800" dirty="0" err="1" smtClean="0"/>
-              <a:t>IPerson</a:t>
-            </a:r>
-            <a:endParaRPr lang="en-US" sz="2800" dirty="0" smtClean="0"/>
-          </a:p>
-          <a:p>
-            <a:r>
-              <a:rPr lang="en-US" sz="2800" dirty="0" smtClean="0"/>
-              <a:t>Loop through each instance calling the walk method using polymorphism.</a:t>
-            </a:r>
-          </a:p>
-          <a:p>
-            <a:endParaRPr lang="en-US" sz="2800" dirty="0" smtClean="0"/>
           </a:p>
           <a:p>
             <a:endParaRPr lang="en-US" sz="2800" dirty="0"/>
@@ -14643,7 +14957,7 @@
 </p:sld>
 </file>
 
-<file path=ppt/slides/slide34.xml><?xml version="1.0" encoding="utf-8"?>
+<file path=ppt/slides/slide36.xml><?xml version="1.0" encoding="utf-8"?>
 <p:sld xmlns:a="http://schemas.openxmlformats.org/drawingml/2006/main" xmlns:r="http://schemas.openxmlformats.org/officeDocument/2006/relationships" xmlns:p="http://schemas.openxmlformats.org/presentationml/2006/main">
   <p:cSld>
     <p:spTree>
@@ -14667,6 +14981,147 @@
             <a:spLocks noGrp="1"/>
           </p:cNvSpPr>
           <p:nvPr>
+            <p:ph type="title"/>
+          </p:nvPr>
+        </p:nvSpPr>
+        <p:spPr/>
+        <p:txBody>
+          <a:bodyPr/>
+          <a:lstStyle/>
+          <a:p>
+            <a:r>
+              <a:rPr lang="en-US" dirty="0"/>
+              <a:t>Assignment</a:t>
+            </a:r>
+          </a:p>
+        </p:txBody>
+      </p:sp>
+      <p:sp>
+        <p:nvSpPr>
+          <p:cNvPr id="3" name="Content Placeholder 2"/>
+          <p:cNvSpPr>
+            <a:spLocks noGrp="1"/>
+          </p:cNvSpPr>
+          <p:nvPr>
+            <p:ph sz="half" idx="1"/>
+          </p:nvPr>
+        </p:nvSpPr>
+        <p:spPr>
+          <a:xfrm>
+            <a:off x="496388" y="1387975"/>
+            <a:ext cx="7772401" cy="5119408"/>
+          </a:xfrm>
+        </p:spPr>
+        <p:txBody>
+          <a:bodyPr>
+            <a:normAutofit/>
+          </a:bodyPr>
+          <a:lstStyle/>
+          <a:p>
+            <a:r>
+              <a:rPr lang="en-US" sz="2800" dirty="0"/>
+              <a:t>Instantiate multiple versions of each class, but set them equal to a variable defined as </a:t>
+            </a:r>
+            <a:r>
+              <a:rPr lang="en-US" sz="2800" dirty="0" err="1"/>
+              <a:t>IPerson</a:t>
+            </a:r>
+            <a:r>
+              <a:rPr lang="en-US" sz="2800" dirty="0"/>
+              <a:t>.</a:t>
+            </a:r>
+          </a:p>
+          <a:p>
+            <a:r>
+              <a:rPr lang="en-US" sz="2800" dirty="0"/>
+              <a:t>Add them to a List of </a:t>
+            </a:r>
+            <a:r>
+              <a:rPr lang="en-US" sz="2800" dirty="0" err="1"/>
+              <a:t>IPerson</a:t>
+            </a:r>
+            <a:endParaRPr lang="en-US" sz="2800" dirty="0"/>
+          </a:p>
+          <a:p>
+            <a:r>
+              <a:rPr lang="en-US" sz="2800" dirty="0"/>
+              <a:t>Loop through each instance calling the walk method using polymorphism using a foreach loop.</a:t>
+            </a:r>
+          </a:p>
+          <a:p>
+            <a:endParaRPr lang="en-US" sz="2800" dirty="0"/>
+          </a:p>
+          <a:p>
+            <a:endParaRPr lang="en-US" sz="2800" dirty="0"/>
+          </a:p>
+        </p:txBody>
+      </p:sp>
+      <p:pic>
+        <p:nvPicPr>
+          <p:cNvPr id="5" name="Content Placeholder 4"/>
+          <p:cNvPicPr>
+            <a:picLocks noGrp="1" noChangeAspect="1"/>
+          </p:cNvPicPr>
+          <p:nvPr>
+            <p:ph sz="half" idx="2"/>
+          </p:nvPr>
+        </p:nvPicPr>
+        <p:blipFill>
+          <a:blip r:embed="rId3">
+            <a:extLst>
+              <a:ext uri="{28A0092B-C50C-407E-A947-70E740481C1C}">
+                <a14:useLocalDpi xmlns:a14="http://schemas.microsoft.com/office/drawing/2010/main" val="0"/>
+              </a:ext>
+            </a:extLst>
+          </a:blip>
+          <a:stretch>
+            <a:fillRect/>
+          </a:stretch>
+        </p:blipFill>
+        <p:spPr>
+          <a:xfrm>
+            <a:off x="8630940" y="1387975"/>
+            <a:ext cx="3179422" cy="5119408"/>
+          </a:xfrm>
+        </p:spPr>
+      </p:pic>
+    </p:spTree>
+    <p:extLst>
+      <p:ext uri="{BB962C8B-B14F-4D97-AF65-F5344CB8AC3E}">
+        <p14:creationId xmlns:p14="http://schemas.microsoft.com/office/powerpoint/2010/main" val="3526968167"/>
+      </p:ext>
+    </p:extLst>
+  </p:cSld>
+  <p:clrMapOvr>
+    <a:masterClrMapping/>
+  </p:clrMapOvr>
+</p:sld>
+</file>
+
+<file path=ppt/slides/slide37.xml><?xml version="1.0" encoding="utf-8"?>
+<p:sld xmlns:a="http://schemas.openxmlformats.org/drawingml/2006/main" xmlns:r="http://schemas.openxmlformats.org/officeDocument/2006/relationships" xmlns:p="http://schemas.openxmlformats.org/presentationml/2006/main">
+  <p:cSld>
+    <p:spTree>
+      <p:nvGrpSpPr>
+        <p:cNvPr id="1" name=""/>
+        <p:cNvGrpSpPr/>
+        <p:nvPr/>
+      </p:nvGrpSpPr>
+      <p:grpSpPr>
+        <a:xfrm>
+          <a:off x="0" y="0"/>
+          <a:ext cx="0" cy="0"/>
+          <a:chOff x="0" y="0"/>
+          <a:chExt cx="0" cy="0"/>
+        </a:xfrm>
+      </p:grpSpPr>
+      <p:sp>
+        <p:nvSpPr>
+          <p:cNvPr id="2" name="Title 1"/>
+          <p:cNvSpPr>
+            <a:spLocks noGrp="1"/>
+          </p:cNvSpPr>
+          <p:nvPr>
             <p:ph type="ctrTitle"/>
           </p:nvPr>
         </p:nvSpPr>
@@ -14676,10 +15131,9 @@
           <a:lstStyle/>
           <a:p>
             <a:r>
-              <a:rPr lang="en-US" dirty="0" smtClean="0"/>
+              <a:rPr lang="en-US" dirty="0"/>
               <a:t>QUICK REVIEW</a:t>
             </a:r>
-            <a:endParaRPr lang="en-US" dirty="0"/>
           </a:p>
         </p:txBody>
       </p:sp>
@@ -14699,10 +15153,9 @@
           <a:lstStyle/>
           <a:p>
             <a:r>
-              <a:rPr lang="en-US" dirty="0" smtClean="0"/>
+              <a:rPr lang="en-US" dirty="0"/>
               <a:t>Object Oriented Programming</a:t>
             </a:r>
-            <a:endParaRPr lang="en-US" dirty="0"/>
           </a:p>
         </p:txBody>
       </p:sp>
@@ -14746,17 +15199,10 @@
   <p:clrMapOvr>
     <a:masterClrMapping/>
   </p:clrMapOvr>
-  <p:timing>
-    <p:tnLst>
-      <p:par>
-        <p:cTn id="1" dur="indefinite" restart="never" nodeType="tmRoot"/>
-      </p:par>
-    </p:tnLst>
-  </p:timing>
 </p:sld>
 </file>
 
-<file path=ppt/slides/slide35.xml><?xml version="1.0" encoding="utf-8"?>
+<file path=ppt/slides/slide38.xml><?xml version="1.0" encoding="utf-8"?>
 <p:sld xmlns:a="http://schemas.openxmlformats.org/drawingml/2006/main" xmlns:r="http://schemas.openxmlformats.org/officeDocument/2006/relationships" xmlns:p="http://schemas.openxmlformats.org/presentationml/2006/main">
   <p:cSld>
     <p:spTree>
@@ -14789,10 +15235,9 @@
           <a:lstStyle/>
           <a:p>
             <a:r>
-              <a:rPr lang="en-US" dirty="0" smtClean="0"/>
+              <a:rPr lang="en-US" dirty="0"/>
               <a:t>Additional Resources</a:t>
             </a:r>
-            <a:endParaRPr lang="en-US" dirty="0"/>
           </a:p>
         </p:txBody>
       </p:sp>
@@ -14820,14 +15265,14 @@
           <a:p>
             <a:pPr lvl="0"/>
             <a:r>
-              <a:rPr lang="en-US" sz="2800" dirty="0" smtClean="0"/>
+              <a:rPr lang="en-US" sz="2800" dirty="0"/>
               <a:t>Java OOP </a:t>
             </a:r>
             <a:r>
-              <a:rPr lang="en-US" sz="2800" dirty="0" err="1" smtClean="0"/>
+              <a:rPr lang="en-US" sz="2800" dirty="0" err="1"/>
               <a:t>UDacity</a:t>
             </a:r>
-            <a:endParaRPr lang="en-US" sz="2800" dirty="0" smtClean="0"/>
+            <a:endParaRPr lang="en-US" sz="2800" dirty="0"/>
           </a:p>
           <a:p>
             <a:pPr lvl="1"/>
@@ -14835,19 +15280,13 @@
               <a:rPr lang="en-US" sz="2600" dirty="0">
                 <a:hlinkClick r:id="rId3"/>
               </a:rPr>
-              <a:t>https://www.udacity.com/course/object-oriented-programming-in-java--</a:t>
-            </a:r>
-            <a:r>
-              <a:rPr lang="en-US" sz="2600" dirty="0" smtClean="0">
-                <a:hlinkClick r:id="rId3"/>
-              </a:rPr>
-              <a:t>ud283</a:t>
-            </a:r>
-            <a:endParaRPr lang="en-US" sz="2600" dirty="0" smtClean="0"/>
-          </a:p>
-          <a:p>
-            <a:r>
-              <a:rPr lang="en-US" sz="3000" dirty="0" smtClean="0"/>
+              <a:t>https://www.udacity.com/course/object-oriented-programming-in-java--ud283</a:t>
+            </a:r>
+            <a:endParaRPr lang="en-US" sz="2600" dirty="0"/>
+          </a:p>
+          <a:p>
+            <a:r>
+              <a:rPr lang="en-US" sz="3000" dirty="0"/>
               <a:t>Microsoft Docs</a:t>
             </a:r>
           </a:p>
@@ -14857,22 +15296,16 @@
               <a:rPr lang="en-US" sz="2600" dirty="0">
                 <a:hlinkClick r:id="rId4"/>
               </a:rPr>
-              <a:t>https://</a:t>
-            </a:r>
-            <a:r>
-              <a:rPr lang="en-US" sz="2600" dirty="0" smtClean="0">
-                <a:hlinkClick r:id="rId4"/>
-              </a:rPr>
-              <a:t>docs.microsoft.com/en-us/dotnet/csharp/programming-guide/concepts/object-oriented-programming</a:t>
-            </a:r>
-            <a:endParaRPr lang="en-US" sz="2600" dirty="0" smtClean="0"/>
-          </a:p>
-          <a:p>
-            <a:r>
-              <a:rPr lang="en-US" sz="3000" dirty="0" err="1" smtClean="0"/>
+              <a:t>https://docs.microsoft.com/en-us/dotnet/csharp/programming-guide/concepts/object-oriented-programming</a:t>
+            </a:r>
+            <a:endParaRPr lang="en-US" sz="2600" dirty="0"/>
+          </a:p>
+          <a:p>
+            <a:r>
+              <a:rPr lang="en-US" sz="3000" dirty="0" err="1"/>
               <a:t>Udemy</a:t>
             </a:r>
-            <a:endParaRPr lang="en-US" sz="3000" dirty="0" smtClean="0"/>
+            <a:endParaRPr lang="en-US" sz="3000" dirty="0"/>
           </a:p>
           <a:p>
             <a:pPr lvl="1"/>
@@ -14880,18 +15313,12 @@
               <a:rPr lang="en-US" sz="2600" dirty="0">
                 <a:hlinkClick r:id="rId5"/>
               </a:rPr>
-              <a:t>https://www.udemy.com/basics-of-object-oriented-programming-with-csharp</a:t>
-            </a:r>
-            <a:r>
-              <a:rPr lang="en-US" sz="2600" dirty="0" smtClean="0">
-                <a:hlinkClick r:id="rId5"/>
-              </a:rPr>
-              <a:t>/</a:t>
-            </a:r>
-            <a:endParaRPr lang="en-US" sz="2600" dirty="0" smtClean="0"/>
-          </a:p>
-          <a:p>
-            <a:endParaRPr lang="en-US" sz="2800" dirty="0" smtClean="0"/>
+              <a:t>https://www.udemy.com/basics-of-object-oriented-programming-with-csharp/</a:t>
+            </a:r>
+            <a:endParaRPr lang="en-US" sz="2600" dirty="0"/>
+          </a:p>
+          <a:p>
+            <a:endParaRPr lang="en-US" sz="2800" dirty="0"/>
           </a:p>
         </p:txBody>
       </p:sp>
@@ -14908,7 +15335,7 @@
 </p:sld>
 </file>
 
-<file path=ppt/slides/slide36.xml><?xml version="1.0" encoding="utf-8"?>
+<file path=ppt/slides/slide39.xml><?xml version="1.0" encoding="utf-8"?>
 <p:sld xmlns:a="http://schemas.openxmlformats.org/drawingml/2006/main" xmlns:r="http://schemas.openxmlformats.org/officeDocument/2006/relationships" xmlns:p="http://schemas.openxmlformats.org/presentationml/2006/main">
   <p:cSld>
     <p:spTree>
@@ -14941,10 +15368,9 @@
           <a:lstStyle/>
           <a:p>
             <a:r>
-              <a:rPr lang="en-US" dirty="0" smtClean="0"/>
+              <a:rPr lang="en-US" dirty="0"/>
               <a:t>Keep Practicing!</a:t>
             </a:r>
-            <a:endParaRPr lang="en-US" dirty="0"/>
           </a:p>
         </p:txBody>
       </p:sp>
@@ -14971,19 +15397,19 @@
           <a:lstStyle/>
           <a:p>
             <a:r>
-              <a:rPr lang="en-US" sz="3200" dirty="0" smtClean="0"/>
+              <a:rPr lang="en-US" sz="3200" dirty="0"/>
               <a:t>Try creating new classes and instantiating them.</a:t>
             </a:r>
           </a:p>
           <a:p>
             <a:r>
-              <a:rPr lang="en-US" sz="3200" dirty="0" smtClean="0"/>
+              <a:rPr lang="en-US" sz="3200" dirty="0"/>
               <a:t>Try to think of different parent child relationships and implement with inheritance.</a:t>
             </a:r>
           </a:p>
           <a:p>
             <a:r>
-              <a:rPr lang="en-US" sz="2800" dirty="0" smtClean="0"/>
+              <a:rPr lang="en-US" sz="2800" dirty="0"/>
               <a:t>Try to think of classes that could implement an interface and create the interface and classes that implement it.</a:t>
             </a:r>
           </a:p>
@@ -15035,10 +15461,9 @@
           <a:lstStyle/>
           <a:p>
             <a:r>
-              <a:rPr lang="en-US" dirty="0" smtClean="0"/>
+              <a:rPr lang="en-US" dirty="0"/>
               <a:t>Class Syntax</a:t>
             </a:r>
-            <a:endParaRPr lang="en-US" dirty="0"/>
           </a:p>
         </p:txBody>
       </p:sp>
@@ -15063,7 +15488,7 @@
               <a:buNone/>
             </a:pPr>
             <a:r>
-              <a:rPr lang="en-US" sz="2600" dirty="0" smtClean="0"/>
+              <a:rPr lang="en-US" sz="2600" dirty="0"/>
               <a:t>[access modifier] class [name] : [base class], [interface1], [interface2]</a:t>
             </a:r>
           </a:p>
@@ -15072,7 +15497,7 @@
               <a:buNone/>
             </a:pPr>
             <a:r>
-              <a:rPr lang="en-US" sz="2600" dirty="0" smtClean="0"/>
+              <a:rPr lang="en-US" sz="2600" dirty="0"/>
               <a:t>{</a:t>
             </a:r>
           </a:p>
@@ -15082,62 +15507,7 @@
             </a:pPr>
             <a:r>
               <a:rPr lang="en-US" sz="2600" dirty="0"/>
-              <a:t>	</a:t>
-            </a:r>
-            <a:r>
-              <a:rPr lang="en-US" sz="2600" dirty="0" smtClean="0"/>
-              <a:t>Statements…</a:t>
-            </a:r>
-          </a:p>
-          <a:p>
-            <a:pPr marL="457200" lvl="1" indent="0">
-              <a:buNone/>
-            </a:pPr>
-            <a:r>
-              <a:rPr lang="en-US" sz="2600" dirty="0" smtClean="0"/>
-              <a:t>}</a:t>
-            </a:r>
-          </a:p>
-          <a:p>
-            <a:pPr marL="457200" lvl="1" indent="0">
-              <a:buNone/>
-            </a:pPr>
-            <a:endParaRPr lang="en-US" sz="2600" dirty="0"/>
-          </a:p>
-          <a:p>
-            <a:pPr marL="457200" lvl="1" indent="0">
-              <a:buNone/>
-            </a:pPr>
-            <a:r>
-              <a:rPr lang="en-US" sz="2600" dirty="0" smtClean="0"/>
-              <a:t>public class Car : Automobile, </a:t>
-            </a:r>
-            <a:r>
-              <a:rPr lang="en-US" sz="2600" dirty="0" err="1" smtClean="0"/>
-              <a:t>IPositionWriter</a:t>
-            </a:r>
-            <a:endParaRPr lang="en-US" sz="2600" dirty="0" smtClean="0"/>
-          </a:p>
-          <a:p>
-            <a:pPr marL="457200" lvl="1" indent="0">
-              <a:buNone/>
-            </a:pPr>
-            <a:r>
-              <a:rPr lang="en-US" sz="2600" dirty="0" smtClean="0"/>
-              <a:t>{</a:t>
-            </a:r>
-          </a:p>
-          <a:p>
-            <a:pPr marL="457200" lvl="1" indent="0">
-              <a:buNone/>
-            </a:pPr>
-            <a:r>
-              <a:rPr lang="en-US" sz="2600" dirty="0"/>
-              <a:t> </a:t>
-            </a:r>
-            <a:r>
-              <a:rPr lang="en-US" sz="2600" dirty="0" smtClean="0"/>
-              <a:t>  Statements…</a:t>
+              <a:t>	Statements…</a:t>
             </a:r>
           </a:p>
           <a:p>
@@ -15148,9 +15518,52 @@
               <a:rPr lang="en-US" sz="2600" dirty="0"/>
               <a:t>}</a:t>
             </a:r>
-            <a:r>
-              <a:rPr lang="en-US" sz="2600" dirty="0" smtClean="0"/>
-              <a:t> </a:t>
+          </a:p>
+          <a:p>
+            <a:pPr marL="457200" lvl="1" indent="0">
+              <a:buNone/>
+            </a:pPr>
+            <a:endParaRPr lang="en-US" sz="2600" dirty="0"/>
+          </a:p>
+          <a:p>
+            <a:pPr marL="457200" lvl="1" indent="0">
+              <a:buNone/>
+            </a:pPr>
+            <a:r>
+              <a:rPr lang="en-US" sz="2600" dirty="0"/>
+              <a:t>public class Car : Automobile, </a:t>
+            </a:r>
+            <a:r>
+              <a:rPr lang="en-US" sz="2600" dirty="0" err="1"/>
+              <a:t>IPositionWriter</a:t>
+            </a:r>
+            <a:endParaRPr lang="en-US" sz="2600" dirty="0"/>
+          </a:p>
+          <a:p>
+            <a:pPr marL="457200" lvl="1" indent="0">
+              <a:buNone/>
+            </a:pPr>
+            <a:r>
+              <a:rPr lang="en-US" sz="2600" dirty="0"/>
+              <a:t>{</a:t>
+            </a:r>
+          </a:p>
+          <a:p>
+            <a:pPr marL="457200" lvl="1" indent="0">
+              <a:buNone/>
+            </a:pPr>
+            <a:r>
+              <a:rPr lang="en-US" sz="2600" dirty="0"/>
+              <a:t>   Statements…</a:t>
+            </a:r>
+          </a:p>
+          <a:p>
+            <a:pPr marL="457200" lvl="1" indent="0">
+              <a:buNone/>
+            </a:pPr>
+            <a:r>
+              <a:rPr lang="en-US" sz="2600" dirty="0"/>
+              <a:t>} </a:t>
             </a:r>
           </a:p>
         </p:txBody>
@@ -15201,10 +15614,9 @@
           <a:lstStyle/>
           <a:p>
             <a:r>
-              <a:rPr lang="en-US" dirty="0" smtClean="0"/>
+              <a:rPr lang="en-US" dirty="0"/>
               <a:t>Namespaces</a:t>
             </a:r>
-            <a:endParaRPr lang="en-US" dirty="0"/>
           </a:p>
         </p:txBody>
       </p:sp>
@@ -15226,31 +15638,31 @@
           <a:lstStyle/>
           <a:p>
             <a:r>
-              <a:rPr lang="en-US" sz="2800" dirty="0" smtClean="0"/>
+              <a:rPr lang="en-US" sz="2800" dirty="0"/>
               <a:t>Statement block that contains classes</a:t>
             </a:r>
           </a:p>
           <a:p>
             <a:r>
-              <a:rPr lang="en-US" sz="2800" dirty="0" smtClean="0"/>
+              <a:rPr lang="en-US" sz="2800" dirty="0"/>
               <a:t>Group Related Classes</a:t>
             </a:r>
           </a:p>
           <a:p>
             <a:r>
-              <a:rPr lang="en-US" sz="2800" dirty="0" smtClean="0"/>
+              <a:rPr lang="en-US" sz="2800" dirty="0"/>
               <a:t>Similar to a Category</a:t>
             </a:r>
           </a:p>
           <a:p>
             <a:r>
-              <a:rPr lang="en-US" sz="2800" dirty="0" smtClean="0"/>
+              <a:rPr lang="en-US" sz="2800" dirty="0"/>
               <a:t>Contain periods . to denote Sub Categories</a:t>
             </a:r>
           </a:p>
           <a:p>
             <a:r>
-              <a:rPr lang="en-US" sz="2800" dirty="0" smtClean="0"/>
+              <a:rPr lang="en-US" sz="2800" dirty="0"/>
               <a:t>Often follow a naming convention like:</a:t>
             </a:r>
           </a:p>
@@ -15259,7 +15671,7 @@
               <a:buNone/>
             </a:pPr>
             <a:r>
-              <a:rPr lang="en-US" sz="2600" dirty="0" smtClean="0"/>
+              <a:rPr lang="en-US" sz="2600" dirty="0"/>
               <a:t>[Company].[Application].[Component].[Category]</a:t>
             </a:r>
           </a:p>
@@ -15311,10 +15723,9 @@
           <a:lstStyle/>
           <a:p>
             <a:r>
-              <a:rPr lang="en-US" dirty="0" smtClean="0"/>
+              <a:rPr lang="en-US" dirty="0"/>
               <a:t>Namespace Syntax</a:t>
             </a:r>
-            <a:endParaRPr lang="en-US" dirty="0"/>
           </a:p>
         </p:txBody>
       </p:sp>
@@ -15339,7 +15750,7 @@
               <a:buNone/>
             </a:pPr>
             <a:r>
-              <a:rPr lang="en-US" sz="2800" dirty="0" smtClean="0"/>
+              <a:rPr lang="en-US" sz="2800" dirty="0"/>
               <a:t>namespace [name]</a:t>
             </a:r>
           </a:p>
@@ -15348,7 +15759,7 @@
               <a:buNone/>
             </a:pPr>
             <a:r>
-              <a:rPr lang="en-US" sz="2800" dirty="0" smtClean="0"/>
+              <a:rPr lang="en-US" sz="2800" dirty="0"/>
               <a:t>{</a:t>
             </a:r>
           </a:p>
@@ -15356,13 +15767,59 @@
             <a:pPr marL="0" indent="0">
               <a:buNone/>
             </a:pPr>
+            <a:r>
+              <a:rPr lang="en-US" sz="2800" dirty="0"/>
+              <a:t>   Statements…</a:t>
+            </a:r>
+          </a:p>
+          <a:p>
+            <a:pPr marL="0" indent="0">
+              <a:buNone/>
+            </a:pPr>
+            <a:r>
+              <a:rPr lang="en-US" sz="2800" dirty="0"/>
+              <a:t>}</a:t>
+            </a:r>
+          </a:p>
+          <a:p>
+            <a:pPr marL="0" indent="0">
+              <a:buNone/>
+            </a:pPr>
+            <a:endParaRPr lang="en-US" sz="2800" dirty="0"/>
+          </a:p>
+          <a:p>
+            <a:pPr marL="0" indent="0">
+              <a:buNone/>
+            </a:pPr>
+            <a:r>
+              <a:rPr lang="en-US" sz="2800" dirty="0"/>
+              <a:t>namespace </a:t>
+            </a:r>
+            <a:r>
+              <a:rPr lang="en-US" sz="2800" dirty="0" err="1"/>
+              <a:t>Logols.Assessment.Entities.Subjects</a:t>
+            </a:r>
             <a:r>
               <a:rPr lang="en-US" sz="2800" dirty="0"/>
               <a:t> </a:t>
             </a:r>
-            <a:r>
-              <a:rPr lang="en-US" sz="2800" dirty="0" smtClean="0"/>
-              <a:t>  Statements…</a:t>
+          </a:p>
+          <a:p>
+            <a:pPr marL="0" indent="0">
+              <a:buNone/>
+            </a:pPr>
+            <a:r>
+              <a:rPr lang="en-US" sz="2800" dirty="0"/>
+              <a:t>{</a:t>
+            </a:r>
+          </a:p>
+          <a:p>
+            <a:pPr marL="0" indent="0">
+              <a:buNone/>
+            </a:pPr>
+            <a:r>
+              <a:rPr lang="en-US" sz="2800" dirty="0"/>
+              <a:t>   Statements…</a:t>
             </a:r>
           </a:p>
           <a:p>
@@ -15373,59 +15830,6 @@
               <a:rPr lang="en-US" sz="2800" dirty="0"/>
               <a:t>}</a:t>
             </a:r>
-            <a:endParaRPr lang="en-US" sz="2800" dirty="0" smtClean="0"/>
-          </a:p>
-          <a:p>
-            <a:pPr marL="0" indent="0">
-              <a:buNone/>
-            </a:pPr>
-            <a:endParaRPr lang="en-US" sz="2800" dirty="0"/>
-          </a:p>
-          <a:p>
-            <a:pPr marL="0" indent="0">
-              <a:buNone/>
-            </a:pPr>
-            <a:r>
-              <a:rPr lang="en-US" sz="2800" dirty="0" smtClean="0"/>
-              <a:t>namespace </a:t>
-            </a:r>
-            <a:r>
-              <a:rPr lang="en-US" sz="2800" dirty="0" err="1" smtClean="0"/>
-              <a:t>Logols.Assessment.Entities.Subjects</a:t>
-            </a:r>
-            <a:r>
-              <a:rPr lang="en-US" sz="2800" dirty="0"/>
-              <a:t> </a:t>
-            </a:r>
-            <a:endParaRPr lang="en-US" sz="2800" dirty="0" smtClean="0"/>
-          </a:p>
-          <a:p>
-            <a:pPr marL="0" indent="0">
-              <a:buNone/>
-            </a:pPr>
-            <a:r>
-              <a:rPr lang="en-US" sz="2800" dirty="0" smtClean="0"/>
-              <a:t>{</a:t>
-            </a:r>
-          </a:p>
-          <a:p>
-            <a:pPr marL="0" indent="0">
-              <a:buNone/>
-            </a:pPr>
-            <a:r>
-              <a:rPr lang="en-US" sz="2800" dirty="0" smtClean="0"/>
-              <a:t>   Statements…</a:t>
-            </a:r>
-          </a:p>
-          <a:p>
-            <a:pPr marL="0" indent="0">
-              <a:buNone/>
-            </a:pPr>
-            <a:r>
-              <a:rPr lang="en-US" sz="2800" dirty="0"/>
-              <a:t>}</a:t>
-            </a:r>
-            <a:endParaRPr lang="en-US" sz="2800" dirty="0" smtClean="0"/>
           </a:p>
         </p:txBody>
       </p:sp>
@@ -15475,10 +15879,9 @@
           <a:lstStyle/>
           <a:p>
             <a:r>
-              <a:rPr lang="en-US" dirty="0" smtClean="0"/>
+              <a:rPr lang="en-US" dirty="0"/>
               <a:t>Using Directive</a:t>
             </a:r>
-            <a:endParaRPr lang="en-US" dirty="0"/>
           </a:p>
         </p:txBody>
       </p:sp>
@@ -15500,25 +15903,25 @@
           <a:lstStyle/>
           <a:p>
             <a:r>
-              <a:rPr lang="en-US" sz="2800" dirty="0" smtClean="0"/>
+              <a:rPr lang="en-US" sz="2800" dirty="0"/>
               <a:t>Allows use of Type in a Namespace</a:t>
             </a:r>
           </a:p>
           <a:p>
             <a:r>
-              <a:rPr lang="en-US" sz="2800" dirty="0" smtClean="0"/>
+              <a:rPr lang="en-US" sz="2800" dirty="0"/>
               <a:t>Listed at the top of a code file above the namespace.</a:t>
             </a:r>
           </a:p>
           <a:p>
             <a:r>
-              <a:rPr lang="en-US" sz="2800" dirty="0" smtClean="0"/>
+              <a:rPr lang="en-US" sz="2800" dirty="0"/>
               <a:t>Easier/Shorter than Listing a Type with the Namespace</a:t>
             </a:r>
           </a:p>
           <a:p>
             <a:r>
-              <a:rPr lang="en-US" sz="2800" dirty="0" smtClean="0"/>
+              <a:rPr lang="en-US" sz="2800" dirty="0"/>
               <a:t>Example:</a:t>
             </a:r>
           </a:p>
@@ -15531,7 +15934,7 @@
               <a:t>using </a:t>
             </a:r>
             <a:r>
-              <a:rPr lang="en-US" sz="2800" dirty="0" err="1" smtClean="0"/>
+              <a:rPr lang="en-US" sz="2800" dirty="0" err="1"/>
               <a:t>Logols.Assessment.Entities.Subjects</a:t>
             </a:r>
             <a:r>
@@ -15587,10 +15990,9 @@
           <a:lstStyle/>
           <a:p>
             <a:r>
-              <a:rPr lang="en-US" dirty="0" smtClean="0"/>
+              <a:rPr lang="en-US" dirty="0"/>
               <a:t>Constructor</a:t>
             </a:r>
-            <a:endParaRPr lang="en-US" dirty="0"/>
           </a:p>
         </p:txBody>
       </p:sp>
@@ -15612,25 +16014,25 @@
           <a:lstStyle/>
           <a:p>
             <a:r>
-              <a:rPr lang="en-US" sz="2800" dirty="0" smtClean="0"/>
+              <a:rPr lang="en-US" sz="2800" dirty="0"/>
               <a:t>Method called when a class is instantiated</a:t>
             </a:r>
           </a:p>
           <a:p>
             <a:r>
-              <a:rPr lang="en-US" sz="2800" dirty="0" smtClean="0"/>
+              <a:rPr lang="en-US" sz="2800" dirty="0"/>
               <a:t>Method Name = Class Name</a:t>
             </a:r>
           </a:p>
           <a:p>
             <a:r>
-              <a:rPr lang="en-US" sz="2800" dirty="0" smtClean="0"/>
+              <a:rPr lang="en-US" sz="2800" dirty="0"/>
               <a:t>Return type or void is not used</a:t>
             </a:r>
           </a:p>
           <a:p>
             <a:r>
-              <a:rPr lang="en-US" sz="2800" dirty="0" smtClean="0"/>
+              <a:rPr lang="en-US" sz="2800" dirty="0"/>
               <a:t>Can be overloaded</a:t>
             </a:r>
           </a:p>
@@ -15772,10 +16174,9 @@
           <a:lstStyle/>
           <a:p>
             <a:r>
-              <a:rPr lang="en-US" dirty="0" smtClean="0"/>
+              <a:rPr lang="en-US" dirty="0"/>
               <a:t>EXAMPLE</a:t>
             </a:r>
-            <a:endParaRPr lang="en-US" dirty="0"/>
           </a:p>
         </p:txBody>
       </p:sp>
@@ -15795,10 +16196,9 @@
           <a:lstStyle/>
           <a:p>
             <a:r>
-              <a:rPr lang="en-US" dirty="0" smtClean="0"/>
+              <a:rPr lang="en-US" dirty="0"/>
               <a:t>Class with Constructor</a:t>
             </a:r>
-            <a:endParaRPr lang="en-US" dirty="0"/>
           </a:p>
         </p:txBody>
       </p:sp>
@@ -15842,13 +16242,6 @@
   <p:clrMapOvr>
     <a:masterClrMapping/>
   </p:clrMapOvr>
-  <p:timing>
-    <p:tnLst>
-      <p:par>
-        <p:cTn id="1" dur="indefinite" restart="never" nodeType="tmRoot"/>
-      </p:par>
-    </p:tnLst>
-  </p:timing>
 </p:sld>
 </file>
 

--- a/Slides/03_OOP_TrainingPlan.pptx
+++ b/Slides/03_OOP_TrainingPlan.pptx
@@ -11517,22 +11517,19 @@
         </p:spPr>
         <p:txBody>
           <a:bodyPr>
-            <a:normAutofit fontScale="92500" lnSpcReduction="20000"/>
+            <a:normAutofit fontScale="92500" lnSpcReduction="10000"/>
           </a:bodyPr>
           <a:lstStyle/>
           <a:p>
             <a:r>
               <a:rPr lang="en-US" sz="4000" dirty="0"/>
-              <a:t>Create a new console project named </a:t>
-            </a:r>
-            <a:r>
-              <a:rPr lang="en-US" sz="4000" dirty="0" err="1"/>
-              <a:t>Zombie.Simulator</a:t>
-            </a:r>
-            <a:r>
-              <a:rPr lang="en-US" sz="4000" dirty="0"/>
-              <a:t>.</a:t>
-            </a:r>
+              <a:t>Create a new </a:t>
+            </a:r>
+            <a:r>
+              <a:rPr lang="en-US" sz="4000"/>
+              <a:t>console project.</a:t>
+            </a:r>
+            <a:endParaRPr lang="en-US" sz="4000" dirty="0"/>
           </a:p>
           <a:p>
             <a:r>

--- a/Slides/03_OOP_TrainingPlan.pptx
+++ b/Slides/03_OOP_TrainingPlan.pptx
@@ -11523,13 +11523,8 @@
           <a:p>
             <a:r>
               <a:rPr lang="en-US" sz="4000" dirty="0"/>
-              <a:t>Create a new </a:t>
-            </a:r>
-            <a:r>
-              <a:rPr lang="en-US" sz="4000"/>
-              <a:t>console project.</a:t>
-            </a:r>
-            <a:endParaRPr lang="en-US" sz="4000" dirty="0"/>
+              <a:t>Create a new console project.</a:t>
+            </a:r>
           </a:p>
           <a:p>
             <a:r>
@@ -13330,7 +13325,7 @@
           <p:nvPr>
             <p:extLst>
               <p:ext uri="{D42A27DB-BD31-4B8C-83A1-F6EECF244321}">
-                <p14:modId xmlns:p14="http://schemas.microsoft.com/office/powerpoint/2010/main" val="896941369"/>
+                <p14:modId xmlns:p14="http://schemas.microsoft.com/office/powerpoint/2010/main" val="496240054"/>
               </p:ext>
             </p:extLst>
           </p:nvPr>
@@ -13377,7 +13372,7 @@
                       <a:pPr algn="ctr"/>
                       <a:r>
                         <a:rPr lang="en-US" dirty="0"/>
-                        <a:t>Vehicle</a:t>
+                        <a:t>Shape</a:t>
                       </a:r>
                     </a:p>
                   </a:txBody>
@@ -13391,7 +13386,7 @@
                       <a:pPr algn="ctr"/>
                       <a:r>
                         <a:rPr lang="en-US" dirty="0"/>
-                        <a:t>Car</a:t>
+                        <a:t>Height</a:t>
                       </a:r>
                     </a:p>
                   </a:txBody>
@@ -13405,7 +13400,7 @@
                       <a:pPr algn="ctr"/>
                       <a:r>
                         <a:rPr lang="en-US" dirty="0"/>
-                        <a:t>Truck</a:t>
+                        <a:t>Circle</a:t>
                       </a:r>
                     </a:p>
                   </a:txBody>

--- a/Slides/03_OOP_TrainingPlan.pptx
+++ b/Slides/03_OOP_TrainingPlan.pptx
@@ -235,7 +235,7 @@
           <a:p>
             <a:fld id="{4634CC69-5985-4F2B-94BC-C394CAD8886F}" type="datetimeFigureOut">
               <a:rPr lang="en-US" smtClean="0"/>
-              <a:t>5/25/2018</a:t>
+              <a:t>6/1/2018</a:t>
             </a:fld>
             <a:endParaRPr lang="en-US"/>
           </a:p>
@@ -5380,7 +5380,7 @@
           <a:p>
             <a:fld id="{96FB5D56-0812-4ED5-8B52-3D0DCBF578CB}" type="datetimeFigureOut">
               <a:rPr lang="en-US" smtClean="0"/>
-              <a:t>5/25/2018</a:t>
+              <a:t>6/1/2018</a:t>
             </a:fld>
             <a:endParaRPr lang="en-US"/>
           </a:p>
@@ -5655,7 +5655,7 @@
           <a:p>
             <a:fld id="{96FB5D56-0812-4ED5-8B52-3D0DCBF578CB}" type="datetimeFigureOut">
               <a:rPr lang="en-US" smtClean="0"/>
-              <a:t>5/25/2018</a:t>
+              <a:t>6/1/2018</a:t>
             </a:fld>
             <a:endParaRPr lang="en-US"/>
           </a:p>
@@ -5849,7 +5849,7 @@
           <a:p>
             <a:fld id="{96FB5D56-0812-4ED5-8B52-3D0DCBF578CB}" type="datetimeFigureOut">
               <a:rPr lang="en-US" smtClean="0"/>
-              <a:t>5/25/2018</a:t>
+              <a:t>6/1/2018</a:t>
             </a:fld>
             <a:endParaRPr lang="en-US"/>
           </a:p>
@@ -6122,7 +6122,7 @@
           <a:p>
             <a:fld id="{96FB5D56-0812-4ED5-8B52-3D0DCBF578CB}" type="datetimeFigureOut">
               <a:rPr lang="en-US" smtClean="0"/>
-              <a:t>5/25/2018</a:t>
+              <a:t>6/1/2018</a:t>
             </a:fld>
             <a:endParaRPr lang="en-US"/>
           </a:p>
@@ -6463,7 +6463,7 @@
           <a:p>
             <a:fld id="{96FB5D56-0812-4ED5-8B52-3D0DCBF578CB}" type="datetimeFigureOut">
               <a:rPr lang="en-US" smtClean="0"/>
-              <a:t>5/25/2018</a:t>
+              <a:t>6/1/2018</a:t>
             </a:fld>
             <a:endParaRPr lang="en-US"/>
           </a:p>
@@ -7086,7 +7086,7 @@
           <a:p>
             <a:fld id="{96FB5D56-0812-4ED5-8B52-3D0DCBF578CB}" type="datetimeFigureOut">
               <a:rPr lang="en-US" smtClean="0"/>
-              <a:t>5/25/2018</a:t>
+              <a:t>6/1/2018</a:t>
             </a:fld>
             <a:endParaRPr lang="en-US"/>
           </a:p>
@@ -7946,7 +7946,7 @@
           <a:p>
             <a:fld id="{96FB5D56-0812-4ED5-8B52-3D0DCBF578CB}" type="datetimeFigureOut">
               <a:rPr lang="en-US" smtClean="0"/>
-              <a:t>5/25/2018</a:t>
+              <a:t>6/1/2018</a:t>
             </a:fld>
             <a:endParaRPr lang="en-US"/>
           </a:p>
@@ -8116,7 +8116,7 @@
           <a:p>
             <a:fld id="{96FB5D56-0812-4ED5-8B52-3D0DCBF578CB}" type="datetimeFigureOut">
               <a:rPr lang="en-US" smtClean="0"/>
-              <a:t>5/25/2018</a:t>
+              <a:t>6/1/2018</a:t>
             </a:fld>
             <a:endParaRPr lang="en-US"/>
           </a:p>
@@ -8296,7 +8296,7 @@
           <a:p>
             <a:fld id="{96FB5D56-0812-4ED5-8B52-3D0DCBF578CB}" type="datetimeFigureOut">
               <a:rPr lang="en-US" smtClean="0"/>
-              <a:t>5/25/2018</a:t>
+              <a:t>6/1/2018</a:t>
             </a:fld>
             <a:endParaRPr lang="en-US"/>
           </a:p>
@@ -8466,7 +8466,7 @@
           <a:p>
             <a:fld id="{96FB5D56-0812-4ED5-8B52-3D0DCBF578CB}" type="datetimeFigureOut">
               <a:rPr lang="en-US" smtClean="0"/>
-              <a:t>5/25/2018</a:t>
+              <a:t>6/1/2018</a:t>
             </a:fld>
             <a:endParaRPr lang="en-US"/>
           </a:p>
@@ -8713,7 +8713,7 @@
           <a:p>
             <a:fld id="{96FB5D56-0812-4ED5-8B52-3D0DCBF578CB}" type="datetimeFigureOut">
               <a:rPr lang="en-US" smtClean="0"/>
-              <a:t>5/25/2018</a:t>
+              <a:t>6/1/2018</a:t>
             </a:fld>
             <a:endParaRPr lang="en-US"/>
           </a:p>
@@ -9005,7 +9005,7 @@
           <a:p>
             <a:fld id="{96FB5D56-0812-4ED5-8B52-3D0DCBF578CB}" type="datetimeFigureOut">
               <a:rPr lang="en-US" smtClean="0"/>
-              <a:t>5/25/2018</a:t>
+              <a:t>6/1/2018</a:t>
             </a:fld>
             <a:endParaRPr lang="en-US"/>
           </a:p>
@@ -9449,7 +9449,7 @@
           <a:p>
             <a:fld id="{96FB5D56-0812-4ED5-8B52-3D0DCBF578CB}" type="datetimeFigureOut">
               <a:rPr lang="en-US" smtClean="0"/>
-              <a:t>5/25/2018</a:t>
+              <a:t>6/1/2018</a:t>
             </a:fld>
             <a:endParaRPr lang="en-US"/>
           </a:p>
@@ -9567,7 +9567,7 @@
           <a:p>
             <a:fld id="{96FB5D56-0812-4ED5-8B52-3D0DCBF578CB}" type="datetimeFigureOut">
               <a:rPr lang="en-US" smtClean="0"/>
-              <a:t>5/25/2018</a:t>
+              <a:t>6/1/2018</a:t>
             </a:fld>
             <a:endParaRPr lang="en-US"/>
           </a:p>
@@ -9662,7 +9662,7 @@
           <a:p>
             <a:fld id="{96FB5D56-0812-4ED5-8B52-3D0DCBF578CB}" type="datetimeFigureOut">
               <a:rPr lang="en-US" smtClean="0"/>
-              <a:t>5/25/2018</a:t>
+              <a:t>6/1/2018</a:t>
             </a:fld>
             <a:endParaRPr lang="en-US"/>
           </a:p>
@@ -9941,7 +9941,7 @@
           <a:p>
             <a:fld id="{96FB5D56-0812-4ED5-8B52-3D0DCBF578CB}" type="datetimeFigureOut">
               <a:rPr lang="en-US" smtClean="0"/>
-              <a:t>5/25/2018</a:t>
+              <a:t>6/1/2018</a:t>
             </a:fld>
             <a:endParaRPr lang="en-US"/>
           </a:p>
@@ -10216,7 +10216,7 @@
           <a:p>
             <a:fld id="{96FB5D56-0812-4ED5-8B52-3D0DCBF578CB}" type="datetimeFigureOut">
               <a:rPr lang="en-US" smtClean="0"/>
-              <a:t>5/25/2018</a:t>
+              <a:t>6/1/2018</a:t>
             </a:fld>
             <a:endParaRPr lang="en-US"/>
           </a:p>
@@ -10645,7 +10645,7 @@
           <a:p>
             <a:fld id="{96FB5D56-0812-4ED5-8B52-3D0DCBF578CB}" type="datetimeFigureOut">
               <a:rPr lang="en-US" smtClean="0"/>
-              <a:t>5/25/2018</a:t>
+              <a:t>6/1/2018</a:t>
             </a:fld>
             <a:endParaRPr lang="en-US"/>
           </a:p>
